--- a/Docs/RTGI using rasterization.pptx
+++ b/Docs/RTGI using rasterization.pptx
@@ -106,6 +106,11 @@
       </a:defRPr>
     </a:lvl9pPr>
   </p:defaultTextStyle>
+  <p:extLst>
+    <p:ext uri="{EFAFB233-063F-42B5-8137-9DF3F51BA10A}">
+      <p15:sldGuideLst xmlns:p15="http://schemas.microsoft.com/office/powerpoint/2012/main"/>
+    </p:ext>
+  </p:extLst>
 </p:presentation>
 </file>
 
@@ -3312,7 +3317,7 @@
         </p:nvSpPr>
         <p:spPr>
           <a:xfrm>
-            <a:off x="2314832" y="2695107"/>
+            <a:off x="2223877" y="2686307"/>
             <a:ext cx="2882213" cy="334437"/>
           </a:xfrm>
           <a:prstGeom prst="roundRect">
@@ -3368,7 +3373,7 @@
         </p:nvSpPr>
         <p:spPr>
           <a:xfrm>
-            <a:off x="7080492" y="1939789"/>
+            <a:off x="7185779" y="1949209"/>
             <a:ext cx="2866440" cy="414860"/>
           </a:xfrm>
           <a:prstGeom prst="roundRect">
@@ -3596,7 +3601,7 @@
         </p:nvSpPr>
         <p:spPr>
           <a:xfrm>
-            <a:off x="7806642" y="2684483"/>
+            <a:off x="8382453" y="2678718"/>
             <a:ext cx="2078763" cy="345062"/>
           </a:xfrm>
           <a:prstGeom prst="roundRect">
@@ -3688,8 +3693,8 @@
         </p:nvSpPr>
         <p:spPr>
           <a:xfrm>
-            <a:off x="5650450" y="2683589"/>
-            <a:ext cx="1702918" cy="345955"/>
+            <a:off x="5212302" y="2683661"/>
+            <a:ext cx="3063939" cy="345955"/>
           </a:xfrm>
           <a:prstGeom prst="roundRect">
             <a:avLst/>
@@ -3718,7 +3723,15 @@
             <a:pPr algn="ctr"/>
             <a:r>
               <a:rPr lang="en-US" sz="1400" dirty="0" smtClean="0"/>
-              <a:t>Global Ray-bundles</a:t>
+              <a:t>Global </a:t>
+            </a:r>
+            <a:r>
+              <a:rPr lang="en-US" sz="1400" dirty="0" smtClean="0"/>
+              <a:t>Ray-bundles using </a:t>
+            </a:r>
+            <a:r>
+              <a:rPr lang="en-US" sz="1400" dirty="0" err="1" smtClean="0"/>
+              <a:t>Rasterization</a:t>
             </a:r>
             <a:endParaRPr lang="en-US" sz="1400" dirty="0"/>
           </a:p>
@@ -4325,7 +4338,7 @@
         <p:spPr>
           <a:xfrm>
             <a:off x="1301578" y="1637314"/>
-            <a:ext cx="337562" cy="302475"/>
+            <a:ext cx="189471" cy="302475"/>
           </a:xfrm>
           <a:prstGeom prst="downArrow">
             <a:avLst/>
@@ -4358,16 +4371,16 @@
       </p:sp>
       <p:sp>
         <p:nvSpPr>
-          <p:cNvPr id="30" name="Down Arrow 29"/>
+          <p:cNvPr id="34" name="Rounded Rectangle 33"/>
           <p:cNvSpPr/>
           <p:nvPr/>
         </p:nvSpPr>
         <p:spPr>
           <a:xfrm>
-            <a:off x="2924363" y="1638920"/>
-            <a:ext cx="337562" cy="302475"/>
-          </a:xfrm>
-          <a:prstGeom prst="downArrow">
+            <a:off x="1778241" y="5676439"/>
+            <a:ext cx="1493107" cy="470769"/>
+          </a:xfrm>
+          <a:prstGeom prst="roundRect">
             <a:avLst/>
           </a:prstGeom>
         </p:spPr>
@@ -4392,19 +4405,23 @@
           <a:lstStyle/>
           <a:p>
             <a:pPr algn="ctr"/>
-            <a:endParaRPr lang="en-US"/>
-          </a:p>
-        </p:txBody>
-      </p:sp>
-      <p:sp>
-        <p:nvSpPr>
-          <p:cNvPr id="31" name="Down Arrow 30"/>
+            <a:r>
+              <a:rPr lang="en-US" sz="1400" dirty="0" smtClean="0"/>
+              <a:t>Imperfect Shadow Maps</a:t>
+            </a:r>
+            <a:endParaRPr lang="en-US" sz="1400" dirty="0"/>
+          </a:p>
+        </p:txBody>
+      </p:sp>
+      <p:sp>
+        <p:nvSpPr>
+          <p:cNvPr id="41" name="Down Arrow 40"/>
           <p:cNvSpPr/>
           <p:nvPr/>
         </p:nvSpPr>
         <p:spPr>
           <a:xfrm>
-            <a:off x="5232057" y="1649144"/>
+            <a:off x="3492836" y="3041247"/>
             <a:ext cx="337562" cy="302475"/>
           </a:xfrm>
           <a:prstGeom prst="downArrow">
@@ -4438,13 +4455,13 @@
       </p:sp>
       <p:sp>
         <p:nvSpPr>
-          <p:cNvPr id="32" name="Down Arrow 31"/>
+          <p:cNvPr id="43" name="Down Arrow 42"/>
           <p:cNvSpPr/>
           <p:nvPr/>
         </p:nvSpPr>
         <p:spPr>
           <a:xfrm>
-            <a:off x="7762529" y="1637376"/>
+            <a:off x="5894546" y="3031797"/>
             <a:ext cx="337562" cy="302475"/>
           </a:xfrm>
           <a:prstGeom prst="downArrow">
@@ -4478,13 +4495,13 @@
       </p:sp>
       <p:sp>
         <p:nvSpPr>
-          <p:cNvPr id="33" name="Down Arrow 32"/>
+          <p:cNvPr id="44" name="Down Arrow 43"/>
           <p:cNvSpPr/>
           <p:nvPr/>
         </p:nvSpPr>
         <p:spPr>
           <a:xfrm>
-            <a:off x="10417337" y="1625140"/>
+            <a:off x="7015806" y="3031796"/>
             <a:ext cx="337562" cy="302475"/>
           </a:xfrm>
           <a:prstGeom prst="downArrow">
@@ -4518,16 +4535,16 @@
       </p:sp>
       <p:sp>
         <p:nvSpPr>
-          <p:cNvPr id="34" name="Rounded Rectangle 33"/>
+          <p:cNvPr id="45" name="Down Arrow 44"/>
           <p:cNvSpPr/>
           <p:nvPr/>
         </p:nvSpPr>
         <p:spPr>
           <a:xfrm>
-            <a:off x="1778241" y="5676439"/>
-            <a:ext cx="1493107" cy="470769"/>
-          </a:xfrm>
-          <a:prstGeom prst="roundRect">
+            <a:off x="3480315" y="3727290"/>
+            <a:ext cx="337562" cy="302475"/>
+          </a:xfrm>
+          <a:prstGeom prst="downArrow">
             <a:avLst/>
           </a:prstGeom>
         </p:spPr>
@@ -4552,23 +4569,19 @@
           <a:lstStyle/>
           <a:p>
             <a:pPr algn="ctr"/>
-            <a:r>
-              <a:rPr lang="en-US" sz="1400" dirty="0" smtClean="0"/>
-              <a:t>Imperfect Shadow Maps</a:t>
-            </a:r>
-            <a:endParaRPr lang="en-US" sz="1400" dirty="0"/>
-          </a:p>
-        </p:txBody>
-      </p:sp>
-      <p:sp>
-        <p:nvSpPr>
-          <p:cNvPr id="36" name="Down Arrow 35"/>
+            <a:endParaRPr lang="en-US"/>
+          </a:p>
+        </p:txBody>
+      </p:sp>
+      <p:sp>
+        <p:nvSpPr>
+          <p:cNvPr id="46" name="Down Arrow 45"/>
           <p:cNvSpPr/>
           <p:nvPr/>
         </p:nvSpPr>
         <p:spPr>
           <a:xfrm>
-            <a:off x="738399" y="2427345"/>
+            <a:off x="7522949" y="3757387"/>
             <a:ext cx="337562" cy="302475"/>
           </a:xfrm>
           <a:prstGeom prst="downArrow">
@@ -4602,13 +4615,13 @@
       </p:sp>
       <p:sp>
         <p:nvSpPr>
-          <p:cNvPr id="37" name="Down Arrow 36"/>
+          <p:cNvPr id="47" name="Down Arrow 46"/>
           <p:cNvSpPr/>
           <p:nvPr/>
         </p:nvSpPr>
         <p:spPr>
           <a:xfrm>
-            <a:off x="758709" y="3069949"/>
+            <a:off x="9081027" y="3757387"/>
             <a:ext cx="337562" cy="302475"/>
           </a:xfrm>
           <a:prstGeom prst="downArrow">
@@ -4642,13 +4655,13 @@
       </p:sp>
       <p:sp>
         <p:nvSpPr>
-          <p:cNvPr id="38" name="Down Arrow 37"/>
+          <p:cNvPr id="48" name="Down Arrow 47"/>
           <p:cNvSpPr/>
           <p:nvPr/>
         </p:nvSpPr>
         <p:spPr>
           <a:xfrm>
-            <a:off x="4539238" y="2381114"/>
+            <a:off x="3461396" y="4475313"/>
             <a:ext cx="337562" cy="302475"/>
           </a:xfrm>
           <a:prstGeom prst="downArrow">
@@ -4682,13 +4695,13 @@
       </p:sp>
       <p:sp>
         <p:nvSpPr>
-          <p:cNvPr id="39" name="Down Arrow 38"/>
+          <p:cNvPr id="49" name="Down Arrow 48"/>
           <p:cNvSpPr/>
           <p:nvPr/>
         </p:nvSpPr>
         <p:spPr>
           <a:xfrm>
-            <a:off x="5997661" y="2376243"/>
+            <a:off x="2639506" y="5350449"/>
             <a:ext cx="337562" cy="302475"/>
           </a:xfrm>
           <a:prstGeom prst="downArrow">
@@ -4722,13 +4735,13 @@
       </p:sp>
       <p:sp>
         <p:nvSpPr>
-          <p:cNvPr id="40" name="Down Arrow 39"/>
+          <p:cNvPr id="50" name="Down Arrow 49"/>
           <p:cNvSpPr/>
           <p:nvPr/>
         </p:nvSpPr>
         <p:spPr>
           <a:xfrm>
-            <a:off x="8611700" y="2358649"/>
+            <a:off x="4206821" y="5344187"/>
             <a:ext cx="337562" cy="302475"/>
           </a:xfrm>
           <a:prstGeom prst="downArrow">
@@ -4762,16 +4775,16 @@
       </p:sp>
       <p:sp>
         <p:nvSpPr>
-          <p:cNvPr id="41" name="Down Arrow 40"/>
+          <p:cNvPr id="51" name="Rounded Rectangle 50"/>
           <p:cNvSpPr/>
           <p:nvPr/>
         </p:nvSpPr>
         <p:spPr>
           <a:xfrm>
-            <a:off x="3492836" y="3041247"/>
-            <a:ext cx="337562" cy="302475"/>
-          </a:xfrm>
-          <a:prstGeom prst="downArrow">
+            <a:off x="398639" y="4047070"/>
+            <a:ext cx="1819190" cy="914400"/>
+          </a:xfrm>
+          <a:prstGeom prst="roundRect">
             <a:avLst/>
           </a:prstGeom>
         </p:spPr>
@@ -4796,20 +4809,24 @@
           <a:lstStyle/>
           <a:p>
             <a:pPr algn="ctr"/>
-            <a:endParaRPr lang="en-US"/>
-          </a:p>
-        </p:txBody>
-      </p:sp>
-      <p:sp>
-        <p:nvSpPr>
-          <p:cNvPr id="43" name="Down Arrow 42"/>
+            <a:r>
+              <a:rPr lang="en-US" sz="1400" dirty="0" smtClean="0"/>
+              <a:t>Indirect Illumination Buffer Creation and Filtering</a:t>
+            </a:r>
+            <a:endParaRPr lang="en-US" sz="1400" dirty="0"/>
+          </a:p>
+        </p:txBody>
+      </p:sp>
+      <p:sp>
+        <p:nvSpPr>
+          <p:cNvPr id="52" name="Down Arrow 51"/>
           <p:cNvSpPr/>
           <p:nvPr/>
         </p:nvSpPr>
         <p:spPr>
           <a:xfrm>
-            <a:off x="5894546" y="3031797"/>
-            <a:ext cx="337562" cy="302475"/>
+            <a:off x="1828468" y="1658015"/>
+            <a:ext cx="214529" cy="2352360"/>
           </a:xfrm>
           <a:prstGeom prst="downArrow">
             <a:avLst/>
@@ -4842,14 +4859,14 @@
       </p:sp>
       <p:sp>
         <p:nvSpPr>
-          <p:cNvPr id="44" name="Down Arrow 43"/>
+          <p:cNvPr id="53" name="Down Arrow 52"/>
           <p:cNvSpPr/>
           <p:nvPr/>
         </p:nvSpPr>
         <p:spPr>
           <a:xfrm>
-            <a:off x="7015806" y="3031796"/>
-            <a:ext cx="337562" cy="302475"/>
+            <a:off x="2965870" y="1648391"/>
+            <a:ext cx="189471" cy="302475"/>
           </a:xfrm>
           <a:prstGeom prst="downArrow">
             <a:avLst/>
@@ -4882,14 +4899,14 @@
       </p:sp>
       <p:sp>
         <p:nvSpPr>
-          <p:cNvPr id="45" name="Down Arrow 44"/>
+          <p:cNvPr id="54" name="Down Arrow 53"/>
           <p:cNvSpPr/>
           <p:nvPr/>
         </p:nvSpPr>
         <p:spPr>
           <a:xfrm>
-            <a:off x="3480315" y="3727290"/>
-            <a:ext cx="337562" cy="302475"/>
+            <a:off x="5277171" y="1654987"/>
+            <a:ext cx="189471" cy="302475"/>
           </a:xfrm>
           <a:prstGeom prst="downArrow">
             <a:avLst/>
@@ -4922,14 +4939,14 @@
       </p:sp>
       <p:sp>
         <p:nvSpPr>
-          <p:cNvPr id="46" name="Down Arrow 45"/>
+          <p:cNvPr id="55" name="Down Arrow 54"/>
           <p:cNvSpPr/>
           <p:nvPr/>
         </p:nvSpPr>
         <p:spPr>
           <a:xfrm>
-            <a:off x="7522949" y="3757387"/>
-            <a:ext cx="337562" cy="302475"/>
+            <a:off x="8293387" y="1633157"/>
+            <a:ext cx="189471" cy="302475"/>
           </a:xfrm>
           <a:prstGeom prst="downArrow">
             <a:avLst/>
@@ -4962,14 +4979,14 @@
       </p:sp>
       <p:sp>
         <p:nvSpPr>
-          <p:cNvPr id="47" name="Down Arrow 46"/>
+          <p:cNvPr id="56" name="Down Arrow 55"/>
           <p:cNvSpPr/>
           <p:nvPr/>
         </p:nvSpPr>
         <p:spPr>
           <a:xfrm>
-            <a:off x="9081027" y="3757387"/>
-            <a:ext cx="337562" cy="302475"/>
+            <a:off x="10461050" y="1633157"/>
+            <a:ext cx="189471" cy="302475"/>
           </a:xfrm>
           <a:prstGeom prst="downArrow">
             <a:avLst/>
@@ -5002,14 +5019,14 @@
       </p:sp>
       <p:sp>
         <p:nvSpPr>
-          <p:cNvPr id="48" name="Down Arrow 47"/>
+          <p:cNvPr id="57" name="Down Arrow 56"/>
           <p:cNvSpPr/>
           <p:nvPr/>
         </p:nvSpPr>
         <p:spPr>
           <a:xfrm>
-            <a:off x="3461396" y="4475313"/>
-            <a:ext cx="337562" cy="302475"/>
+            <a:off x="813188" y="2421213"/>
+            <a:ext cx="189471" cy="302475"/>
           </a:xfrm>
           <a:prstGeom prst="downArrow">
             <a:avLst/>
@@ -5042,14 +5059,14 @@
       </p:sp>
       <p:sp>
         <p:nvSpPr>
-          <p:cNvPr id="49" name="Down Arrow 48"/>
+          <p:cNvPr id="58" name="Down Arrow 57"/>
           <p:cNvSpPr/>
           <p:nvPr/>
         </p:nvSpPr>
         <p:spPr>
           <a:xfrm>
-            <a:off x="2639506" y="5350449"/>
-            <a:ext cx="337562" cy="302475"/>
+            <a:off x="798826" y="3056978"/>
+            <a:ext cx="189471" cy="302475"/>
           </a:xfrm>
           <a:prstGeom prst="downArrow">
             <a:avLst/>
@@ -5082,14 +5099,14 @@
       </p:sp>
       <p:sp>
         <p:nvSpPr>
-          <p:cNvPr id="50" name="Down Arrow 49"/>
+          <p:cNvPr id="59" name="Down Arrow 58"/>
           <p:cNvSpPr/>
           <p:nvPr/>
         </p:nvSpPr>
         <p:spPr>
           <a:xfrm>
-            <a:off x="4206821" y="5344187"/>
-            <a:ext cx="337562" cy="302475"/>
+            <a:off x="4522736" y="2374724"/>
+            <a:ext cx="189471" cy="302475"/>
           </a:xfrm>
           <a:prstGeom prst="downArrow">
             <a:avLst/>
@@ -5122,16 +5139,16 @@
       </p:sp>
       <p:sp>
         <p:nvSpPr>
-          <p:cNvPr id="51" name="Rounded Rectangle 50"/>
+          <p:cNvPr id="60" name="Down Arrow 59"/>
           <p:cNvSpPr/>
           <p:nvPr/>
         </p:nvSpPr>
         <p:spPr>
           <a:xfrm>
-            <a:off x="398639" y="4047070"/>
-            <a:ext cx="1819190" cy="914400"/>
-          </a:xfrm>
-          <a:prstGeom prst="roundRect">
+            <a:off x="6030653" y="2381186"/>
+            <a:ext cx="189471" cy="302475"/>
+          </a:xfrm>
+          <a:prstGeom prst="downArrow">
             <a:avLst/>
           </a:prstGeom>
         </p:spPr>
@@ -5156,24 +5173,20 @@
           <a:lstStyle/>
           <a:p>
             <a:pPr algn="ctr"/>
-            <a:r>
-              <a:rPr lang="en-US" sz="1400" dirty="0" smtClean="0"/>
-              <a:t>Indirect Illumination Buffer Creation and Filtering</a:t>
-            </a:r>
-            <a:endParaRPr lang="en-US" sz="1400" dirty="0"/>
-          </a:p>
-        </p:txBody>
-      </p:sp>
-      <p:sp>
-        <p:nvSpPr>
-          <p:cNvPr id="52" name="Down Arrow 51"/>
+            <a:endParaRPr lang="en-US"/>
+          </a:p>
+        </p:txBody>
+      </p:sp>
+      <p:sp>
+        <p:nvSpPr>
+          <p:cNvPr id="61" name="Down Arrow 60"/>
           <p:cNvSpPr/>
           <p:nvPr/>
         </p:nvSpPr>
         <p:spPr>
           <a:xfrm>
-            <a:off x="1828468" y="1658015"/>
-            <a:ext cx="248189" cy="2352360"/>
+            <a:off x="9201023" y="2374723"/>
+            <a:ext cx="189471" cy="302475"/>
           </a:xfrm>
           <a:prstGeom prst="downArrow">
             <a:avLst/>

--- a/Docs/RTGI using rasterization.pptx
+++ b/Docs/RTGI using rasterization.pptx
@@ -3723,11 +3723,7 @@
             <a:pPr algn="ctr"/>
             <a:r>
               <a:rPr lang="en-US" sz="1400" dirty="0" smtClean="0"/>
-              <a:t>Global </a:t>
-            </a:r>
-            <a:r>
-              <a:rPr lang="en-US" sz="1400" dirty="0" smtClean="0"/>
-              <a:t>Ray-bundles using </a:t>
+              <a:t>Global Ray-bundles using </a:t>
             </a:r>
             <a:r>
               <a:rPr lang="en-US" sz="1400" dirty="0" err="1" smtClean="0"/>
@@ -4125,7 +4121,7 @@
         </p:nvSpPr>
         <p:spPr>
           <a:xfrm>
-            <a:off x="3480315" y="5683223"/>
+            <a:off x="3480314" y="5674383"/>
             <a:ext cx="1838199" cy="457200"/>
           </a:xfrm>
           <a:prstGeom prst="roundRect">
@@ -4182,15 +4178,15 @@
         </p:spPr>
         <p:style>
           <a:lnRef idx="2">
-            <a:schemeClr val="accent2">
+            <a:schemeClr val="accent3">
               <a:shade val="50000"/>
             </a:schemeClr>
           </a:lnRef>
           <a:fillRef idx="1">
-            <a:schemeClr val="accent2"/>
+            <a:schemeClr val="accent3"/>
           </a:fillRef>
           <a:effectRef idx="0">
-            <a:schemeClr val="accent2"/>
+            <a:schemeClr val="accent3"/>
           </a:effectRef>
           <a:fontRef idx="minor">
             <a:schemeClr val="lt1"/>
@@ -4222,15 +4218,15 @@
         </p:spPr>
         <p:style>
           <a:lnRef idx="2">
-            <a:schemeClr val="accent2">
+            <a:schemeClr val="accent3">
               <a:shade val="50000"/>
             </a:schemeClr>
           </a:lnRef>
           <a:fillRef idx="1">
-            <a:schemeClr val="accent2"/>
+            <a:schemeClr val="accent3"/>
           </a:fillRef>
           <a:effectRef idx="0">
-            <a:schemeClr val="accent2"/>
+            <a:schemeClr val="accent3"/>
           </a:effectRef>
           <a:fontRef idx="minor">
             <a:schemeClr val="lt1"/>
@@ -4262,15 +4258,15 @@
         </p:spPr>
         <p:style>
           <a:lnRef idx="2">
-            <a:schemeClr val="accent2">
+            <a:schemeClr val="accent3">
               <a:shade val="50000"/>
             </a:schemeClr>
           </a:lnRef>
           <a:fillRef idx="1">
-            <a:schemeClr val="accent2"/>
+            <a:schemeClr val="accent3"/>
           </a:fillRef>
           <a:effectRef idx="0">
-            <a:schemeClr val="accent2"/>
+            <a:schemeClr val="accent3"/>
           </a:effectRef>
           <a:fontRef idx="minor">
             <a:schemeClr val="lt1"/>
@@ -4346,15 +4342,15 @@
         </p:spPr>
         <p:style>
           <a:lnRef idx="2">
-            <a:schemeClr val="accent1">
+            <a:schemeClr val="accent3">
               <a:shade val="50000"/>
             </a:schemeClr>
           </a:lnRef>
           <a:fillRef idx="1">
-            <a:schemeClr val="accent1"/>
+            <a:schemeClr val="accent3"/>
           </a:fillRef>
           <a:effectRef idx="0">
-            <a:schemeClr val="accent1"/>
+            <a:schemeClr val="accent3"/>
           </a:effectRef>
           <a:fontRef idx="minor">
             <a:schemeClr val="lt1"/>
@@ -4415,16 +4411,16 @@
       </p:sp>
       <p:sp>
         <p:nvSpPr>
-          <p:cNvPr id="41" name="Down Arrow 40"/>
+          <p:cNvPr id="51" name="Rounded Rectangle 50"/>
           <p:cNvSpPr/>
           <p:nvPr/>
         </p:nvSpPr>
         <p:spPr>
           <a:xfrm>
-            <a:off x="3492836" y="3041247"/>
-            <a:ext cx="337562" cy="302475"/>
-          </a:xfrm>
-          <a:prstGeom prst="downArrow">
+            <a:off x="398639" y="4047070"/>
+            <a:ext cx="1819190" cy="914400"/>
+          </a:xfrm>
+          <a:prstGeom prst="roundRect">
             <a:avLst/>
           </a:prstGeom>
         </p:spPr>
@@ -4449,20 +4445,24 @@
           <a:lstStyle/>
           <a:p>
             <a:pPr algn="ctr"/>
-            <a:endParaRPr lang="en-US"/>
-          </a:p>
-        </p:txBody>
-      </p:sp>
-      <p:sp>
-        <p:nvSpPr>
-          <p:cNvPr id="43" name="Down Arrow 42"/>
+            <a:r>
+              <a:rPr lang="en-US" sz="1400" dirty="0" smtClean="0"/>
+              <a:t>Indirect Illumination Buffer Creation and Filtering</a:t>
+            </a:r>
+            <a:endParaRPr lang="en-US" sz="1400" dirty="0"/>
+          </a:p>
+        </p:txBody>
+      </p:sp>
+      <p:sp>
+        <p:nvSpPr>
+          <p:cNvPr id="52" name="Down Arrow 51"/>
           <p:cNvSpPr/>
           <p:nvPr/>
         </p:nvSpPr>
         <p:spPr>
           <a:xfrm>
-            <a:off x="5894546" y="3031797"/>
-            <a:ext cx="337562" cy="302475"/>
+            <a:off x="1828468" y="1658015"/>
+            <a:ext cx="214529" cy="2352360"/>
           </a:xfrm>
           <a:prstGeom prst="downArrow">
             <a:avLst/>
@@ -4470,15 +4470,15 @@
         </p:spPr>
         <p:style>
           <a:lnRef idx="2">
-            <a:schemeClr val="accent1">
+            <a:schemeClr val="accent3">
               <a:shade val="50000"/>
             </a:schemeClr>
           </a:lnRef>
           <a:fillRef idx="1">
-            <a:schemeClr val="accent1"/>
+            <a:schemeClr val="accent3"/>
           </a:fillRef>
           <a:effectRef idx="0">
-            <a:schemeClr val="accent1"/>
+            <a:schemeClr val="accent3"/>
           </a:effectRef>
           <a:fontRef idx="minor">
             <a:schemeClr val="lt1"/>
@@ -4495,14 +4495,14 @@
       </p:sp>
       <p:sp>
         <p:nvSpPr>
-          <p:cNvPr id="44" name="Down Arrow 43"/>
+          <p:cNvPr id="53" name="Down Arrow 52"/>
           <p:cNvSpPr/>
           <p:nvPr/>
         </p:nvSpPr>
         <p:spPr>
           <a:xfrm>
-            <a:off x="7015806" y="3031796"/>
-            <a:ext cx="337562" cy="302475"/>
+            <a:off x="2965870" y="1648391"/>
+            <a:ext cx="189471" cy="302475"/>
           </a:xfrm>
           <a:prstGeom prst="downArrow">
             <a:avLst/>
@@ -4510,15 +4510,15 @@
         </p:spPr>
         <p:style>
           <a:lnRef idx="2">
-            <a:schemeClr val="accent1">
+            <a:schemeClr val="accent3">
               <a:shade val="50000"/>
             </a:schemeClr>
           </a:lnRef>
           <a:fillRef idx="1">
-            <a:schemeClr val="accent1"/>
+            <a:schemeClr val="accent3"/>
           </a:fillRef>
           <a:effectRef idx="0">
-            <a:schemeClr val="accent1"/>
+            <a:schemeClr val="accent3"/>
           </a:effectRef>
           <a:fontRef idx="minor">
             <a:schemeClr val="lt1"/>
@@ -4535,14 +4535,14 @@
       </p:sp>
       <p:sp>
         <p:nvSpPr>
-          <p:cNvPr id="45" name="Down Arrow 44"/>
+          <p:cNvPr id="54" name="Down Arrow 53"/>
           <p:cNvSpPr/>
           <p:nvPr/>
         </p:nvSpPr>
         <p:spPr>
           <a:xfrm>
-            <a:off x="3480315" y="3727290"/>
-            <a:ext cx="337562" cy="302475"/>
+            <a:off x="5277171" y="1654987"/>
+            <a:ext cx="189471" cy="302475"/>
           </a:xfrm>
           <a:prstGeom prst="downArrow">
             <a:avLst/>
@@ -4550,15 +4550,15 @@
         </p:spPr>
         <p:style>
           <a:lnRef idx="2">
-            <a:schemeClr val="accent1">
+            <a:schemeClr val="accent3">
               <a:shade val="50000"/>
             </a:schemeClr>
           </a:lnRef>
           <a:fillRef idx="1">
-            <a:schemeClr val="accent1"/>
+            <a:schemeClr val="accent3"/>
           </a:fillRef>
           <a:effectRef idx="0">
-            <a:schemeClr val="accent1"/>
+            <a:schemeClr val="accent3"/>
           </a:effectRef>
           <a:fontRef idx="minor">
             <a:schemeClr val="lt1"/>
@@ -4575,14 +4575,14 @@
       </p:sp>
       <p:sp>
         <p:nvSpPr>
-          <p:cNvPr id="46" name="Down Arrow 45"/>
+          <p:cNvPr id="55" name="Down Arrow 54"/>
           <p:cNvSpPr/>
           <p:nvPr/>
         </p:nvSpPr>
         <p:spPr>
           <a:xfrm>
-            <a:off x="7522949" y="3757387"/>
-            <a:ext cx="337562" cy="302475"/>
+            <a:off x="8293387" y="1633157"/>
+            <a:ext cx="189471" cy="302475"/>
           </a:xfrm>
           <a:prstGeom prst="downArrow">
             <a:avLst/>
@@ -4590,15 +4590,15 @@
         </p:spPr>
         <p:style>
           <a:lnRef idx="2">
-            <a:schemeClr val="accent1">
+            <a:schemeClr val="accent3">
               <a:shade val="50000"/>
             </a:schemeClr>
           </a:lnRef>
           <a:fillRef idx="1">
-            <a:schemeClr val="accent1"/>
+            <a:schemeClr val="accent3"/>
           </a:fillRef>
           <a:effectRef idx="0">
-            <a:schemeClr val="accent1"/>
+            <a:schemeClr val="accent3"/>
           </a:effectRef>
           <a:fontRef idx="minor">
             <a:schemeClr val="lt1"/>
@@ -4615,14 +4615,14 @@
       </p:sp>
       <p:sp>
         <p:nvSpPr>
-          <p:cNvPr id="47" name="Down Arrow 46"/>
+          <p:cNvPr id="56" name="Down Arrow 55"/>
           <p:cNvSpPr/>
           <p:nvPr/>
         </p:nvSpPr>
         <p:spPr>
           <a:xfrm>
-            <a:off x="9081027" y="3757387"/>
-            <a:ext cx="337562" cy="302475"/>
+            <a:off x="10461050" y="1633157"/>
+            <a:ext cx="189471" cy="302475"/>
           </a:xfrm>
           <a:prstGeom prst="downArrow">
             <a:avLst/>
@@ -4630,15 +4630,15 @@
         </p:spPr>
         <p:style>
           <a:lnRef idx="2">
-            <a:schemeClr val="accent1">
+            <a:schemeClr val="accent3">
               <a:shade val="50000"/>
             </a:schemeClr>
           </a:lnRef>
           <a:fillRef idx="1">
-            <a:schemeClr val="accent1"/>
+            <a:schemeClr val="accent3"/>
           </a:fillRef>
           <a:effectRef idx="0">
-            <a:schemeClr val="accent1"/>
+            <a:schemeClr val="accent3"/>
           </a:effectRef>
           <a:fontRef idx="minor">
             <a:schemeClr val="lt1"/>
@@ -4655,14 +4655,14 @@
       </p:sp>
       <p:sp>
         <p:nvSpPr>
-          <p:cNvPr id="48" name="Down Arrow 47"/>
+          <p:cNvPr id="57" name="Down Arrow 56"/>
           <p:cNvSpPr/>
           <p:nvPr/>
         </p:nvSpPr>
         <p:spPr>
           <a:xfrm>
-            <a:off x="3461396" y="4475313"/>
-            <a:ext cx="337562" cy="302475"/>
+            <a:off x="813188" y="2421213"/>
+            <a:ext cx="189471" cy="302475"/>
           </a:xfrm>
           <a:prstGeom prst="downArrow">
             <a:avLst/>
@@ -4670,15 +4670,15 @@
         </p:spPr>
         <p:style>
           <a:lnRef idx="2">
-            <a:schemeClr val="accent1">
+            <a:schemeClr val="accent3">
               <a:shade val="50000"/>
             </a:schemeClr>
           </a:lnRef>
           <a:fillRef idx="1">
-            <a:schemeClr val="accent1"/>
+            <a:schemeClr val="accent3"/>
           </a:fillRef>
           <a:effectRef idx="0">
-            <a:schemeClr val="accent1"/>
+            <a:schemeClr val="accent3"/>
           </a:effectRef>
           <a:fontRef idx="minor">
             <a:schemeClr val="lt1"/>
@@ -4695,14 +4695,14 @@
       </p:sp>
       <p:sp>
         <p:nvSpPr>
-          <p:cNvPr id="49" name="Down Arrow 48"/>
+          <p:cNvPr id="58" name="Down Arrow 57"/>
           <p:cNvSpPr/>
           <p:nvPr/>
         </p:nvSpPr>
         <p:spPr>
           <a:xfrm>
-            <a:off x="2639506" y="5350449"/>
-            <a:ext cx="337562" cy="302475"/>
+            <a:off x="798826" y="3056978"/>
+            <a:ext cx="189471" cy="302475"/>
           </a:xfrm>
           <a:prstGeom prst="downArrow">
             <a:avLst/>
@@ -4710,15 +4710,15 @@
         </p:spPr>
         <p:style>
           <a:lnRef idx="2">
-            <a:schemeClr val="accent1">
+            <a:schemeClr val="accent3">
               <a:shade val="50000"/>
             </a:schemeClr>
           </a:lnRef>
           <a:fillRef idx="1">
-            <a:schemeClr val="accent1"/>
+            <a:schemeClr val="accent3"/>
           </a:fillRef>
           <a:effectRef idx="0">
-            <a:schemeClr val="accent1"/>
+            <a:schemeClr val="accent3"/>
           </a:effectRef>
           <a:fontRef idx="minor">
             <a:schemeClr val="lt1"/>
@@ -4735,14 +4735,14 @@
       </p:sp>
       <p:sp>
         <p:nvSpPr>
-          <p:cNvPr id="50" name="Down Arrow 49"/>
+          <p:cNvPr id="59" name="Down Arrow 58"/>
           <p:cNvSpPr/>
           <p:nvPr/>
         </p:nvSpPr>
         <p:spPr>
           <a:xfrm>
-            <a:off x="4206821" y="5344187"/>
-            <a:ext cx="337562" cy="302475"/>
+            <a:off x="4522736" y="2374724"/>
+            <a:ext cx="189471" cy="302475"/>
           </a:xfrm>
           <a:prstGeom prst="downArrow">
             <a:avLst/>
@@ -4750,15 +4750,15 @@
         </p:spPr>
         <p:style>
           <a:lnRef idx="2">
-            <a:schemeClr val="accent1">
+            <a:schemeClr val="accent3">
               <a:shade val="50000"/>
             </a:schemeClr>
           </a:lnRef>
           <a:fillRef idx="1">
-            <a:schemeClr val="accent1"/>
+            <a:schemeClr val="accent3"/>
           </a:fillRef>
           <a:effectRef idx="0">
-            <a:schemeClr val="accent1"/>
+            <a:schemeClr val="accent3"/>
           </a:effectRef>
           <a:fontRef idx="minor">
             <a:schemeClr val="lt1"/>
@@ -4775,30 +4775,30 @@
       </p:sp>
       <p:sp>
         <p:nvSpPr>
-          <p:cNvPr id="51" name="Rounded Rectangle 50"/>
+          <p:cNvPr id="60" name="Down Arrow 59"/>
           <p:cNvSpPr/>
           <p:nvPr/>
         </p:nvSpPr>
         <p:spPr>
           <a:xfrm>
-            <a:off x="398639" y="4047070"/>
-            <a:ext cx="1819190" cy="914400"/>
-          </a:xfrm>
-          <a:prstGeom prst="roundRect">
+            <a:off x="6030653" y="2381186"/>
+            <a:ext cx="189471" cy="302475"/>
+          </a:xfrm>
+          <a:prstGeom prst="downArrow">
             <a:avLst/>
           </a:prstGeom>
         </p:spPr>
         <p:style>
           <a:lnRef idx="2">
-            <a:schemeClr val="accent1">
+            <a:schemeClr val="accent3">
               <a:shade val="50000"/>
             </a:schemeClr>
           </a:lnRef>
           <a:fillRef idx="1">
-            <a:schemeClr val="accent1"/>
+            <a:schemeClr val="accent3"/>
           </a:fillRef>
           <a:effectRef idx="0">
-            <a:schemeClr val="accent1"/>
+            <a:schemeClr val="accent3"/>
           </a:effectRef>
           <a:fontRef idx="minor">
             <a:schemeClr val="lt1"/>
@@ -4809,24 +4809,20 @@
           <a:lstStyle/>
           <a:p>
             <a:pPr algn="ctr"/>
-            <a:r>
-              <a:rPr lang="en-US" sz="1400" dirty="0" smtClean="0"/>
-              <a:t>Indirect Illumination Buffer Creation and Filtering</a:t>
-            </a:r>
-            <a:endParaRPr lang="en-US" sz="1400" dirty="0"/>
-          </a:p>
-        </p:txBody>
-      </p:sp>
-      <p:sp>
-        <p:nvSpPr>
-          <p:cNvPr id="52" name="Down Arrow 51"/>
+            <a:endParaRPr lang="en-US"/>
+          </a:p>
+        </p:txBody>
+      </p:sp>
+      <p:sp>
+        <p:nvSpPr>
+          <p:cNvPr id="61" name="Down Arrow 60"/>
           <p:cNvSpPr/>
           <p:nvPr/>
         </p:nvSpPr>
         <p:spPr>
           <a:xfrm>
-            <a:off x="1828468" y="1658015"/>
-            <a:ext cx="214529" cy="2352360"/>
+            <a:off x="9201023" y="2374723"/>
+            <a:ext cx="189471" cy="302475"/>
           </a:xfrm>
           <a:prstGeom prst="downArrow">
             <a:avLst/>
@@ -4834,15 +4830,15 @@
         </p:spPr>
         <p:style>
           <a:lnRef idx="2">
-            <a:schemeClr val="accent1">
+            <a:schemeClr val="accent3">
               <a:shade val="50000"/>
             </a:schemeClr>
           </a:lnRef>
           <a:fillRef idx="1">
-            <a:schemeClr val="accent1"/>
+            <a:schemeClr val="accent3"/>
           </a:fillRef>
           <a:effectRef idx="0">
-            <a:schemeClr val="accent1"/>
+            <a:schemeClr val="accent3"/>
           </a:effectRef>
           <a:fontRef idx="minor">
             <a:schemeClr val="lt1"/>
@@ -4859,13 +4855,13 @@
       </p:sp>
       <p:sp>
         <p:nvSpPr>
-          <p:cNvPr id="53" name="Down Arrow 52"/>
+          <p:cNvPr id="62" name="Down Arrow 61"/>
           <p:cNvSpPr/>
           <p:nvPr/>
         </p:nvSpPr>
         <p:spPr>
           <a:xfrm>
-            <a:off x="2965870" y="1648391"/>
+            <a:off x="3583647" y="3044259"/>
             <a:ext cx="189471" cy="302475"/>
           </a:xfrm>
           <a:prstGeom prst="downArrow">
@@ -4874,15 +4870,15 @@
         </p:spPr>
         <p:style>
           <a:lnRef idx="2">
-            <a:schemeClr val="accent1">
+            <a:schemeClr val="accent3">
               <a:shade val="50000"/>
             </a:schemeClr>
           </a:lnRef>
           <a:fillRef idx="1">
-            <a:schemeClr val="accent1"/>
+            <a:schemeClr val="accent3"/>
           </a:fillRef>
           <a:effectRef idx="0">
-            <a:schemeClr val="accent1"/>
+            <a:schemeClr val="accent3"/>
           </a:effectRef>
           <a:fontRef idx="minor">
             <a:schemeClr val="lt1"/>
@@ -4899,13 +4895,13 @@
       </p:sp>
       <p:sp>
         <p:nvSpPr>
-          <p:cNvPr id="54" name="Down Arrow 53"/>
+          <p:cNvPr id="63" name="Down Arrow 62"/>
           <p:cNvSpPr/>
           <p:nvPr/>
         </p:nvSpPr>
         <p:spPr>
           <a:xfrm>
-            <a:off x="5277171" y="1654987"/>
+            <a:off x="6031738" y="3019754"/>
             <a:ext cx="189471" cy="302475"/>
           </a:xfrm>
           <a:prstGeom prst="downArrow">
@@ -4914,15 +4910,15 @@
         </p:spPr>
         <p:style>
           <a:lnRef idx="2">
-            <a:schemeClr val="accent1">
+            <a:schemeClr val="accent3">
               <a:shade val="50000"/>
             </a:schemeClr>
           </a:lnRef>
           <a:fillRef idx="1">
-            <a:schemeClr val="accent1"/>
+            <a:schemeClr val="accent3"/>
           </a:fillRef>
           <a:effectRef idx="0">
-            <a:schemeClr val="accent1"/>
+            <a:schemeClr val="accent3"/>
           </a:effectRef>
           <a:fontRef idx="minor">
             <a:schemeClr val="lt1"/>
@@ -4939,13 +4935,13 @@
       </p:sp>
       <p:sp>
         <p:nvSpPr>
-          <p:cNvPr id="55" name="Down Arrow 54"/>
+          <p:cNvPr id="64" name="Down Arrow 63"/>
           <p:cNvSpPr/>
           <p:nvPr/>
         </p:nvSpPr>
         <p:spPr>
           <a:xfrm>
-            <a:off x="8293387" y="1633157"/>
+            <a:off x="7428213" y="3044259"/>
             <a:ext cx="189471" cy="302475"/>
           </a:xfrm>
           <a:prstGeom prst="downArrow">
@@ -4954,15 +4950,15 @@
         </p:spPr>
         <p:style>
           <a:lnRef idx="2">
-            <a:schemeClr val="accent1">
+            <a:schemeClr val="accent3">
               <a:shade val="50000"/>
             </a:schemeClr>
           </a:lnRef>
           <a:fillRef idx="1">
-            <a:schemeClr val="accent1"/>
+            <a:schemeClr val="accent3"/>
           </a:fillRef>
           <a:effectRef idx="0">
-            <a:schemeClr val="accent1"/>
+            <a:schemeClr val="accent3"/>
           </a:effectRef>
           <a:fontRef idx="minor">
             <a:schemeClr val="lt1"/>
@@ -4979,13 +4975,13 @@
       </p:sp>
       <p:sp>
         <p:nvSpPr>
-          <p:cNvPr id="56" name="Down Arrow 55"/>
+          <p:cNvPr id="65" name="Down Arrow 64"/>
           <p:cNvSpPr/>
           <p:nvPr/>
         </p:nvSpPr>
         <p:spPr>
           <a:xfrm>
-            <a:off x="10461050" y="1633157"/>
+            <a:off x="3576336" y="3735528"/>
             <a:ext cx="189471" cy="302475"/>
           </a:xfrm>
           <a:prstGeom prst="downArrow">
@@ -4994,15 +4990,15 @@
         </p:spPr>
         <p:style>
           <a:lnRef idx="2">
-            <a:schemeClr val="accent1">
+            <a:schemeClr val="accent3">
               <a:shade val="50000"/>
             </a:schemeClr>
           </a:lnRef>
           <a:fillRef idx="1">
-            <a:schemeClr val="accent1"/>
+            <a:schemeClr val="accent3"/>
           </a:fillRef>
           <a:effectRef idx="0">
-            <a:schemeClr val="accent1"/>
+            <a:schemeClr val="accent3"/>
           </a:effectRef>
           <a:fontRef idx="minor">
             <a:schemeClr val="lt1"/>
@@ -5019,13 +5015,13 @@
       </p:sp>
       <p:sp>
         <p:nvSpPr>
-          <p:cNvPr id="57" name="Down Arrow 56"/>
+          <p:cNvPr id="66" name="Down Arrow 65"/>
           <p:cNvSpPr/>
           <p:nvPr/>
         </p:nvSpPr>
         <p:spPr>
           <a:xfrm>
-            <a:off x="813188" y="2421213"/>
+            <a:off x="3566880" y="4480547"/>
             <a:ext cx="189471" cy="302475"/>
           </a:xfrm>
           <a:prstGeom prst="downArrow">
@@ -5034,15 +5030,15 @@
         </p:spPr>
         <p:style>
           <a:lnRef idx="2">
-            <a:schemeClr val="accent1">
+            <a:schemeClr val="accent3">
               <a:shade val="50000"/>
             </a:schemeClr>
           </a:lnRef>
           <a:fillRef idx="1">
-            <a:schemeClr val="accent1"/>
+            <a:schemeClr val="accent3"/>
           </a:fillRef>
           <a:effectRef idx="0">
-            <a:schemeClr val="accent1"/>
+            <a:schemeClr val="accent3"/>
           </a:effectRef>
           <a:fontRef idx="minor">
             <a:schemeClr val="lt1"/>
@@ -5059,13 +5055,13 @@
       </p:sp>
       <p:sp>
         <p:nvSpPr>
-          <p:cNvPr id="58" name="Down Arrow 57"/>
+          <p:cNvPr id="67" name="Down Arrow 66"/>
           <p:cNvSpPr/>
           <p:nvPr/>
         </p:nvSpPr>
         <p:spPr>
           <a:xfrm>
-            <a:off x="798826" y="3056978"/>
+            <a:off x="2842929" y="5343979"/>
             <a:ext cx="189471" cy="302475"/>
           </a:xfrm>
           <a:prstGeom prst="downArrow">
@@ -5074,15 +5070,15 @@
         </p:spPr>
         <p:style>
           <a:lnRef idx="2">
-            <a:schemeClr val="accent1">
+            <a:schemeClr val="accent3">
               <a:shade val="50000"/>
             </a:schemeClr>
           </a:lnRef>
           <a:fillRef idx="1">
-            <a:schemeClr val="accent1"/>
+            <a:schemeClr val="accent3"/>
           </a:fillRef>
           <a:effectRef idx="0">
-            <a:schemeClr val="accent1"/>
+            <a:schemeClr val="accent3"/>
           </a:effectRef>
           <a:fontRef idx="minor">
             <a:schemeClr val="lt1"/>
@@ -5099,13 +5095,13 @@
       </p:sp>
       <p:sp>
         <p:nvSpPr>
-          <p:cNvPr id="59" name="Down Arrow 58"/>
+          <p:cNvPr id="68" name="Down Arrow 67"/>
           <p:cNvSpPr/>
           <p:nvPr/>
         </p:nvSpPr>
         <p:spPr>
           <a:xfrm>
-            <a:off x="4522736" y="2374724"/>
+            <a:off x="4209943" y="5343978"/>
             <a:ext cx="189471" cy="302475"/>
           </a:xfrm>
           <a:prstGeom prst="downArrow">
@@ -5114,15 +5110,15 @@
         </p:spPr>
         <p:style>
           <a:lnRef idx="2">
-            <a:schemeClr val="accent1">
+            <a:schemeClr val="accent3">
               <a:shade val="50000"/>
             </a:schemeClr>
           </a:lnRef>
           <a:fillRef idx="1">
-            <a:schemeClr val="accent1"/>
+            <a:schemeClr val="accent3"/>
           </a:fillRef>
           <a:effectRef idx="0">
-            <a:schemeClr val="accent1"/>
+            <a:schemeClr val="accent3"/>
           </a:effectRef>
           <a:fontRef idx="minor">
             <a:schemeClr val="lt1"/>
@@ -5139,13 +5135,13 @@
       </p:sp>
       <p:sp>
         <p:nvSpPr>
-          <p:cNvPr id="60" name="Down Arrow 59"/>
+          <p:cNvPr id="69" name="Down Arrow 68"/>
           <p:cNvSpPr/>
           <p:nvPr/>
         </p:nvSpPr>
         <p:spPr>
           <a:xfrm>
-            <a:off x="6030653" y="2381186"/>
+            <a:off x="7714221" y="3749321"/>
             <a:ext cx="189471" cy="302475"/>
           </a:xfrm>
           <a:prstGeom prst="downArrow">
@@ -5154,15 +5150,15 @@
         </p:spPr>
         <p:style>
           <a:lnRef idx="2">
-            <a:schemeClr val="accent1">
+            <a:schemeClr val="accent3">
               <a:shade val="50000"/>
             </a:schemeClr>
           </a:lnRef>
           <a:fillRef idx="1">
-            <a:schemeClr val="accent1"/>
+            <a:schemeClr val="accent3"/>
           </a:fillRef>
           <a:effectRef idx="0">
-            <a:schemeClr val="accent1"/>
+            <a:schemeClr val="accent3"/>
           </a:effectRef>
           <a:fontRef idx="minor">
             <a:schemeClr val="lt1"/>
@@ -5179,13 +5175,13 @@
       </p:sp>
       <p:sp>
         <p:nvSpPr>
-          <p:cNvPr id="61" name="Down Arrow 60"/>
+          <p:cNvPr id="70" name="Down Arrow 69"/>
           <p:cNvSpPr/>
           <p:nvPr/>
         </p:nvSpPr>
         <p:spPr>
           <a:xfrm>
-            <a:off x="9201023" y="2374723"/>
+            <a:off x="9313542" y="3753543"/>
             <a:ext cx="189471" cy="302475"/>
           </a:xfrm>
           <a:prstGeom prst="downArrow">
@@ -5194,15 +5190,15 @@
         </p:spPr>
         <p:style>
           <a:lnRef idx="2">
-            <a:schemeClr val="accent1">
+            <a:schemeClr val="accent3">
               <a:shade val="50000"/>
             </a:schemeClr>
           </a:lnRef>
           <a:fillRef idx="1">
-            <a:schemeClr val="accent1"/>
+            <a:schemeClr val="accent3"/>
           </a:fillRef>
           <a:effectRef idx="0">
-            <a:schemeClr val="accent1"/>
+            <a:schemeClr val="accent3"/>
           </a:effectRef>
           <a:fontRef idx="minor">
             <a:schemeClr val="lt1"/>

--- a/Docs/RTGI using rasterization.pptx
+++ b/Docs/RTGI using rasterization.pptx
@@ -245,7 +245,7 @@
           <a:p>
             <a:fld id="{76D11FEA-E478-4043-BB11-44D4907EBA6E}" type="datetimeFigureOut">
               <a:rPr lang="en-US" smtClean="0"/>
-              <a:t>9/3/2014</a:t>
+              <a:t>9/6/2014</a:t>
             </a:fld>
             <a:endParaRPr lang="en-US"/>
           </a:p>
@@ -415,7 +415,7 @@
           <a:p>
             <a:fld id="{76D11FEA-E478-4043-BB11-44D4907EBA6E}" type="datetimeFigureOut">
               <a:rPr lang="en-US" smtClean="0"/>
-              <a:t>9/3/2014</a:t>
+              <a:t>9/6/2014</a:t>
             </a:fld>
             <a:endParaRPr lang="en-US"/>
           </a:p>
@@ -595,7 +595,7 @@
           <a:p>
             <a:fld id="{76D11FEA-E478-4043-BB11-44D4907EBA6E}" type="datetimeFigureOut">
               <a:rPr lang="en-US" smtClean="0"/>
-              <a:t>9/3/2014</a:t>
+              <a:t>9/6/2014</a:t>
             </a:fld>
             <a:endParaRPr lang="en-US"/>
           </a:p>
@@ -765,7 +765,7 @@
           <a:p>
             <a:fld id="{76D11FEA-E478-4043-BB11-44D4907EBA6E}" type="datetimeFigureOut">
               <a:rPr lang="en-US" smtClean="0"/>
-              <a:t>9/3/2014</a:t>
+              <a:t>9/6/2014</a:t>
             </a:fld>
             <a:endParaRPr lang="en-US"/>
           </a:p>
@@ -1011,7 +1011,7 @@
           <a:p>
             <a:fld id="{76D11FEA-E478-4043-BB11-44D4907EBA6E}" type="datetimeFigureOut">
               <a:rPr lang="en-US" smtClean="0"/>
-              <a:t>9/3/2014</a:t>
+              <a:t>9/6/2014</a:t>
             </a:fld>
             <a:endParaRPr lang="en-US"/>
           </a:p>
@@ -1243,7 +1243,7 @@
           <a:p>
             <a:fld id="{76D11FEA-E478-4043-BB11-44D4907EBA6E}" type="datetimeFigureOut">
               <a:rPr lang="en-US" smtClean="0"/>
-              <a:t>9/3/2014</a:t>
+              <a:t>9/6/2014</a:t>
             </a:fld>
             <a:endParaRPr lang="en-US"/>
           </a:p>
@@ -1610,7 +1610,7 @@
           <a:p>
             <a:fld id="{76D11FEA-E478-4043-BB11-44D4907EBA6E}" type="datetimeFigureOut">
               <a:rPr lang="en-US" smtClean="0"/>
-              <a:t>9/3/2014</a:t>
+              <a:t>9/6/2014</a:t>
             </a:fld>
             <a:endParaRPr lang="en-US"/>
           </a:p>
@@ -1728,7 +1728,7 @@
           <a:p>
             <a:fld id="{76D11FEA-E478-4043-BB11-44D4907EBA6E}" type="datetimeFigureOut">
               <a:rPr lang="en-US" smtClean="0"/>
-              <a:t>9/3/2014</a:t>
+              <a:t>9/6/2014</a:t>
             </a:fld>
             <a:endParaRPr lang="en-US"/>
           </a:p>
@@ -1823,7 +1823,7 @@
           <a:p>
             <a:fld id="{76D11FEA-E478-4043-BB11-44D4907EBA6E}" type="datetimeFigureOut">
               <a:rPr lang="en-US" smtClean="0"/>
-              <a:t>9/3/2014</a:t>
+              <a:t>9/6/2014</a:t>
             </a:fld>
             <a:endParaRPr lang="en-US"/>
           </a:p>
@@ -2100,7 +2100,7 @@
           <a:p>
             <a:fld id="{76D11FEA-E478-4043-BB11-44D4907EBA6E}" type="datetimeFigureOut">
               <a:rPr lang="en-US" smtClean="0"/>
-              <a:t>9/3/2014</a:t>
+              <a:t>9/6/2014</a:t>
             </a:fld>
             <a:endParaRPr lang="en-US"/>
           </a:p>
@@ -2353,7 +2353,7 @@
           <a:p>
             <a:fld id="{76D11FEA-E478-4043-BB11-44D4907EBA6E}" type="datetimeFigureOut">
               <a:rPr lang="en-US" smtClean="0"/>
-              <a:t>9/3/2014</a:t>
+              <a:t>9/6/2014</a:t>
             </a:fld>
             <a:endParaRPr lang="en-US"/>
           </a:p>
@@ -2566,7 +2566,7 @@
           <a:p>
             <a:fld id="{76D11FEA-E478-4043-BB11-44D4907EBA6E}" type="datetimeFigureOut">
               <a:rPr lang="en-US" smtClean="0"/>
-              <a:t>9/3/2014</a:t>
+              <a:t>9/6/2014</a:t>
             </a:fld>
             <a:endParaRPr lang="en-US"/>
           </a:p>
@@ -4130,15 +4130,15 @@
         </p:spPr>
         <p:style>
           <a:lnRef idx="2">
-            <a:schemeClr val="accent1">
+            <a:schemeClr val="accent6">
               <a:shade val="50000"/>
             </a:schemeClr>
           </a:lnRef>
           <a:fillRef idx="1">
-            <a:schemeClr val="accent1"/>
+            <a:schemeClr val="accent6"/>
           </a:fillRef>
           <a:effectRef idx="0">
-            <a:schemeClr val="accent1"/>
+            <a:schemeClr val="accent6"/>
           </a:effectRef>
           <a:fontRef idx="minor">
             <a:schemeClr val="lt1"/>

--- a/Docs/RTGI using rasterization.pptx
+++ b/Docs/RTGI using rasterization.pptx
@@ -3930,15 +3930,15 @@
         </p:spPr>
         <p:style>
           <a:lnRef idx="2">
-            <a:schemeClr val="accent1">
+            <a:schemeClr val="accent6">
               <a:shade val="50000"/>
             </a:schemeClr>
           </a:lnRef>
           <a:fillRef idx="1">
-            <a:schemeClr val="accent1"/>
+            <a:schemeClr val="accent6"/>
           </a:fillRef>
           <a:effectRef idx="0">
-            <a:schemeClr val="accent1"/>
+            <a:schemeClr val="accent6"/>
           </a:effectRef>
           <a:fontRef idx="minor">
             <a:schemeClr val="lt1"/>

--- a/Docs/RTGI using rasterization.pptx
+++ b/Docs/RTGI using rasterization.pptx
@@ -245,7 +245,7 @@
           <a:p>
             <a:fld id="{76D11FEA-E478-4043-BB11-44D4907EBA6E}" type="datetimeFigureOut">
               <a:rPr lang="en-US" smtClean="0"/>
-              <a:t>9/6/2014</a:t>
+              <a:t>10/1/2014</a:t>
             </a:fld>
             <a:endParaRPr lang="en-US"/>
           </a:p>
@@ -415,7 +415,7 @@
           <a:p>
             <a:fld id="{76D11FEA-E478-4043-BB11-44D4907EBA6E}" type="datetimeFigureOut">
               <a:rPr lang="en-US" smtClean="0"/>
-              <a:t>9/6/2014</a:t>
+              <a:t>10/1/2014</a:t>
             </a:fld>
             <a:endParaRPr lang="en-US"/>
           </a:p>
@@ -595,7 +595,7 @@
           <a:p>
             <a:fld id="{76D11FEA-E478-4043-BB11-44D4907EBA6E}" type="datetimeFigureOut">
               <a:rPr lang="en-US" smtClean="0"/>
-              <a:t>9/6/2014</a:t>
+              <a:t>10/1/2014</a:t>
             </a:fld>
             <a:endParaRPr lang="en-US"/>
           </a:p>
@@ -765,7 +765,7 @@
           <a:p>
             <a:fld id="{76D11FEA-E478-4043-BB11-44D4907EBA6E}" type="datetimeFigureOut">
               <a:rPr lang="en-US" smtClean="0"/>
-              <a:t>9/6/2014</a:t>
+              <a:t>10/1/2014</a:t>
             </a:fld>
             <a:endParaRPr lang="en-US"/>
           </a:p>
@@ -1011,7 +1011,7 @@
           <a:p>
             <a:fld id="{76D11FEA-E478-4043-BB11-44D4907EBA6E}" type="datetimeFigureOut">
               <a:rPr lang="en-US" smtClean="0"/>
-              <a:t>9/6/2014</a:t>
+              <a:t>10/1/2014</a:t>
             </a:fld>
             <a:endParaRPr lang="en-US"/>
           </a:p>
@@ -1243,7 +1243,7 @@
           <a:p>
             <a:fld id="{76D11FEA-E478-4043-BB11-44D4907EBA6E}" type="datetimeFigureOut">
               <a:rPr lang="en-US" smtClean="0"/>
-              <a:t>9/6/2014</a:t>
+              <a:t>10/1/2014</a:t>
             </a:fld>
             <a:endParaRPr lang="en-US"/>
           </a:p>
@@ -1610,7 +1610,7 @@
           <a:p>
             <a:fld id="{76D11FEA-E478-4043-BB11-44D4907EBA6E}" type="datetimeFigureOut">
               <a:rPr lang="en-US" smtClean="0"/>
-              <a:t>9/6/2014</a:t>
+              <a:t>10/1/2014</a:t>
             </a:fld>
             <a:endParaRPr lang="en-US"/>
           </a:p>
@@ -1728,7 +1728,7 @@
           <a:p>
             <a:fld id="{76D11FEA-E478-4043-BB11-44D4907EBA6E}" type="datetimeFigureOut">
               <a:rPr lang="en-US" smtClean="0"/>
-              <a:t>9/6/2014</a:t>
+              <a:t>10/1/2014</a:t>
             </a:fld>
             <a:endParaRPr lang="en-US"/>
           </a:p>
@@ -1823,7 +1823,7 @@
           <a:p>
             <a:fld id="{76D11FEA-E478-4043-BB11-44D4907EBA6E}" type="datetimeFigureOut">
               <a:rPr lang="en-US" smtClean="0"/>
-              <a:t>9/6/2014</a:t>
+              <a:t>10/1/2014</a:t>
             </a:fld>
             <a:endParaRPr lang="en-US"/>
           </a:p>
@@ -2100,7 +2100,7 @@
           <a:p>
             <a:fld id="{76D11FEA-E478-4043-BB11-44D4907EBA6E}" type="datetimeFigureOut">
               <a:rPr lang="en-US" smtClean="0"/>
-              <a:t>9/6/2014</a:t>
+              <a:t>10/1/2014</a:t>
             </a:fld>
             <a:endParaRPr lang="en-US"/>
           </a:p>
@@ -2353,7 +2353,7 @@
           <a:p>
             <a:fld id="{76D11FEA-E478-4043-BB11-44D4907EBA6E}" type="datetimeFigureOut">
               <a:rPr lang="en-US" smtClean="0"/>
-              <a:t>9/6/2014</a:t>
+              <a:t>10/1/2014</a:t>
             </a:fld>
             <a:endParaRPr lang="en-US"/>
           </a:p>
@@ -2566,7 +2566,7 @@
           <a:p>
             <a:fld id="{76D11FEA-E478-4043-BB11-44D4907EBA6E}" type="datetimeFigureOut">
               <a:rPr lang="en-US" smtClean="0"/>
-              <a:t>9/6/2014</a:t>
+              <a:t>10/1/2014</a:t>
             </a:fld>
             <a:endParaRPr lang="en-US"/>
           </a:p>
@@ -3326,15 +3326,15 @@
         </p:spPr>
         <p:style>
           <a:lnRef idx="2">
-            <a:schemeClr val="accent1">
+            <a:schemeClr val="accent6">
               <a:shade val="50000"/>
             </a:schemeClr>
           </a:lnRef>
           <a:fillRef idx="1">
-            <a:schemeClr val="accent1"/>
+            <a:schemeClr val="accent6"/>
           </a:fillRef>
           <a:effectRef idx="0">
-            <a:schemeClr val="accent1"/>
+            <a:schemeClr val="accent6"/>
           </a:effectRef>
           <a:fontRef idx="minor">
             <a:schemeClr val="lt1"/>

--- a/Docs/RTGI using rasterization.pptx
+++ b/Docs/RTGI using rasterization.pptx
@@ -245,7 +245,7 @@
           <a:p>
             <a:fld id="{76D11FEA-E478-4043-BB11-44D4907EBA6E}" type="datetimeFigureOut">
               <a:rPr lang="en-US" smtClean="0"/>
-              <a:t>10/1/2014</a:t>
+              <a:t>10/27/2014</a:t>
             </a:fld>
             <a:endParaRPr lang="en-US"/>
           </a:p>
@@ -415,7 +415,7 @@
           <a:p>
             <a:fld id="{76D11FEA-E478-4043-BB11-44D4907EBA6E}" type="datetimeFigureOut">
               <a:rPr lang="en-US" smtClean="0"/>
-              <a:t>10/1/2014</a:t>
+              <a:t>10/27/2014</a:t>
             </a:fld>
             <a:endParaRPr lang="en-US"/>
           </a:p>
@@ -595,7 +595,7 @@
           <a:p>
             <a:fld id="{76D11FEA-E478-4043-BB11-44D4907EBA6E}" type="datetimeFigureOut">
               <a:rPr lang="en-US" smtClean="0"/>
-              <a:t>10/1/2014</a:t>
+              <a:t>10/27/2014</a:t>
             </a:fld>
             <a:endParaRPr lang="en-US"/>
           </a:p>
@@ -765,7 +765,7 @@
           <a:p>
             <a:fld id="{76D11FEA-E478-4043-BB11-44D4907EBA6E}" type="datetimeFigureOut">
               <a:rPr lang="en-US" smtClean="0"/>
-              <a:t>10/1/2014</a:t>
+              <a:t>10/27/2014</a:t>
             </a:fld>
             <a:endParaRPr lang="en-US"/>
           </a:p>
@@ -1011,7 +1011,7 @@
           <a:p>
             <a:fld id="{76D11FEA-E478-4043-BB11-44D4907EBA6E}" type="datetimeFigureOut">
               <a:rPr lang="en-US" smtClean="0"/>
-              <a:t>10/1/2014</a:t>
+              <a:t>10/27/2014</a:t>
             </a:fld>
             <a:endParaRPr lang="en-US"/>
           </a:p>
@@ -1243,7 +1243,7 @@
           <a:p>
             <a:fld id="{76D11FEA-E478-4043-BB11-44D4907EBA6E}" type="datetimeFigureOut">
               <a:rPr lang="en-US" smtClean="0"/>
-              <a:t>10/1/2014</a:t>
+              <a:t>10/27/2014</a:t>
             </a:fld>
             <a:endParaRPr lang="en-US"/>
           </a:p>
@@ -1610,7 +1610,7 @@
           <a:p>
             <a:fld id="{76D11FEA-E478-4043-BB11-44D4907EBA6E}" type="datetimeFigureOut">
               <a:rPr lang="en-US" smtClean="0"/>
-              <a:t>10/1/2014</a:t>
+              <a:t>10/27/2014</a:t>
             </a:fld>
             <a:endParaRPr lang="en-US"/>
           </a:p>
@@ -1728,7 +1728,7 @@
           <a:p>
             <a:fld id="{76D11FEA-E478-4043-BB11-44D4907EBA6E}" type="datetimeFigureOut">
               <a:rPr lang="en-US" smtClean="0"/>
-              <a:t>10/1/2014</a:t>
+              <a:t>10/27/2014</a:t>
             </a:fld>
             <a:endParaRPr lang="en-US"/>
           </a:p>
@@ -1823,7 +1823,7 @@
           <a:p>
             <a:fld id="{76D11FEA-E478-4043-BB11-44D4907EBA6E}" type="datetimeFigureOut">
               <a:rPr lang="en-US" smtClean="0"/>
-              <a:t>10/1/2014</a:t>
+              <a:t>10/27/2014</a:t>
             </a:fld>
             <a:endParaRPr lang="en-US"/>
           </a:p>
@@ -2100,7 +2100,7 @@
           <a:p>
             <a:fld id="{76D11FEA-E478-4043-BB11-44D4907EBA6E}" type="datetimeFigureOut">
               <a:rPr lang="en-US" smtClean="0"/>
-              <a:t>10/1/2014</a:t>
+              <a:t>10/27/2014</a:t>
             </a:fld>
             <a:endParaRPr lang="en-US"/>
           </a:p>
@@ -2353,7 +2353,7 @@
           <a:p>
             <a:fld id="{76D11FEA-E478-4043-BB11-44D4907EBA6E}" type="datetimeFigureOut">
               <a:rPr lang="en-US" smtClean="0"/>
-              <a:t>10/1/2014</a:t>
+              <a:t>10/27/2014</a:t>
             </a:fld>
             <a:endParaRPr lang="en-US"/>
           </a:p>
@@ -2566,7 +2566,7 @@
           <a:p>
             <a:fld id="{76D11FEA-E478-4043-BB11-44D4907EBA6E}" type="datetimeFigureOut">
               <a:rPr lang="en-US" smtClean="0"/>
-              <a:t>10/1/2014</a:t>
+              <a:t>10/27/2014</a:t>
             </a:fld>
             <a:endParaRPr lang="en-US"/>
           </a:p>
@@ -3557,8 +3557,8 @@
         </p:nvSpPr>
         <p:spPr>
           <a:xfrm>
-            <a:off x="2639506" y="3366328"/>
-            <a:ext cx="2148855" cy="357338"/>
+            <a:off x="2077188" y="3359452"/>
+            <a:ext cx="1126301" cy="600159"/>
           </a:xfrm>
           <a:prstGeom prst="roundRect">
             <a:avLst/>
@@ -3829,7 +3829,7 @@
         </p:nvSpPr>
         <p:spPr>
           <a:xfrm>
-            <a:off x="5138935" y="3338632"/>
+            <a:off x="4857389" y="3347089"/>
             <a:ext cx="1398940" cy="1157181"/>
           </a:xfrm>
           <a:prstGeom prst="roundRect">
@@ -3886,15 +3886,15 @@
         </p:spPr>
         <p:style>
           <a:lnRef idx="2">
-            <a:schemeClr val="accent1">
+            <a:schemeClr val="accent6">
               <a:shade val="50000"/>
             </a:schemeClr>
           </a:lnRef>
           <a:fillRef idx="1">
-            <a:schemeClr val="accent1"/>
+            <a:schemeClr val="accent6"/>
           </a:fillRef>
           <a:effectRef idx="0">
-            <a:schemeClr val="accent1"/>
+            <a:schemeClr val="accent6"/>
           </a:effectRef>
           <a:fontRef idx="minor">
             <a:schemeClr val="lt1"/>
@@ -3907,7 +3907,7 @@
             <a:pPr algn="ctr"/>
             <a:r>
               <a:rPr lang="en-US" sz="1400" dirty="0" smtClean="0"/>
-              <a:t>Splatting Indirect Illumination (VPL Creation)</a:t>
+              <a:t>VPL Creation and Shading</a:t>
             </a:r>
             <a:endParaRPr lang="en-US" sz="1400" dirty="0"/>
           </a:p>
@@ -3921,8 +3921,8 @@
         </p:nvSpPr>
         <p:spPr>
           <a:xfrm>
-            <a:off x="2474562" y="4801303"/>
-            <a:ext cx="2311230" cy="525631"/>
+            <a:off x="1232948" y="5422416"/>
+            <a:ext cx="2311230" cy="484311"/>
           </a:xfrm>
           <a:prstGeom prst="roundRect">
             <a:avLst/>
@@ -3973,7 +3973,7 @@
         </p:nvSpPr>
         <p:spPr>
           <a:xfrm>
-            <a:off x="6979063" y="3334272"/>
+            <a:off x="7762529" y="4395567"/>
             <a:ext cx="2547804" cy="405245"/>
           </a:xfrm>
           <a:prstGeom prst="roundRect">
@@ -4025,7 +4025,7 @@
         </p:nvSpPr>
         <p:spPr>
           <a:xfrm>
-            <a:off x="6623360" y="4079341"/>
+            <a:off x="7245931" y="5140411"/>
             <a:ext cx="2174789" cy="345989"/>
           </a:xfrm>
           <a:prstGeom prst="roundRect">
@@ -4073,7 +4073,7 @@
         </p:nvSpPr>
         <p:spPr>
           <a:xfrm>
-            <a:off x="9025010" y="4077732"/>
+            <a:off x="9630609" y="5136016"/>
             <a:ext cx="2039824" cy="340148"/>
           </a:xfrm>
           <a:prstGeom prst="roundRect">
@@ -4121,7 +4121,7 @@
         </p:nvSpPr>
         <p:spPr>
           <a:xfrm>
-            <a:off x="3480314" y="5674383"/>
+            <a:off x="2187497" y="6191530"/>
             <a:ext cx="1838199" cy="457200"/>
           </a:xfrm>
           <a:prstGeom prst="roundRect">
@@ -4373,7 +4373,7 @@
         </p:nvSpPr>
         <p:spPr>
           <a:xfrm>
-            <a:off x="1778241" y="5676439"/>
+            <a:off x="555024" y="6184746"/>
             <a:ext cx="1493107" cy="470769"/>
           </a:xfrm>
           <a:prstGeom prst="roundRect">
@@ -4861,7 +4861,7 @@
         </p:nvSpPr>
         <p:spPr>
           <a:xfrm>
-            <a:off x="3583647" y="3044259"/>
+            <a:off x="2610932" y="3035661"/>
             <a:ext cx="189471" cy="302475"/>
           </a:xfrm>
           <a:prstGeom prst="downArrow">
@@ -4901,7 +4901,7 @@
         </p:nvSpPr>
         <p:spPr>
           <a:xfrm>
-            <a:off x="6031738" y="3019754"/>
+            <a:off x="5769575" y="3036538"/>
             <a:ext cx="189471" cy="302475"/>
           </a:xfrm>
           <a:prstGeom prst="downArrow">
@@ -4981,8 +4981,8 @@
         </p:nvSpPr>
         <p:spPr>
           <a:xfrm>
-            <a:off x="3576336" y="3735528"/>
-            <a:ext cx="189471" cy="302475"/>
+            <a:off x="3624041" y="3024197"/>
+            <a:ext cx="240317" cy="1007344"/>
           </a:xfrm>
           <a:prstGeom prst="downArrow">
             <a:avLst/>
@@ -5061,8 +5061,8 @@
         </p:nvSpPr>
         <p:spPr>
           <a:xfrm>
-            <a:off x="2842929" y="5343979"/>
-            <a:ext cx="189471" cy="302475"/>
+            <a:off x="1591656" y="5908573"/>
+            <a:ext cx="185241" cy="248147"/>
           </a:xfrm>
           <a:prstGeom prst="downArrow">
             <a:avLst/>
@@ -5101,8 +5101,8 @@
         </p:nvSpPr>
         <p:spPr>
           <a:xfrm>
-            <a:off x="4209943" y="5343978"/>
-            <a:ext cx="189471" cy="302475"/>
+            <a:off x="3037157" y="5923722"/>
+            <a:ext cx="179877" cy="244029"/>
           </a:xfrm>
           <a:prstGeom prst="downArrow">
             <a:avLst/>
@@ -5141,7 +5141,7 @@
         </p:nvSpPr>
         <p:spPr>
           <a:xfrm>
-            <a:off x="7714221" y="3749321"/>
+            <a:off x="8143854" y="4818351"/>
             <a:ext cx="189471" cy="302475"/>
           </a:xfrm>
           <a:prstGeom prst="downArrow">
@@ -5181,7 +5181,7 @@
         </p:nvSpPr>
         <p:spPr>
           <a:xfrm>
-            <a:off x="9313542" y="3753543"/>
+            <a:off x="10052219" y="4818351"/>
             <a:ext cx="189471" cy="302475"/>
           </a:xfrm>
           <a:prstGeom prst="downArrow">
@@ -5210,6 +5210,664 @@
           <a:p>
             <a:pPr algn="ctr"/>
             <a:endParaRPr lang="en-US"/>
+          </a:p>
+        </p:txBody>
+      </p:sp>
+      <p:sp>
+        <p:nvSpPr>
+          <p:cNvPr id="3" name="Rounded Rectangle 2"/>
+          <p:cNvSpPr/>
+          <p:nvPr/>
+        </p:nvSpPr>
+        <p:spPr>
+          <a:xfrm>
+            <a:off x="2656622" y="4810307"/>
+            <a:ext cx="1965805" cy="362465"/>
+          </a:xfrm>
+          <a:prstGeom prst="roundRect">
+            <a:avLst/>
+          </a:prstGeom>
+        </p:spPr>
+        <p:style>
+          <a:lnRef idx="0">
+            <a:schemeClr val="accent2"/>
+          </a:lnRef>
+          <a:fillRef idx="3">
+            <a:schemeClr val="accent2"/>
+          </a:fillRef>
+          <a:effectRef idx="3">
+            <a:schemeClr val="accent2"/>
+          </a:effectRef>
+          <a:fontRef idx="minor">
+            <a:schemeClr val="lt1"/>
+          </a:fontRef>
+        </p:style>
+        <p:txBody>
+          <a:bodyPr rtlCol="0" anchor="ctr"/>
+          <a:lstStyle/>
+          <a:p>
+            <a:pPr algn="ctr"/>
+            <a:r>
+              <a:rPr lang="en-US" sz="1400" dirty="0" smtClean="0"/>
+              <a:t>VPL Visibility Test</a:t>
+            </a:r>
+            <a:endParaRPr lang="en-US" sz="1400" dirty="0"/>
+          </a:p>
+        </p:txBody>
+      </p:sp>
+      <p:sp>
+        <p:nvSpPr>
+          <p:cNvPr id="30" name="Rounded Rectangle 29"/>
+          <p:cNvSpPr/>
+          <p:nvPr/>
+        </p:nvSpPr>
+        <p:spPr>
+          <a:xfrm>
+            <a:off x="4156571" y="5486401"/>
+            <a:ext cx="2879471" cy="324758"/>
+          </a:xfrm>
+          <a:prstGeom prst="roundRect">
+            <a:avLst/>
+          </a:prstGeom>
+        </p:spPr>
+        <p:style>
+          <a:lnRef idx="2">
+            <a:schemeClr val="accent4">
+              <a:shade val="50000"/>
+            </a:schemeClr>
+          </a:lnRef>
+          <a:fillRef idx="1">
+            <a:schemeClr val="accent4"/>
+          </a:fillRef>
+          <a:effectRef idx="0">
+            <a:schemeClr val="accent4"/>
+          </a:effectRef>
+          <a:fontRef idx="minor">
+            <a:schemeClr val="lt1"/>
+          </a:fontRef>
+        </p:style>
+        <p:txBody>
+          <a:bodyPr rtlCol="0" anchor="ctr"/>
+          <a:lstStyle/>
+          <a:p>
+            <a:pPr algn="ctr"/>
+            <a:r>
+              <a:rPr lang="en-US" sz="1400" dirty="0" smtClean="0"/>
+              <a:t>Scene </a:t>
+            </a:r>
+            <a:r>
+              <a:rPr lang="en-US" sz="1400" dirty="0" err="1" smtClean="0"/>
+              <a:t>Voxelization</a:t>
+            </a:r>
+            <a:endParaRPr lang="en-US" sz="1400" dirty="0"/>
+          </a:p>
+        </p:txBody>
+      </p:sp>
+      <p:sp>
+        <p:nvSpPr>
+          <p:cNvPr id="31" name="Down Arrow 30"/>
+          <p:cNvSpPr/>
+          <p:nvPr/>
+        </p:nvSpPr>
+        <p:spPr>
+          <a:xfrm>
+            <a:off x="3217034" y="5189766"/>
+            <a:ext cx="176955" cy="232649"/>
+          </a:xfrm>
+          <a:prstGeom prst="downArrow">
+            <a:avLst/>
+          </a:prstGeom>
+        </p:spPr>
+        <p:style>
+          <a:lnRef idx="2">
+            <a:schemeClr val="accent3">
+              <a:shade val="50000"/>
+            </a:schemeClr>
+          </a:lnRef>
+          <a:fillRef idx="1">
+            <a:schemeClr val="accent3"/>
+          </a:fillRef>
+          <a:effectRef idx="0">
+            <a:schemeClr val="accent3"/>
+          </a:effectRef>
+          <a:fontRef idx="minor">
+            <a:schemeClr val="lt1"/>
+          </a:fontRef>
+        </p:style>
+        <p:txBody>
+          <a:bodyPr rtlCol="0" anchor="ctr"/>
+          <a:lstStyle/>
+          <a:p>
+            <a:pPr algn="ctr"/>
+            <a:endParaRPr lang="en-US"/>
+          </a:p>
+        </p:txBody>
+      </p:sp>
+      <p:sp>
+        <p:nvSpPr>
+          <p:cNvPr id="32" name="Down Arrow 31"/>
+          <p:cNvSpPr/>
+          <p:nvPr/>
+        </p:nvSpPr>
+        <p:spPr>
+          <a:xfrm>
+            <a:off x="4291914" y="5189766"/>
+            <a:ext cx="230822" cy="296634"/>
+          </a:xfrm>
+          <a:prstGeom prst="downArrow">
+            <a:avLst/>
+          </a:prstGeom>
+        </p:spPr>
+        <p:style>
+          <a:lnRef idx="2">
+            <a:schemeClr val="accent3">
+              <a:shade val="50000"/>
+            </a:schemeClr>
+          </a:lnRef>
+          <a:fillRef idx="1">
+            <a:schemeClr val="accent3"/>
+          </a:fillRef>
+          <a:effectRef idx="0">
+            <a:schemeClr val="accent3"/>
+          </a:effectRef>
+          <a:fontRef idx="minor">
+            <a:schemeClr val="lt1"/>
+          </a:fontRef>
+        </p:style>
+        <p:txBody>
+          <a:bodyPr rtlCol="0" anchor="ctr"/>
+          <a:lstStyle/>
+          <a:p>
+            <a:pPr algn="ctr"/>
+            <a:endParaRPr lang="en-US"/>
+          </a:p>
+        </p:txBody>
+      </p:sp>
+      <p:sp>
+        <p:nvSpPr>
+          <p:cNvPr id="35" name="Rounded Rectangle 34"/>
+          <p:cNvSpPr/>
+          <p:nvPr/>
+        </p:nvSpPr>
+        <p:spPr>
+          <a:xfrm>
+            <a:off x="6541898" y="3358140"/>
+            <a:ext cx="1962100" cy="656385"/>
+          </a:xfrm>
+          <a:prstGeom prst="roundRect">
+            <a:avLst/>
+          </a:prstGeom>
+        </p:spPr>
+        <p:style>
+          <a:lnRef idx="2">
+            <a:schemeClr val="accent2">
+              <a:shade val="50000"/>
+            </a:schemeClr>
+          </a:lnRef>
+          <a:fillRef idx="1">
+            <a:schemeClr val="accent2"/>
+          </a:fillRef>
+          <a:effectRef idx="0">
+            <a:schemeClr val="accent2"/>
+          </a:effectRef>
+          <a:fontRef idx="minor">
+            <a:schemeClr val="lt1"/>
+          </a:fontRef>
+        </p:style>
+        <p:txBody>
+          <a:bodyPr rtlCol="0" anchor="ctr"/>
+          <a:lstStyle/>
+          <a:p>
+            <a:pPr algn="ctr"/>
+            <a:r>
+              <a:rPr lang="en-US" sz="1400" dirty="0" smtClean="0"/>
+              <a:t>Ray-bundles Creation and Shading</a:t>
+            </a:r>
+            <a:endParaRPr lang="en-US" sz="1400" dirty="0"/>
+          </a:p>
+        </p:txBody>
+      </p:sp>
+      <p:sp>
+        <p:nvSpPr>
+          <p:cNvPr id="36" name="Down Arrow 35"/>
+          <p:cNvSpPr/>
+          <p:nvPr/>
+        </p:nvSpPr>
+        <p:spPr>
+          <a:xfrm>
+            <a:off x="6738551" y="4031541"/>
+            <a:ext cx="240512" cy="1444623"/>
+          </a:xfrm>
+          <a:prstGeom prst="downArrow">
+            <a:avLst/>
+          </a:prstGeom>
+        </p:spPr>
+        <p:style>
+          <a:lnRef idx="2">
+            <a:schemeClr val="accent3">
+              <a:shade val="50000"/>
+            </a:schemeClr>
+          </a:lnRef>
+          <a:fillRef idx="1">
+            <a:schemeClr val="accent3"/>
+          </a:fillRef>
+          <a:effectRef idx="0">
+            <a:schemeClr val="accent3"/>
+          </a:effectRef>
+          <a:fontRef idx="minor">
+            <a:schemeClr val="lt1"/>
+          </a:fontRef>
+        </p:style>
+        <p:txBody>
+          <a:bodyPr rtlCol="0" anchor="ctr"/>
+          <a:lstStyle/>
+          <a:p>
+            <a:pPr algn="ctr"/>
+            <a:endParaRPr lang="en-US"/>
+          </a:p>
+        </p:txBody>
+      </p:sp>
+      <p:sp>
+        <p:nvSpPr>
+          <p:cNvPr id="37" name="Down Arrow 36"/>
+          <p:cNvSpPr/>
+          <p:nvPr/>
+        </p:nvSpPr>
+        <p:spPr>
+          <a:xfrm>
+            <a:off x="8109914" y="4031541"/>
+            <a:ext cx="194922" cy="364026"/>
+          </a:xfrm>
+          <a:prstGeom prst="downArrow">
+            <a:avLst/>
+          </a:prstGeom>
+        </p:spPr>
+        <p:style>
+          <a:lnRef idx="2">
+            <a:schemeClr val="accent3">
+              <a:shade val="50000"/>
+            </a:schemeClr>
+          </a:lnRef>
+          <a:fillRef idx="1">
+            <a:schemeClr val="accent3"/>
+          </a:fillRef>
+          <a:effectRef idx="0">
+            <a:schemeClr val="accent3"/>
+          </a:effectRef>
+          <a:fontRef idx="minor">
+            <a:schemeClr val="lt1"/>
+          </a:fontRef>
+        </p:style>
+        <p:txBody>
+          <a:bodyPr rtlCol="0" anchor="ctr"/>
+          <a:lstStyle/>
+          <a:p>
+            <a:pPr algn="ctr"/>
+            <a:endParaRPr lang="en-US"/>
+          </a:p>
+        </p:txBody>
+      </p:sp>
+      <p:sp>
+        <p:nvSpPr>
+          <p:cNvPr id="39" name="Rounded Rectangle 38"/>
+          <p:cNvSpPr/>
+          <p:nvPr/>
+        </p:nvSpPr>
+        <p:spPr>
+          <a:xfrm>
+            <a:off x="9036431" y="3577699"/>
+            <a:ext cx="1895180" cy="347979"/>
+          </a:xfrm>
+          <a:prstGeom prst="roundRect">
+            <a:avLst/>
+          </a:prstGeom>
+        </p:spPr>
+        <p:style>
+          <a:lnRef idx="2">
+            <a:schemeClr val="accent4">
+              <a:shade val="50000"/>
+            </a:schemeClr>
+          </a:lnRef>
+          <a:fillRef idx="1">
+            <a:schemeClr val="accent4"/>
+          </a:fillRef>
+          <a:effectRef idx="0">
+            <a:schemeClr val="accent4"/>
+          </a:effectRef>
+          <a:fontRef idx="minor">
+            <a:schemeClr val="lt1"/>
+          </a:fontRef>
+        </p:style>
+        <p:txBody>
+          <a:bodyPr rtlCol="0" anchor="ctr"/>
+          <a:lstStyle/>
+          <a:p>
+            <a:pPr algn="ctr"/>
+            <a:r>
+              <a:rPr lang="en-US" sz="1400" dirty="0" smtClean="0"/>
+              <a:t>Caustics Maps</a:t>
+            </a:r>
+            <a:endParaRPr lang="en-US" sz="1400" dirty="0"/>
+          </a:p>
+        </p:txBody>
+      </p:sp>
+      <p:sp>
+        <p:nvSpPr>
+          <p:cNvPr id="40" name="Down Arrow 39"/>
+          <p:cNvSpPr/>
+          <p:nvPr/>
+        </p:nvSpPr>
+        <p:spPr>
+          <a:xfrm>
+            <a:off x="9630609" y="3940869"/>
+            <a:ext cx="230083" cy="454698"/>
+          </a:xfrm>
+          <a:prstGeom prst="downArrow">
+            <a:avLst/>
+          </a:prstGeom>
+        </p:spPr>
+        <p:style>
+          <a:lnRef idx="2">
+            <a:schemeClr val="accent3">
+              <a:shade val="50000"/>
+            </a:schemeClr>
+          </a:lnRef>
+          <a:fillRef idx="1">
+            <a:schemeClr val="accent3"/>
+          </a:fillRef>
+          <a:effectRef idx="0">
+            <a:schemeClr val="accent3"/>
+          </a:effectRef>
+          <a:fontRef idx="minor">
+            <a:schemeClr val="lt1"/>
+          </a:fontRef>
+        </p:style>
+        <p:txBody>
+          <a:bodyPr rtlCol="0" anchor="ctr"/>
+          <a:lstStyle/>
+          <a:p>
+            <a:pPr algn="ctr"/>
+            <a:endParaRPr lang="en-US"/>
+          </a:p>
+        </p:txBody>
+      </p:sp>
+      <p:sp>
+        <p:nvSpPr>
+          <p:cNvPr id="43" name="TextBox 42"/>
+          <p:cNvSpPr txBox="1"/>
+          <p:nvPr/>
+        </p:nvSpPr>
+        <p:spPr>
+          <a:xfrm>
+            <a:off x="10093399" y="6440280"/>
+            <a:ext cx="1651008" cy="246221"/>
+          </a:xfrm>
+          <a:prstGeom prst="rect">
+            <a:avLst/>
+          </a:prstGeom>
+          <a:noFill/>
+        </p:spPr>
+        <p:txBody>
+          <a:bodyPr wrap="square" rtlCol="0">
+            <a:spAutoFit/>
+          </a:bodyPr>
+          <a:lstStyle/>
+          <a:p>
+            <a:r>
+              <a:rPr lang="en-US" sz="1000" dirty="0" smtClean="0"/>
+              <a:t>System Bottle Neck</a:t>
+            </a:r>
+            <a:endParaRPr lang="en-US" sz="1000" dirty="0"/>
+          </a:p>
+        </p:txBody>
+      </p:sp>
+      <p:sp>
+        <p:nvSpPr>
+          <p:cNvPr id="45" name="TextBox 44"/>
+          <p:cNvSpPr txBox="1"/>
+          <p:nvPr/>
+        </p:nvSpPr>
+        <p:spPr>
+          <a:xfrm>
+            <a:off x="10093399" y="6642209"/>
+            <a:ext cx="1705233" cy="246221"/>
+          </a:xfrm>
+          <a:prstGeom prst="rect">
+            <a:avLst/>
+          </a:prstGeom>
+          <a:noFill/>
+        </p:spPr>
+        <p:txBody>
+          <a:bodyPr wrap="square" rtlCol="0">
+            <a:spAutoFit/>
+          </a:bodyPr>
+          <a:lstStyle/>
+          <a:p>
+            <a:r>
+              <a:rPr lang="en-US" sz="1000" dirty="0" smtClean="0"/>
+              <a:t>Our Improvement</a:t>
+            </a:r>
+            <a:endParaRPr lang="en-US" sz="1000" dirty="0"/>
+          </a:p>
+        </p:txBody>
+      </p:sp>
+      <p:sp>
+        <p:nvSpPr>
+          <p:cNvPr id="71" name="Rounded Rectangle 70"/>
+          <p:cNvSpPr/>
+          <p:nvPr/>
+        </p:nvSpPr>
+        <p:spPr>
+          <a:xfrm>
+            <a:off x="9860692" y="6115540"/>
+            <a:ext cx="107092" cy="104422"/>
+          </a:xfrm>
+          <a:prstGeom prst="roundRect">
+            <a:avLst/>
+          </a:prstGeom>
+        </p:spPr>
+        <p:style>
+          <a:lnRef idx="2">
+            <a:schemeClr val="accent6">
+              <a:shade val="50000"/>
+            </a:schemeClr>
+          </a:lnRef>
+          <a:fillRef idx="1">
+            <a:schemeClr val="accent6"/>
+          </a:fillRef>
+          <a:effectRef idx="0">
+            <a:schemeClr val="accent6"/>
+          </a:effectRef>
+          <a:fontRef idx="minor">
+            <a:schemeClr val="lt1"/>
+          </a:fontRef>
+        </p:style>
+        <p:txBody>
+          <a:bodyPr rtlCol="0" anchor="ctr"/>
+          <a:lstStyle/>
+          <a:p>
+            <a:pPr algn="ctr"/>
+            <a:endParaRPr lang="en-US"/>
+          </a:p>
+        </p:txBody>
+      </p:sp>
+      <p:sp>
+        <p:nvSpPr>
+          <p:cNvPr id="72" name="Rounded Rectangle 71"/>
+          <p:cNvSpPr/>
+          <p:nvPr/>
+        </p:nvSpPr>
+        <p:spPr>
+          <a:xfrm>
+            <a:off x="9860692" y="6315708"/>
+            <a:ext cx="107092" cy="104422"/>
+          </a:xfrm>
+          <a:prstGeom prst="roundRect">
+            <a:avLst/>
+          </a:prstGeom>
+        </p:spPr>
+        <p:style>
+          <a:lnRef idx="2">
+            <a:schemeClr val="accent1">
+              <a:shade val="50000"/>
+            </a:schemeClr>
+          </a:lnRef>
+          <a:fillRef idx="1">
+            <a:schemeClr val="accent1"/>
+          </a:fillRef>
+          <a:effectRef idx="0">
+            <a:schemeClr val="accent1"/>
+          </a:effectRef>
+          <a:fontRef idx="minor">
+            <a:schemeClr val="lt1"/>
+          </a:fontRef>
+        </p:style>
+        <p:txBody>
+          <a:bodyPr rtlCol="0" anchor="ctr"/>
+          <a:lstStyle/>
+          <a:p>
+            <a:pPr algn="ctr"/>
+            <a:endParaRPr lang="en-US"/>
+          </a:p>
+        </p:txBody>
+      </p:sp>
+      <p:sp>
+        <p:nvSpPr>
+          <p:cNvPr id="73" name="Rounded Rectangle 72"/>
+          <p:cNvSpPr/>
+          <p:nvPr/>
+        </p:nvSpPr>
+        <p:spPr>
+          <a:xfrm>
+            <a:off x="9864572" y="6516261"/>
+            <a:ext cx="107092" cy="104422"/>
+          </a:xfrm>
+          <a:prstGeom prst="roundRect">
+            <a:avLst/>
+          </a:prstGeom>
+        </p:spPr>
+        <p:style>
+          <a:lnRef idx="2">
+            <a:schemeClr val="accent2">
+              <a:shade val="50000"/>
+            </a:schemeClr>
+          </a:lnRef>
+          <a:fillRef idx="1">
+            <a:schemeClr val="accent2"/>
+          </a:fillRef>
+          <a:effectRef idx="0">
+            <a:schemeClr val="accent2"/>
+          </a:effectRef>
+          <a:fontRef idx="minor">
+            <a:schemeClr val="lt1"/>
+          </a:fontRef>
+        </p:style>
+        <p:txBody>
+          <a:bodyPr rtlCol="0" anchor="ctr"/>
+          <a:lstStyle/>
+          <a:p>
+            <a:pPr algn="ctr"/>
+            <a:endParaRPr lang="en-US"/>
+          </a:p>
+        </p:txBody>
+      </p:sp>
+      <p:sp>
+        <p:nvSpPr>
+          <p:cNvPr id="74" name="Rounded Rectangle 73"/>
+          <p:cNvSpPr/>
+          <p:nvPr/>
+        </p:nvSpPr>
+        <p:spPr>
+          <a:xfrm>
+            <a:off x="9860692" y="6716815"/>
+            <a:ext cx="107092" cy="104422"/>
+          </a:xfrm>
+          <a:prstGeom prst="roundRect">
+            <a:avLst/>
+          </a:prstGeom>
+        </p:spPr>
+        <p:style>
+          <a:lnRef idx="2">
+            <a:schemeClr val="accent4">
+              <a:shade val="50000"/>
+            </a:schemeClr>
+          </a:lnRef>
+          <a:fillRef idx="1">
+            <a:schemeClr val="accent4"/>
+          </a:fillRef>
+          <a:effectRef idx="0">
+            <a:schemeClr val="accent4"/>
+          </a:effectRef>
+          <a:fontRef idx="minor">
+            <a:schemeClr val="lt1"/>
+          </a:fontRef>
+        </p:style>
+        <p:txBody>
+          <a:bodyPr rtlCol="0" anchor="ctr"/>
+          <a:lstStyle/>
+          <a:p>
+            <a:pPr algn="ctr"/>
+            <a:endParaRPr lang="en-US"/>
+          </a:p>
+        </p:txBody>
+      </p:sp>
+      <p:sp>
+        <p:nvSpPr>
+          <p:cNvPr id="46" name="TextBox 45"/>
+          <p:cNvSpPr txBox="1"/>
+          <p:nvPr/>
+        </p:nvSpPr>
+        <p:spPr>
+          <a:xfrm>
+            <a:off x="10086016" y="6048640"/>
+            <a:ext cx="1584417" cy="246221"/>
+          </a:xfrm>
+          <a:prstGeom prst="rect">
+            <a:avLst/>
+          </a:prstGeom>
+          <a:noFill/>
+        </p:spPr>
+        <p:txBody>
+          <a:bodyPr wrap="square" rtlCol="0">
+            <a:spAutoFit/>
+          </a:bodyPr>
+          <a:lstStyle/>
+          <a:p>
+            <a:r>
+              <a:rPr lang="en-US" sz="1000" dirty="0" smtClean="0"/>
+              <a:t>Implemented techniques</a:t>
+            </a:r>
+            <a:endParaRPr lang="en-US" sz="1000" dirty="0"/>
+          </a:p>
+        </p:txBody>
+      </p:sp>
+      <p:sp>
+        <p:nvSpPr>
+          <p:cNvPr id="47" name="TextBox 46"/>
+          <p:cNvSpPr txBox="1"/>
+          <p:nvPr/>
+        </p:nvSpPr>
+        <p:spPr>
+          <a:xfrm>
+            <a:off x="10083343" y="6244808"/>
+            <a:ext cx="1756727" cy="246221"/>
+          </a:xfrm>
+          <a:prstGeom prst="rect">
+            <a:avLst/>
+          </a:prstGeom>
+          <a:noFill/>
+        </p:spPr>
+        <p:txBody>
+          <a:bodyPr wrap="square" rtlCol="0">
+            <a:spAutoFit/>
+          </a:bodyPr>
+          <a:lstStyle/>
+          <a:p>
+            <a:r>
+              <a:rPr lang="en-US" sz="1000" dirty="0" smtClean="0"/>
+              <a:t>Unimplemented techniques</a:t>
+            </a:r>
+            <a:endParaRPr lang="en-US" sz="1000" dirty="0"/>
           </a:p>
         </p:txBody>
       </p:sp>

--- a/Docs/RTGI using rasterization.pptx
+++ b/Docs/RTGI using rasterization.pptx
@@ -2987,14 +2987,14 @@
           <a:lstStyle/>
           <a:p>
             <a:r>
-              <a:rPr lang="en-US" dirty="0" smtClean="0"/>
+              <a:rPr lang="en-US" b="1" dirty="0" smtClean="0"/>
               <a:t>RTGI using </a:t>
             </a:r>
             <a:r>
-              <a:rPr lang="en-US" dirty="0" err="1" smtClean="0"/>
+              <a:rPr lang="en-US" b="1" dirty="0" err="1" smtClean="0"/>
               <a:t>rasterization</a:t>
             </a:r>
-            <a:endParaRPr lang="en-US" dirty="0"/>
+            <a:endParaRPr lang="en-US" b="1" dirty="0"/>
           </a:p>
         </p:txBody>
       </p:sp>
@@ -3073,10 +3073,10 @@
           <a:lstStyle/>
           <a:p>
             <a:r>
-              <a:rPr lang="en-US" sz="2800" dirty="0" smtClean="0"/>
+              <a:rPr lang="en-US" sz="2800" b="1" dirty="0" smtClean="0"/>
               <a:t>System Architecture</a:t>
             </a:r>
-            <a:endParaRPr lang="en-US" sz="2800" dirty="0"/>
+            <a:endParaRPr lang="en-US" sz="2800" b="1" dirty="0"/>
           </a:p>
         </p:txBody>
       </p:sp>
@@ -3162,10 +3162,14 @@
           <a:lstStyle/>
           <a:p>
             <a:r>
-              <a:rPr lang="en-US" sz="2800" dirty="0" smtClean="0"/>
-              <a:t>Hierarchical View of Technique Dependencies</a:t>
-            </a:r>
-            <a:endParaRPr lang="en-US" sz="2800" dirty="0"/>
+              <a:rPr lang="en-US" sz="2800" b="1" dirty="0" smtClean="0"/>
+              <a:t>Hierarchical View of Technique </a:t>
+            </a:r>
+            <a:r>
+              <a:rPr lang="en-US" sz="2800" b="1" dirty="0" smtClean="0"/>
+              <a:t>Dependencies</a:t>
+            </a:r>
+            <a:endParaRPr lang="en-US" sz="2800" b="1" dirty="0"/>
           </a:p>
         </p:txBody>
       </p:sp>
@@ -3185,15 +3189,13 @@
           </a:prstGeom>
         </p:spPr>
         <p:style>
-          <a:lnRef idx="2">
-            <a:schemeClr val="accent3">
-              <a:shade val="50000"/>
-            </a:schemeClr>
+          <a:lnRef idx="0">
+            <a:schemeClr val="accent3"/>
           </a:lnRef>
-          <a:fillRef idx="1">
+          <a:fillRef idx="3">
             <a:schemeClr val="accent3"/>
           </a:fillRef>
-          <a:effectRef idx="0">
+          <a:effectRef idx="3">
             <a:schemeClr val="accent3"/>
           </a:effectRef>
           <a:fontRef idx="minor">
@@ -3237,15 +3239,13 @@
           </a:prstGeom>
         </p:spPr>
         <p:style>
-          <a:lnRef idx="2">
-            <a:schemeClr val="accent1">
-              <a:shade val="50000"/>
-            </a:schemeClr>
+          <a:lnRef idx="0">
+            <a:schemeClr val="accent1"/>
           </a:lnRef>
-          <a:fillRef idx="1">
+          <a:fillRef idx="3">
             <a:schemeClr val="accent1"/>
           </a:fillRef>
-          <a:effectRef idx="0">
+          <a:effectRef idx="3">
             <a:schemeClr val="accent1"/>
           </a:effectRef>
           <a:fontRef idx="minor">
@@ -3281,15 +3281,13 @@
           </a:prstGeom>
         </p:spPr>
         <p:style>
-          <a:lnRef idx="2">
-            <a:schemeClr val="accent1">
-              <a:shade val="50000"/>
-            </a:schemeClr>
+          <a:lnRef idx="0">
+            <a:schemeClr val="accent1"/>
           </a:lnRef>
-          <a:fillRef idx="1">
+          <a:fillRef idx="3">
             <a:schemeClr val="accent1"/>
           </a:fillRef>
-          <a:effectRef idx="0">
+          <a:effectRef idx="3">
             <a:schemeClr val="accent1"/>
           </a:effectRef>
           <a:fontRef idx="minor">
@@ -3325,15 +3323,13 @@
           </a:prstGeom>
         </p:spPr>
         <p:style>
-          <a:lnRef idx="2">
-            <a:schemeClr val="accent6">
-              <a:shade val="50000"/>
-            </a:schemeClr>
+          <a:lnRef idx="0">
+            <a:schemeClr val="accent6"/>
           </a:lnRef>
-          <a:fillRef idx="1">
+          <a:fillRef idx="3">
             <a:schemeClr val="accent6"/>
           </a:fillRef>
-          <a:effectRef idx="0">
+          <a:effectRef idx="3">
             <a:schemeClr val="accent6"/>
           </a:effectRef>
           <a:fontRef idx="minor">
@@ -3381,15 +3377,13 @@
           </a:prstGeom>
         </p:spPr>
         <p:style>
-          <a:lnRef idx="2">
-            <a:schemeClr val="accent6">
-              <a:shade val="50000"/>
-            </a:schemeClr>
+          <a:lnRef idx="0">
+            <a:schemeClr val="accent6"/>
           </a:lnRef>
-          <a:fillRef idx="1">
+          <a:fillRef idx="3">
             <a:schemeClr val="accent6"/>
           </a:fillRef>
-          <a:effectRef idx="0">
+          <a:effectRef idx="3">
             <a:schemeClr val="accent6"/>
           </a:effectRef>
           <a:fontRef idx="minor">
@@ -3433,15 +3427,13 @@
           </a:prstGeom>
         </p:spPr>
         <p:style>
-          <a:lnRef idx="2">
-            <a:schemeClr val="accent3">
-              <a:shade val="50000"/>
-            </a:schemeClr>
+          <a:lnRef idx="0">
+            <a:schemeClr val="accent3"/>
           </a:lnRef>
-          <a:fillRef idx="1">
+          <a:fillRef idx="3">
             <a:schemeClr val="accent3"/>
           </a:fillRef>
-          <a:effectRef idx="0">
+          <a:effectRef idx="3">
             <a:schemeClr val="accent3"/>
           </a:effectRef>
           <a:fontRef idx="minor">
@@ -3477,15 +3469,13 @@
           </a:prstGeom>
         </p:spPr>
         <p:style>
-          <a:lnRef idx="2">
-            <a:schemeClr val="accent6">
-              <a:shade val="50000"/>
-            </a:schemeClr>
+          <a:lnRef idx="0">
+            <a:schemeClr val="accent6"/>
           </a:lnRef>
-          <a:fillRef idx="1">
+          <a:fillRef idx="3">
             <a:schemeClr val="accent6"/>
           </a:fillRef>
-          <a:effectRef idx="0">
+          <a:effectRef idx="3">
             <a:schemeClr val="accent6"/>
           </a:effectRef>
           <a:fontRef idx="minor">
@@ -3521,15 +3511,13 @@
           </a:prstGeom>
         </p:spPr>
         <p:style>
-          <a:lnRef idx="2">
-            <a:schemeClr val="accent3">
-              <a:shade val="50000"/>
-            </a:schemeClr>
+          <a:lnRef idx="0">
+            <a:schemeClr val="accent3"/>
           </a:lnRef>
-          <a:fillRef idx="1">
+          <a:fillRef idx="3">
             <a:schemeClr val="accent3"/>
           </a:fillRef>
-          <a:effectRef idx="0">
+          <a:effectRef idx="3">
             <a:schemeClr val="accent3"/>
           </a:effectRef>
           <a:fontRef idx="minor">
@@ -3557,7 +3545,7 @@
         </p:nvSpPr>
         <p:spPr>
           <a:xfrm>
-            <a:off x="2077188" y="3359452"/>
+            <a:off x="2156565" y="3350602"/>
             <a:ext cx="1126301" cy="600159"/>
           </a:xfrm>
           <a:prstGeom prst="roundRect">
@@ -3565,15 +3553,13 @@
           </a:prstGeom>
         </p:spPr>
         <p:style>
-          <a:lnRef idx="2">
-            <a:schemeClr val="accent6">
-              <a:shade val="50000"/>
-            </a:schemeClr>
+          <a:lnRef idx="0">
+            <a:schemeClr val="accent6"/>
           </a:lnRef>
-          <a:fillRef idx="1">
+          <a:fillRef idx="3">
             <a:schemeClr val="accent6"/>
           </a:fillRef>
-          <a:effectRef idx="0">
+          <a:effectRef idx="3">
             <a:schemeClr val="accent6"/>
           </a:effectRef>
           <a:fontRef idx="minor">
@@ -3609,15 +3595,13 @@
           </a:prstGeom>
         </p:spPr>
         <p:style>
-          <a:lnRef idx="2">
-            <a:schemeClr val="accent1">
-              <a:shade val="50000"/>
-            </a:schemeClr>
+          <a:lnRef idx="0">
+            <a:schemeClr val="accent1"/>
           </a:lnRef>
-          <a:fillRef idx="1">
+          <a:fillRef idx="3">
             <a:schemeClr val="accent1"/>
           </a:fillRef>
-          <a:effectRef idx="0">
+          <a:effectRef idx="3">
             <a:schemeClr val="accent1"/>
           </a:effectRef>
           <a:fontRef idx="minor">
@@ -3657,15 +3641,13 @@
           </a:prstGeom>
         </p:spPr>
         <p:style>
-          <a:lnRef idx="2">
-            <a:schemeClr val="accent3">
-              <a:shade val="50000"/>
-            </a:schemeClr>
+          <a:lnRef idx="0">
+            <a:schemeClr val="accent3"/>
           </a:lnRef>
-          <a:fillRef idx="1">
+          <a:fillRef idx="3">
             <a:schemeClr val="accent3"/>
           </a:fillRef>
-          <a:effectRef idx="0">
+          <a:effectRef idx="3">
             <a:schemeClr val="accent3"/>
           </a:effectRef>
           <a:fontRef idx="minor">
@@ -3701,15 +3683,13 @@
           </a:prstGeom>
         </p:spPr>
         <p:style>
-          <a:lnRef idx="2">
-            <a:schemeClr val="accent6">
-              <a:shade val="50000"/>
-            </a:schemeClr>
+          <a:lnRef idx="0">
+            <a:schemeClr val="accent6"/>
           </a:lnRef>
-          <a:fillRef idx="1">
+          <a:fillRef idx="3">
             <a:schemeClr val="accent6"/>
           </a:fillRef>
-          <a:effectRef idx="0">
+          <a:effectRef idx="3">
             <a:schemeClr val="accent6"/>
           </a:effectRef>
           <a:fontRef idx="minor">
@@ -3749,15 +3729,13 @@
           </a:prstGeom>
         </p:spPr>
         <p:style>
-          <a:lnRef idx="2">
-            <a:schemeClr val="accent1">
-              <a:shade val="50000"/>
-            </a:schemeClr>
+          <a:lnRef idx="0">
+            <a:schemeClr val="accent1"/>
           </a:lnRef>
-          <a:fillRef idx="1">
+          <a:fillRef idx="3">
             <a:schemeClr val="accent1"/>
           </a:fillRef>
-          <a:effectRef idx="0">
+          <a:effectRef idx="3">
             <a:schemeClr val="accent1"/>
           </a:effectRef>
           <a:fontRef idx="minor">
@@ -3793,15 +3771,13 @@
           </a:prstGeom>
         </p:spPr>
         <p:style>
-          <a:lnRef idx="2">
-            <a:schemeClr val="accent1">
-              <a:shade val="50000"/>
-            </a:schemeClr>
+          <a:lnRef idx="0">
+            <a:schemeClr val="accent1"/>
           </a:lnRef>
-          <a:fillRef idx="1">
+          <a:fillRef idx="3">
             <a:schemeClr val="accent1"/>
           </a:fillRef>
-          <a:effectRef idx="0">
+          <a:effectRef idx="3">
             <a:schemeClr val="accent1"/>
           </a:effectRef>
           <a:fontRef idx="minor">
@@ -3829,7 +3805,7 @@
         </p:nvSpPr>
         <p:spPr>
           <a:xfrm>
-            <a:off x="4857389" y="3347089"/>
+            <a:off x="4969266" y="3347087"/>
             <a:ext cx="1398940" cy="1157181"/>
           </a:xfrm>
           <a:prstGeom prst="roundRect">
@@ -3837,15 +3813,13 @@
           </a:prstGeom>
         </p:spPr>
         <p:style>
-          <a:lnRef idx="2">
-            <a:schemeClr val="accent1">
-              <a:shade val="50000"/>
-            </a:schemeClr>
+          <a:lnRef idx="0">
+            <a:schemeClr val="accent1"/>
           </a:lnRef>
-          <a:fillRef idx="1">
+          <a:fillRef idx="3">
             <a:schemeClr val="accent1"/>
           </a:fillRef>
-          <a:effectRef idx="0">
+          <a:effectRef idx="3">
             <a:schemeClr val="accent1"/>
           </a:effectRef>
           <a:fontRef idx="minor">
@@ -3885,15 +3859,13 @@
           </a:prstGeom>
         </p:spPr>
         <p:style>
-          <a:lnRef idx="2">
-            <a:schemeClr val="accent6">
-              <a:shade val="50000"/>
-            </a:schemeClr>
+          <a:lnRef idx="0">
+            <a:schemeClr val="accent6"/>
           </a:lnRef>
-          <a:fillRef idx="1">
+          <a:fillRef idx="3">
             <a:schemeClr val="accent6"/>
           </a:fillRef>
-          <a:effectRef idx="0">
+          <a:effectRef idx="3">
             <a:schemeClr val="accent6"/>
           </a:effectRef>
           <a:fontRef idx="minor">
@@ -3929,15 +3901,13 @@
           </a:prstGeom>
         </p:spPr>
         <p:style>
-          <a:lnRef idx="2">
-            <a:schemeClr val="accent6">
-              <a:shade val="50000"/>
-            </a:schemeClr>
+          <a:lnRef idx="0">
+            <a:schemeClr val="accent6"/>
           </a:lnRef>
-          <a:fillRef idx="1">
+          <a:fillRef idx="3">
             <a:schemeClr val="accent6"/>
           </a:fillRef>
-          <a:effectRef idx="0">
+          <a:effectRef idx="3">
             <a:schemeClr val="accent6"/>
           </a:effectRef>
           <a:fontRef idx="minor">
@@ -3981,15 +3951,13 @@
           </a:prstGeom>
         </p:spPr>
         <p:style>
-          <a:lnRef idx="2">
-            <a:schemeClr val="accent6">
-              <a:shade val="50000"/>
-            </a:schemeClr>
+          <a:lnRef idx="0">
+            <a:schemeClr val="accent6"/>
           </a:lnRef>
-          <a:fillRef idx="1">
+          <a:fillRef idx="3">
             <a:schemeClr val="accent6"/>
           </a:fillRef>
-          <a:effectRef idx="0">
+          <a:effectRef idx="3">
             <a:schemeClr val="accent6"/>
           </a:effectRef>
           <a:fontRef idx="minor">
@@ -4033,15 +4001,13 @@
           </a:prstGeom>
         </p:spPr>
         <p:style>
-          <a:lnRef idx="2">
-            <a:schemeClr val="accent6">
-              <a:shade val="50000"/>
-            </a:schemeClr>
+          <a:lnRef idx="0">
+            <a:schemeClr val="accent6"/>
           </a:lnRef>
-          <a:fillRef idx="1">
+          <a:fillRef idx="3">
             <a:schemeClr val="accent6"/>
           </a:fillRef>
-          <a:effectRef idx="0">
+          <a:effectRef idx="3">
             <a:schemeClr val="accent6"/>
           </a:effectRef>
           <a:fontRef idx="minor">
@@ -4081,15 +4047,13 @@
           </a:prstGeom>
         </p:spPr>
         <p:style>
-          <a:lnRef idx="2">
-            <a:schemeClr val="accent6">
-              <a:shade val="50000"/>
-            </a:schemeClr>
+          <a:lnRef idx="0">
+            <a:schemeClr val="accent6"/>
           </a:lnRef>
-          <a:fillRef idx="1">
+          <a:fillRef idx="3">
             <a:schemeClr val="accent6"/>
           </a:fillRef>
-          <a:effectRef idx="0">
+          <a:effectRef idx="3">
             <a:schemeClr val="accent6"/>
           </a:effectRef>
           <a:fontRef idx="minor">
@@ -4129,15 +4093,13 @@
           </a:prstGeom>
         </p:spPr>
         <p:style>
-          <a:lnRef idx="2">
-            <a:schemeClr val="accent6">
-              <a:shade val="50000"/>
-            </a:schemeClr>
+          <a:lnRef idx="0">
+            <a:schemeClr val="accent6"/>
           </a:lnRef>
-          <a:fillRef idx="1">
+          <a:fillRef idx="3">
             <a:schemeClr val="accent6"/>
           </a:fillRef>
-          <a:effectRef idx="0">
+          <a:effectRef idx="3">
             <a:schemeClr val="accent6"/>
           </a:effectRef>
           <a:fontRef idx="minor">
@@ -4177,15 +4139,13 @@
           </a:prstGeom>
         </p:spPr>
         <p:style>
-          <a:lnRef idx="2">
-            <a:schemeClr val="accent3">
-              <a:shade val="50000"/>
-            </a:schemeClr>
+          <a:lnRef idx="1">
+            <a:schemeClr val="accent3"/>
           </a:lnRef>
-          <a:fillRef idx="1">
+          <a:fillRef idx="3">
             <a:schemeClr val="accent3"/>
           </a:fillRef>
-          <a:effectRef idx="0">
+          <a:effectRef idx="2">
             <a:schemeClr val="accent3"/>
           </a:effectRef>
           <a:fontRef idx="minor">
@@ -4209,23 +4169,21 @@
         </p:nvSpPr>
         <p:spPr>
           <a:xfrm>
-            <a:off x="3261925" y="1045948"/>
-            <a:ext cx="199471" cy="256929"/>
+            <a:off x="3264451" y="1057250"/>
+            <a:ext cx="199471" cy="237496"/>
           </a:xfrm>
           <a:prstGeom prst="downArrow">
             <a:avLst/>
           </a:prstGeom>
         </p:spPr>
         <p:style>
-          <a:lnRef idx="2">
-            <a:schemeClr val="accent3">
-              <a:shade val="50000"/>
-            </a:schemeClr>
+          <a:lnRef idx="1">
+            <a:schemeClr val="accent3"/>
           </a:lnRef>
-          <a:fillRef idx="1">
+          <a:fillRef idx="3">
             <a:schemeClr val="accent3"/>
           </a:fillRef>
-          <a:effectRef idx="0">
+          <a:effectRef idx="2">
             <a:schemeClr val="accent3"/>
           </a:effectRef>
           <a:fontRef idx="minor">
@@ -4257,15 +4215,13 @@
           </a:prstGeom>
         </p:spPr>
         <p:style>
-          <a:lnRef idx="2">
-            <a:schemeClr val="accent3">
-              <a:shade val="50000"/>
-            </a:schemeClr>
+          <a:lnRef idx="1">
+            <a:schemeClr val="accent3"/>
           </a:lnRef>
-          <a:fillRef idx="1">
+          <a:fillRef idx="3">
             <a:schemeClr val="accent3"/>
           </a:fillRef>
-          <a:effectRef idx="0">
+          <a:effectRef idx="2">
             <a:schemeClr val="accent3"/>
           </a:effectRef>
           <a:fontRef idx="minor">
@@ -4297,15 +4253,13 @@
           </a:prstGeom>
         </p:spPr>
         <p:style>
-          <a:lnRef idx="2">
-            <a:schemeClr val="accent6">
-              <a:shade val="50000"/>
-            </a:schemeClr>
+          <a:lnRef idx="0">
+            <a:schemeClr val="accent6"/>
           </a:lnRef>
-          <a:fillRef idx="1">
+          <a:fillRef idx="3">
             <a:schemeClr val="accent6"/>
           </a:fillRef>
-          <a:effectRef idx="0">
+          <a:effectRef idx="3">
             <a:schemeClr val="accent6"/>
           </a:effectRef>
           <a:fontRef idx="minor">
@@ -4333,23 +4287,21 @@
         </p:nvSpPr>
         <p:spPr>
           <a:xfrm>
-            <a:off x="1301578" y="1637314"/>
-            <a:ext cx="189471" cy="302475"/>
+            <a:off x="1259553" y="1644995"/>
+            <a:ext cx="205946" cy="285339"/>
           </a:xfrm>
           <a:prstGeom prst="downArrow">
             <a:avLst/>
           </a:prstGeom>
         </p:spPr>
         <p:style>
-          <a:lnRef idx="2">
-            <a:schemeClr val="accent3">
-              <a:shade val="50000"/>
-            </a:schemeClr>
+          <a:lnRef idx="1">
+            <a:schemeClr val="accent3"/>
           </a:lnRef>
-          <a:fillRef idx="1">
+          <a:fillRef idx="3">
             <a:schemeClr val="accent3"/>
           </a:fillRef>
-          <a:effectRef idx="0">
+          <a:effectRef idx="2">
             <a:schemeClr val="accent3"/>
           </a:effectRef>
           <a:fontRef idx="minor">
@@ -4381,15 +4333,13 @@
           </a:prstGeom>
         </p:spPr>
         <p:style>
-          <a:lnRef idx="2">
-            <a:schemeClr val="accent1">
-              <a:shade val="50000"/>
-            </a:schemeClr>
+          <a:lnRef idx="0">
+            <a:schemeClr val="accent1"/>
           </a:lnRef>
-          <a:fillRef idx="1">
+          <a:fillRef idx="3">
             <a:schemeClr val="accent1"/>
           </a:fillRef>
-          <a:effectRef idx="0">
+          <a:effectRef idx="3">
             <a:schemeClr val="accent1"/>
           </a:effectRef>
           <a:fontRef idx="minor">
@@ -4425,15 +4375,13 @@
           </a:prstGeom>
         </p:spPr>
         <p:style>
-          <a:lnRef idx="2">
-            <a:schemeClr val="accent1">
-              <a:shade val="50000"/>
-            </a:schemeClr>
+          <a:lnRef idx="0">
+            <a:schemeClr val="accent1"/>
           </a:lnRef>
-          <a:fillRef idx="1">
+          <a:fillRef idx="3">
             <a:schemeClr val="accent1"/>
           </a:fillRef>
-          <a:effectRef idx="0">
+          <a:effectRef idx="3">
             <a:schemeClr val="accent1"/>
           </a:effectRef>
           <a:fontRef idx="minor">
@@ -4469,15 +4417,13 @@
           </a:prstGeom>
         </p:spPr>
         <p:style>
-          <a:lnRef idx="2">
-            <a:schemeClr val="accent3">
-              <a:shade val="50000"/>
-            </a:schemeClr>
+          <a:lnRef idx="1">
+            <a:schemeClr val="accent3"/>
           </a:lnRef>
-          <a:fillRef idx="1">
+          <a:fillRef idx="3">
             <a:schemeClr val="accent3"/>
           </a:fillRef>
-          <a:effectRef idx="0">
+          <a:effectRef idx="2">
             <a:schemeClr val="accent3"/>
           </a:effectRef>
           <a:fontRef idx="minor">
@@ -4509,15 +4455,13 @@
           </a:prstGeom>
         </p:spPr>
         <p:style>
-          <a:lnRef idx="2">
-            <a:schemeClr val="accent3">
-              <a:shade val="50000"/>
-            </a:schemeClr>
+          <a:lnRef idx="1">
+            <a:schemeClr val="accent3"/>
           </a:lnRef>
-          <a:fillRef idx="1">
+          <a:fillRef idx="3">
             <a:schemeClr val="accent3"/>
           </a:fillRef>
-          <a:effectRef idx="0">
+          <a:effectRef idx="2">
             <a:schemeClr val="accent3"/>
           </a:effectRef>
           <a:fontRef idx="minor">
@@ -4549,15 +4493,13 @@
           </a:prstGeom>
         </p:spPr>
         <p:style>
-          <a:lnRef idx="2">
-            <a:schemeClr val="accent3">
-              <a:shade val="50000"/>
-            </a:schemeClr>
+          <a:lnRef idx="1">
+            <a:schemeClr val="accent3"/>
           </a:lnRef>
-          <a:fillRef idx="1">
+          <a:fillRef idx="3">
             <a:schemeClr val="accent3"/>
           </a:fillRef>
-          <a:effectRef idx="0">
+          <a:effectRef idx="2">
             <a:schemeClr val="accent3"/>
           </a:effectRef>
           <a:fontRef idx="minor">
@@ -4589,15 +4531,13 @@
           </a:prstGeom>
         </p:spPr>
         <p:style>
-          <a:lnRef idx="2">
-            <a:schemeClr val="accent3">
-              <a:shade val="50000"/>
-            </a:schemeClr>
+          <a:lnRef idx="1">
+            <a:schemeClr val="accent3"/>
           </a:lnRef>
-          <a:fillRef idx="1">
+          <a:fillRef idx="3">
             <a:schemeClr val="accent3"/>
           </a:fillRef>
-          <a:effectRef idx="0">
+          <a:effectRef idx="2">
             <a:schemeClr val="accent3"/>
           </a:effectRef>
           <a:fontRef idx="minor">
@@ -4629,15 +4569,13 @@
           </a:prstGeom>
         </p:spPr>
         <p:style>
-          <a:lnRef idx="2">
-            <a:schemeClr val="accent3">
-              <a:shade val="50000"/>
-            </a:schemeClr>
+          <a:lnRef idx="1">
+            <a:schemeClr val="accent3"/>
           </a:lnRef>
-          <a:fillRef idx="1">
+          <a:fillRef idx="3">
             <a:schemeClr val="accent3"/>
           </a:fillRef>
-          <a:effectRef idx="0">
+          <a:effectRef idx="2">
             <a:schemeClr val="accent3"/>
           </a:effectRef>
           <a:fontRef idx="minor">
@@ -4669,15 +4607,13 @@
           </a:prstGeom>
         </p:spPr>
         <p:style>
-          <a:lnRef idx="2">
-            <a:schemeClr val="accent3">
-              <a:shade val="50000"/>
-            </a:schemeClr>
+          <a:lnRef idx="1">
+            <a:schemeClr val="accent3"/>
           </a:lnRef>
-          <a:fillRef idx="1">
+          <a:fillRef idx="3">
             <a:schemeClr val="accent3"/>
           </a:fillRef>
-          <a:effectRef idx="0">
+          <a:effectRef idx="2">
             <a:schemeClr val="accent3"/>
           </a:effectRef>
           <a:fontRef idx="minor">
@@ -4709,15 +4645,13 @@
           </a:prstGeom>
         </p:spPr>
         <p:style>
-          <a:lnRef idx="2">
-            <a:schemeClr val="accent3">
-              <a:shade val="50000"/>
-            </a:schemeClr>
+          <a:lnRef idx="1">
+            <a:schemeClr val="accent3"/>
           </a:lnRef>
-          <a:fillRef idx="1">
+          <a:fillRef idx="3">
             <a:schemeClr val="accent3"/>
           </a:fillRef>
-          <a:effectRef idx="0">
+          <a:effectRef idx="2">
             <a:schemeClr val="accent3"/>
           </a:effectRef>
           <a:fontRef idx="minor">
@@ -4741,23 +4675,21 @@
         </p:nvSpPr>
         <p:spPr>
           <a:xfrm>
-            <a:off x="4522736" y="2374724"/>
-            <a:ext cx="189471" cy="302475"/>
+            <a:off x="4532946" y="2397705"/>
+            <a:ext cx="209943" cy="273677"/>
           </a:xfrm>
           <a:prstGeom prst="downArrow">
             <a:avLst/>
           </a:prstGeom>
         </p:spPr>
         <p:style>
-          <a:lnRef idx="2">
-            <a:schemeClr val="accent3">
-              <a:shade val="50000"/>
-            </a:schemeClr>
+          <a:lnRef idx="1">
+            <a:schemeClr val="accent3"/>
           </a:lnRef>
-          <a:fillRef idx="1">
+          <a:fillRef idx="3">
             <a:schemeClr val="accent3"/>
           </a:fillRef>
-          <a:effectRef idx="0">
+          <a:effectRef idx="2">
             <a:schemeClr val="accent3"/>
           </a:effectRef>
           <a:fontRef idx="minor">
@@ -4789,15 +4721,13 @@
           </a:prstGeom>
         </p:spPr>
         <p:style>
-          <a:lnRef idx="2">
-            <a:schemeClr val="accent3">
-              <a:shade val="50000"/>
-            </a:schemeClr>
+          <a:lnRef idx="1">
+            <a:schemeClr val="accent3"/>
           </a:lnRef>
-          <a:fillRef idx="1">
+          <a:fillRef idx="3">
             <a:schemeClr val="accent3"/>
           </a:fillRef>
-          <a:effectRef idx="0">
+          <a:effectRef idx="2">
             <a:schemeClr val="accent3"/>
           </a:effectRef>
           <a:fontRef idx="minor">
@@ -4829,15 +4759,13 @@
           </a:prstGeom>
         </p:spPr>
         <p:style>
-          <a:lnRef idx="2">
-            <a:schemeClr val="accent3">
-              <a:shade val="50000"/>
-            </a:schemeClr>
+          <a:lnRef idx="1">
+            <a:schemeClr val="accent3"/>
           </a:lnRef>
-          <a:fillRef idx="1">
+          <a:fillRef idx="3">
             <a:schemeClr val="accent3"/>
           </a:fillRef>
-          <a:effectRef idx="0">
+          <a:effectRef idx="2">
             <a:schemeClr val="accent3"/>
           </a:effectRef>
           <a:fontRef idx="minor">
@@ -4869,15 +4797,13 @@
           </a:prstGeom>
         </p:spPr>
         <p:style>
-          <a:lnRef idx="2">
-            <a:schemeClr val="accent3">
-              <a:shade val="50000"/>
-            </a:schemeClr>
+          <a:lnRef idx="1">
+            <a:schemeClr val="accent3"/>
           </a:lnRef>
-          <a:fillRef idx="1">
+          <a:fillRef idx="3">
             <a:schemeClr val="accent3"/>
           </a:fillRef>
-          <a:effectRef idx="0">
+          <a:effectRef idx="2">
             <a:schemeClr val="accent3"/>
           </a:effectRef>
           <a:fontRef idx="minor">
@@ -4909,15 +4835,13 @@
           </a:prstGeom>
         </p:spPr>
         <p:style>
-          <a:lnRef idx="2">
-            <a:schemeClr val="accent3">
-              <a:shade val="50000"/>
-            </a:schemeClr>
+          <a:lnRef idx="1">
+            <a:schemeClr val="accent3"/>
           </a:lnRef>
-          <a:fillRef idx="1">
+          <a:fillRef idx="3">
             <a:schemeClr val="accent3"/>
           </a:fillRef>
-          <a:effectRef idx="0">
+          <a:effectRef idx="2">
             <a:schemeClr val="accent3"/>
           </a:effectRef>
           <a:fontRef idx="minor">
@@ -4949,15 +4873,13 @@
           </a:prstGeom>
         </p:spPr>
         <p:style>
-          <a:lnRef idx="2">
-            <a:schemeClr val="accent3">
-              <a:shade val="50000"/>
-            </a:schemeClr>
+          <a:lnRef idx="1">
+            <a:schemeClr val="accent3"/>
           </a:lnRef>
-          <a:fillRef idx="1">
+          <a:fillRef idx="3">
             <a:schemeClr val="accent3"/>
           </a:fillRef>
-          <a:effectRef idx="0">
+          <a:effectRef idx="2">
             <a:schemeClr val="accent3"/>
           </a:effectRef>
           <a:fontRef idx="minor">
@@ -4981,23 +4903,21 @@
         </p:nvSpPr>
         <p:spPr>
           <a:xfrm>
-            <a:off x="3624041" y="3024197"/>
-            <a:ext cx="240317" cy="1007344"/>
+            <a:off x="3624041" y="3044259"/>
+            <a:ext cx="240317" cy="987282"/>
           </a:xfrm>
           <a:prstGeom prst="downArrow">
             <a:avLst/>
           </a:prstGeom>
         </p:spPr>
         <p:style>
-          <a:lnRef idx="2">
-            <a:schemeClr val="accent3">
-              <a:shade val="50000"/>
-            </a:schemeClr>
+          <a:lnRef idx="1">
+            <a:schemeClr val="accent3"/>
           </a:lnRef>
-          <a:fillRef idx="1">
+          <a:fillRef idx="3">
             <a:schemeClr val="accent3"/>
           </a:fillRef>
-          <a:effectRef idx="0">
+          <a:effectRef idx="2">
             <a:schemeClr val="accent3"/>
           </a:effectRef>
           <a:fontRef idx="minor">
@@ -5029,15 +4949,13 @@
           </a:prstGeom>
         </p:spPr>
         <p:style>
-          <a:lnRef idx="2">
-            <a:schemeClr val="accent3">
-              <a:shade val="50000"/>
-            </a:schemeClr>
+          <a:lnRef idx="1">
+            <a:schemeClr val="accent3"/>
           </a:lnRef>
-          <a:fillRef idx="1">
+          <a:fillRef idx="3">
             <a:schemeClr val="accent3"/>
           </a:fillRef>
-          <a:effectRef idx="0">
+          <a:effectRef idx="2">
             <a:schemeClr val="accent3"/>
           </a:effectRef>
           <a:fontRef idx="minor">
@@ -5061,7 +4979,7 @@
         </p:nvSpPr>
         <p:spPr>
           <a:xfrm>
-            <a:off x="1591656" y="5908573"/>
+            <a:off x="1608542" y="5923863"/>
             <a:ext cx="185241" cy="248147"/>
           </a:xfrm>
           <a:prstGeom prst="downArrow">
@@ -5069,15 +4987,13 @@
           </a:prstGeom>
         </p:spPr>
         <p:style>
-          <a:lnRef idx="2">
-            <a:schemeClr val="accent3">
-              <a:shade val="50000"/>
-            </a:schemeClr>
+          <a:lnRef idx="1">
+            <a:schemeClr val="accent3"/>
           </a:lnRef>
-          <a:fillRef idx="1">
+          <a:fillRef idx="3">
             <a:schemeClr val="accent3"/>
           </a:fillRef>
-          <a:effectRef idx="0">
+          <a:effectRef idx="2">
             <a:schemeClr val="accent3"/>
           </a:effectRef>
           <a:fontRef idx="minor">
@@ -5109,15 +5025,13 @@
           </a:prstGeom>
         </p:spPr>
         <p:style>
-          <a:lnRef idx="2">
-            <a:schemeClr val="accent3">
-              <a:shade val="50000"/>
-            </a:schemeClr>
+          <a:lnRef idx="1">
+            <a:schemeClr val="accent3"/>
           </a:lnRef>
-          <a:fillRef idx="1">
+          <a:fillRef idx="3">
             <a:schemeClr val="accent3"/>
           </a:fillRef>
-          <a:effectRef idx="0">
+          <a:effectRef idx="2">
             <a:schemeClr val="accent3"/>
           </a:effectRef>
           <a:fontRef idx="minor">
@@ -5149,15 +5063,13 @@
           </a:prstGeom>
         </p:spPr>
         <p:style>
-          <a:lnRef idx="2">
-            <a:schemeClr val="accent3">
-              <a:shade val="50000"/>
-            </a:schemeClr>
+          <a:lnRef idx="1">
+            <a:schemeClr val="accent3"/>
           </a:lnRef>
-          <a:fillRef idx="1">
+          <a:fillRef idx="3">
             <a:schemeClr val="accent3"/>
           </a:fillRef>
-          <a:effectRef idx="0">
+          <a:effectRef idx="2">
             <a:schemeClr val="accent3"/>
           </a:effectRef>
           <a:fontRef idx="minor">
@@ -5189,15 +5101,13 @@
           </a:prstGeom>
         </p:spPr>
         <p:style>
-          <a:lnRef idx="2">
-            <a:schemeClr val="accent3">
-              <a:shade val="50000"/>
-            </a:schemeClr>
+          <a:lnRef idx="1">
+            <a:schemeClr val="accent3"/>
           </a:lnRef>
-          <a:fillRef idx="1">
+          <a:fillRef idx="3">
             <a:schemeClr val="accent3"/>
           </a:fillRef>
-          <a:effectRef idx="0">
+          <a:effectRef idx="2">
             <a:schemeClr val="accent3"/>
           </a:effectRef>
           <a:fontRef idx="minor">
@@ -5263,23 +5173,21 @@
         </p:nvSpPr>
         <p:spPr>
           <a:xfrm>
-            <a:off x="4156571" y="5486401"/>
-            <a:ext cx="2879471" cy="324758"/>
+            <a:off x="4156571" y="5486400"/>
+            <a:ext cx="2879471" cy="437321"/>
           </a:xfrm>
           <a:prstGeom prst="roundRect">
             <a:avLst/>
           </a:prstGeom>
         </p:spPr>
         <p:style>
-          <a:lnRef idx="2">
-            <a:schemeClr val="accent4">
-              <a:shade val="50000"/>
-            </a:schemeClr>
+          <a:lnRef idx="0">
+            <a:schemeClr val="accent4"/>
           </a:lnRef>
-          <a:fillRef idx="1">
+          <a:fillRef idx="3">
             <a:schemeClr val="accent4"/>
           </a:fillRef>
-          <a:effectRef idx="0">
+          <a:effectRef idx="3">
             <a:schemeClr val="accent4"/>
           </a:effectRef>
           <a:fontRef idx="minor">
@@ -5319,15 +5227,13 @@
           </a:prstGeom>
         </p:spPr>
         <p:style>
-          <a:lnRef idx="2">
-            <a:schemeClr val="accent3">
-              <a:shade val="50000"/>
-            </a:schemeClr>
+          <a:lnRef idx="1">
+            <a:schemeClr val="accent3"/>
           </a:lnRef>
-          <a:fillRef idx="1">
+          <a:fillRef idx="3">
             <a:schemeClr val="accent3"/>
           </a:fillRef>
-          <a:effectRef idx="0">
+          <a:effectRef idx="2">
             <a:schemeClr val="accent3"/>
           </a:effectRef>
           <a:fontRef idx="minor">
@@ -5359,15 +5265,13 @@
           </a:prstGeom>
         </p:spPr>
         <p:style>
-          <a:lnRef idx="2">
-            <a:schemeClr val="accent3">
-              <a:shade val="50000"/>
-            </a:schemeClr>
+          <a:lnRef idx="1">
+            <a:schemeClr val="accent3"/>
           </a:lnRef>
-          <a:fillRef idx="1">
+          <a:fillRef idx="3">
             <a:schemeClr val="accent3"/>
           </a:fillRef>
-          <a:effectRef idx="0">
+          <a:effectRef idx="2">
             <a:schemeClr val="accent3"/>
           </a:effectRef>
           <a:fontRef idx="minor">
@@ -5399,15 +5303,13 @@
           </a:prstGeom>
         </p:spPr>
         <p:style>
-          <a:lnRef idx="2">
-            <a:schemeClr val="accent2">
-              <a:shade val="50000"/>
-            </a:schemeClr>
+          <a:lnRef idx="0">
+            <a:schemeClr val="accent2"/>
           </a:lnRef>
-          <a:fillRef idx="1">
+          <a:fillRef idx="3">
             <a:schemeClr val="accent2"/>
           </a:fillRef>
-          <a:effectRef idx="0">
+          <a:effectRef idx="3">
             <a:schemeClr val="accent2"/>
           </a:effectRef>
           <a:fontRef idx="minor">
@@ -5443,15 +5345,13 @@
           </a:prstGeom>
         </p:spPr>
         <p:style>
-          <a:lnRef idx="2">
-            <a:schemeClr val="accent3">
-              <a:shade val="50000"/>
-            </a:schemeClr>
+          <a:lnRef idx="1">
+            <a:schemeClr val="accent3"/>
           </a:lnRef>
-          <a:fillRef idx="1">
+          <a:fillRef idx="3">
             <a:schemeClr val="accent3"/>
           </a:fillRef>
-          <a:effectRef idx="0">
+          <a:effectRef idx="2">
             <a:schemeClr val="accent3"/>
           </a:effectRef>
           <a:fontRef idx="minor">
@@ -5483,15 +5383,13 @@
           </a:prstGeom>
         </p:spPr>
         <p:style>
-          <a:lnRef idx="2">
-            <a:schemeClr val="accent3">
-              <a:shade val="50000"/>
-            </a:schemeClr>
+          <a:lnRef idx="1">
+            <a:schemeClr val="accent3"/>
           </a:lnRef>
-          <a:fillRef idx="1">
+          <a:fillRef idx="3">
             <a:schemeClr val="accent3"/>
           </a:fillRef>
-          <a:effectRef idx="0">
+          <a:effectRef idx="2">
             <a:schemeClr val="accent3"/>
           </a:effectRef>
           <a:fontRef idx="minor">
@@ -5515,7 +5413,7 @@
         </p:nvSpPr>
         <p:spPr>
           <a:xfrm>
-            <a:off x="9036431" y="3577699"/>
+            <a:off x="8798060" y="3570711"/>
             <a:ext cx="1895180" cy="347979"/>
           </a:xfrm>
           <a:prstGeom prst="roundRect">
@@ -5523,15 +5421,13 @@
           </a:prstGeom>
         </p:spPr>
         <p:style>
-          <a:lnRef idx="2">
-            <a:schemeClr val="accent4">
-              <a:shade val="50000"/>
-            </a:schemeClr>
+          <a:lnRef idx="0">
+            <a:schemeClr val="accent4"/>
           </a:lnRef>
-          <a:fillRef idx="1">
+          <a:fillRef idx="3">
             <a:schemeClr val="accent4"/>
           </a:fillRef>
-          <a:effectRef idx="0">
+          <a:effectRef idx="3">
             <a:schemeClr val="accent4"/>
           </a:effectRef>
           <a:fontRef idx="minor">
@@ -5567,15 +5463,13 @@
           </a:prstGeom>
         </p:spPr>
         <p:style>
-          <a:lnRef idx="2">
-            <a:schemeClr val="accent3">
-              <a:shade val="50000"/>
-            </a:schemeClr>
+          <a:lnRef idx="1">
+            <a:schemeClr val="accent3"/>
           </a:lnRef>
-          <a:fillRef idx="1">
+          <a:fillRef idx="3">
             <a:schemeClr val="accent3"/>
           </a:fillRef>
-          <a:effectRef idx="0">
+          <a:effectRef idx="2">
             <a:schemeClr val="accent3"/>
           </a:effectRef>
           <a:fontRef idx="minor">
@@ -5599,7 +5493,7 @@
         </p:nvSpPr>
         <p:spPr>
           <a:xfrm>
-            <a:off x="10093399" y="6440280"/>
+            <a:off x="10093399" y="6445361"/>
             <a:ext cx="1651008" cy="246221"/>
           </a:xfrm>
           <a:prstGeom prst="rect">
@@ -5614,10 +5508,10 @@
           <a:lstStyle/>
           <a:p>
             <a:r>
-              <a:rPr lang="en-US" sz="1000" dirty="0" smtClean="0"/>
+              <a:rPr lang="en-US" sz="1000" b="1" dirty="0" smtClean="0"/>
               <a:t>System Bottle Neck</a:t>
             </a:r>
-            <a:endParaRPr lang="en-US" sz="1000" dirty="0"/>
+            <a:endParaRPr lang="en-US" sz="1000" b="1" dirty="0"/>
           </a:p>
         </p:txBody>
       </p:sp>
@@ -5629,7 +5523,7 @@
         </p:nvSpPr>
         <p:spPr>
           <a:xfrm>
-            <a:off x="10093399" y="6642209"/>
+            <a:off x="10093399" y="6641529"/>
             <a:ext cx="1705233" cy="246221"/>
           </a:xfrm>
           <a:prstGeom prst="rect">
@@ -5644,10 +5538,10 @@
           <a:lstStyle/>
           <a:p>
             <a:r>
-              <a:rPr lang="en-US" sz="1000" dirty="0" smtClean="0"/>
+              <a:rPr lang="en-US" sz="1000" b="1" dirty="0" smtClean="0"/>
               <a:t>Our Improvement</a:t>
             </a:r>
-            <a:endParaRPr lang="en-US" sz="1000" dirty="0"/>
+            <a:endParaRPr lang="en-US" sz="1000" b="1" dirty="0"/>
           </a:p>
         </p:txBody>
       </p:sp>
@@ -5667,15 +5561,13 @@
           </a:prstGeom>
         </p:spPr>
         <p:style>
-          <a:lnRef idx="2">
-            <a:schemeClr val="accent6">
-              <a:shade val="50000"/>
-            </a:schemeClr>
+          <a:lnRef idx="0">
+            <a:schemeClr val="accent6"/>
           </a:lnRef>
-          <a:fillRef idx="1">
+          <a:fillRef idx="3">
             <a:schemeClr val="accent6"/>
           </a:fillRef>
-          <a:effectRef idx="0">
+          <a:effectRef idx="3">
             <a:schemeClr val="accent6"/>
           </a:effectRef>
           <a:fontRef idx="minor">
@@ -5707,15 +5599,13 @@
           </a:prstGeom>
         </p:spPr>
         <p:style>
-          <a:lnRef idx="2">
-            <a:schemeClr val="accent1">
-              <a:shade val="50000"/>
-            </a:schemeClr>
+          <a:lnRef idx="0">
+            <a:schemeClr val="accent1"/>
           </a:lnRef>
-          <a:fillRef idx="1">
+          <a:fillRef idx="3">
             <a:schemeClr val="accent1"/>
           </a:fillRef>
-          <a:effectRef idx="0">
+          <a:effectRef idx="3">
             <a:schemeClr val="accent1"/>
           </a:effectRef>
           <a:fontRef idx="minor">
@@ -5747,15 +5637,13 @@
           </a:prstGeom>
         </p:spPr>
         <p:style>
-          <a:lnRef idx="2">
-            <a:schemeClr val="accent2">
-              <a:shade val="50000"/>
-            </a:schemeClr>
+          <a:lnRef idx="0">
+            <a:schemeClr val="accent2"/>
           </a:lnRef>
-          <a:fillRef idx="1">
+          <a:fillRef idx="3">
             <a:schemeClr val="accent2"/>
           </a:fillRef>
-          <a:effectRef idx="0">
+          <a:effectRef idx="3">
             <a:schemeClr val="accent2"/>
           </a:effectRef>
           <a:fontRef idx="minor">
@@ -5787,15 +5675,13 @@
           </a:prstGeom>
         </p:spPr>
         <p:style>
-          <a:lnRef idx="2">
-            <a:schemeClr val="accent4">
-              <a:shade val="50000"/>
-            </a:schemeClr>
+          <a:lnRef idx="0">
+            <a:schemeClr val="accent4"/>
           </a:lnRef>
-          <a:fillRef idx="1">
+          <a:fillRef idx="3">
             <a:schemeClr val="accent4"/>
           </a:fillRef>
-          <a:effectRef idx="0">
+          <a:effectRef idx="3">
             <a:schemeClr val="accent4"/>
           </a:effectRef>
           <a:fontRef idx="minor">
@@ -5834,10 +5720,10 @@
           <a:lstStyle/>
           <a:p>
             <a:r>
-              <a:rPr lang="en-US" sz="1000" dirty="0" smtClean="0"/>
+              <a:rPr lang="en-US" sz="1000" b="1" dirty="0" smtClean="0"/>
               <a:t>Implemented techniques</a:t>
             </a:r>
-            <a:endParaRPr lang="en-US" sz="1000" dirty="0"/>
+            <a:endParaRPr lang="en-US" sz="1000" b="1" dirty="0"/>
           </a:p>
         </p:txBody>
       </p:sp>
@@ -5864,10 +5750,10 @@
           <a:lstStyle/>
           <a:p>
             <a:r>
-              <a:rPr lang="en-US" sz="1000" dirty="0" smtClean="0"/>
+              <a:rPr lang="en-US" sz="1000" b="1" dirty="0" smtClean="0"/>
               <a:t>Unimplemented techniques</a:t>
             </a:r>
-            <a:endParaRPr lang="en-US" sz="1000" dirty="0"/>
+            <a:endParaRPr lang="en-US" sz="1000" b="1" dirty="0"/>
           </a:p>
         </p:txBody>
       </p:sp>

--- a/Docs/RTGI using rasterization.pptx
+++ b/Docs/RTGI using rasterization.pptx
@@ -245,7 +245,7 @@
           <a:p>
             <a:fld id="{76D11FEA-E478-4043-BB11-44D4907EBA6E}" type="datetimeFigureOut">
               <a:rPr lang="en-US" smtClean="0"/>
-              <a:t>10/27/2014</a:t>
+              <a:t>10/28/2014</a:t>
             </a:fld>
             <a:endParaRPr lang="en-US"/>
           </a:p>
@@ -415,7 +415,7 @@
           <a:p>
             <a:fld id="{76D11FEA-E478-4043-BB11-44D4907EBA6E}" type="datetimeFigureOut">
               <a:rPr lang="en-US" smtClean="0"/>
-              <a:t>10/27/2014</a:t>
+              <a:t>10/28/2014</a:t>
             </a:fld>
             <a:endParaRPr lang="en-US"/>
           </a:p>
@@ -595,7 +595,7 @@
           <a:p>
             <a:fld id="{76D11FEA-E478-4043-BB11-44D4907EBA6E}" type="datetimeFigureOut">
               <a:rPr lang="en-US" smtClean="0"/>
-              <a:t>10/27/2014</a:t>
+              <a:t>10/28/2014</a:t>
             </a:fld>
             <a:endParaRPr lang="en-US"/>
           </a:p>
@@ -765,7 +765,7 @@
           <a:p>
             <a:fld id="{76D11FEA-E478-4043-BB11-44D4907EBA6E}" type="datetimeFigureOut">
               <a:rPr lang="en-US" smtClean="0"/>
-              <a:t>10/27/2014</a:t>
+              <a:t>10/28/2014</a:t>
             </a:fld>
             <a:endParaRPr lang="en-US"/>
           </a:p>
@@ -1011,7 +1011,7 @@
           <a:p>
             <a:fld id="{76D11FEA-E478-4043-BB11-44D4907EBA6E}" type="datetimeFigureOut">
               <a:rPr lang="en-US" smtClean="0"/>
-              <a:t>10/27/2014</a:t>
+              <a:t>10/28/2014</a:t>
             </a:fld>
             <a:endParaRPr lang="en-US"/>
           </a:p>
@@ -1243,7 +1243,7 @@
           <a:p>
             <a:fld id="{76D11FEA-E478-4043-BB11-44D4907EBA6E}" type="datetimeFigureOut">
               <a:rPr lang="en-US" smtClean="0"/>
-              <a:t>10/27/2014</a:t>
+              <a:t>10/28/2014</a:t>
             </a:fld>
             <a:endParaRPr lang="en-US"/>
           </a:p>
@@ -1610,7 +1610,7 @@
           <a:p>
             <a:fld id="{76D11FEA-E478-4043-BB11-44D4907EBA6E}" type="datetimeFigureOut">
               <a:rPr lang="en-US" smtClean="0"/>
-              <a:t>10/27/2014</a:t>
+              <a:t>10/28/2014</a:t>
             </a:fld>
             <a:endParaRPr lang="en-US"/>
           </a:p>
@@ -1728,7 +1728,7 @@
           <a:p>
             <a:fld id="{76D11FEA-E478-4043-BB11-44D4907EBA6E}" type="datetimeFigureOut">
               <a:rPr lang="en-US" smtClean="0"/>
-              <a:t>10/27/2014</a:t>
+              <a:t>10/28/2014</a:t>
             </a:fld>
             <a:endParaRPr lang="en-US"/>
           </a:p>
@@ -1823,7 +1823,7 @@
           <a:p>
             <a:fld id="{76D11FEA-E478-4043-BB11-44D4907EBA6E}" type="datetimeFigureOut">
               <a:rPr lang="en-US" smtClean="0"/>
-              <a:t>10/27/2014</a:t>
+              <a:t>10/28/2014</a:t>
             </a:fld>
             <a:endParaRPr lang="en-US"/>
           </a:p>
@@ -2100,7 +2100,7 @@
           <a:p>
             <a:fld id="{76D11FEA-E478-4043-BB11-44D4907EBA6E}" type="datetimeFigureOut">
               <a:rPr lang="en-US" smtClean="0"/>
-              <a:t>10/27/2014</a:t>
+              <a:t>10/28/2014</a:t>
             </a:fld>
             <a:endParaRPr lang="en-US"/>
           </a:p>
@@ -2353,7 +2353,7 @@
           <a:p>
             <a:fld id="{76D11FEA-E478-4043-BB11-44D4907EBA6E}" type="datetimeFigureOut">
               <a:rPr lang="en-US" smtClean="0"/>
-              <a:t>10/27/2014</a:t>
+              <a:t>10/28/2014</a:t>
             </a:fld>
             <a:endParaRPr lang="en-US"/>
           </a:p>
@@ -2566,7 +2566,7 @@
           <a:p>
             <a:fld id="{76D11FEA-E478-4043-BB11-44D4907EBA6E}" type="datetimeFigureOut">
               <a:rPr lang="en-US" smtClean="0"/>
-              <a:t>10/27/2014</a:t>
+              <a:t>10/28/2014</a:t>
             </a:fld>
             <a:endParaRPr lang="en-US"/>
           </a:p>
@@ -3163,11 +3163,7 @@
           <a:p>
             <a:r>
               <a:rPr lang="en-US" sz="2800" b="1" dirty="0" smtClean="0"/>
-              <a:t>Hierarchical View of Technique </a:t>
-            </a:r>
-            <a:r>
-              <a:rPr lang="en-US" sz="2800" b="1" dirty="0" smtClean="0"/>
-              <a:t>Dependencies</a:t>
+              <a:t>Hierarchical View of Technique Dependencies</a:t>
             </a:r>
             <a:endParaRPr lang="en-US" sz="2800" b="1" dirty="0"/>
           </a:p>
@@ -3902,13 +3898,13 @@
         </p:spPr>
         <p:style>
           <a:lnRef idx="0">
-            <a:schemeClr val="accent6"/>
+            <a:schemeClr val="accent2"/>
           </a:lnRef>
           <a:fillRef idx="3">
-            <a:schemeClr val="accent6"/>
+            <a:schemeClr val="accent2"/>
           </a:fillRef>
           <a:effectRef idx="3">
-            <a:schemeClr val="accent6"/>
+            <a:schemeClr val="accent2"/>
           </a:effectRef>
           <a:fontRef idx="minor">
             <a:schemeClr val="lt1"/>
@@ -4039,8 +4035,8 @@
         </p:nvSpPr>
         <p:spPr>
           <a:xfrm>
-            <a:off x="9630609" y="5136016"/>
-            <a:ext cx="2039824" cy="340148"/>
+            <a:off x="9630609" y="5136015"/>
+            <a:ext cx="2039824" cy="493607"/>
           </a:xfrm>
           <a:prstGeom prst="roundRect">
             <a:avLst/>
@@ -4071,7 +4067,22 @@
             </a:r>
             <a:r>
               <a:rPr lang="en-US" sz="1400" dirty="0" smtClean="0"/>
-              <a:t> Storage Buffer</a:t>
+              <a:t> </a:t>
+            </a:r>
+            <a:r>
+              <a:rPr lang="en-US" sz="1400" dirty="0" smtClean="0"/>
+              <a:t>Generic</a:t>
+            </a:r>
+          </a:p>
+          <a:p>
+            <a:pPr algn="ctr"/>
+            <a:r>
+              <a:rPr lang="en-US" sz="1400" dirty="0" smtClean="0"/>
+              <a:t> </a:t>
+            </a:r>
+            <a:r>
+              <a:rPr lang="en-US" sz="1400" dirty="0" smtClean="0"/>
+              <a:t>Buffer</a:t>
             </a:r>
             <a:endParaRPr lang="en-US" sz="1400" dirty="0"/>
           </a:p>
@@ -5338,7 +5349,7 @@
         <p:spPr>
           <a:xfrm>
             <a:off x="6738551" y="4031541"/>
-            <a:ext cx="240512" cy="1444623"/>
+            <a:ext cx="240512" cy="704273"/>
           </a:xfrm>
           <a:prstGeom prst="downArrow">
             <a:avLst/>
@@ -5539,7 +5550,11 @@
           <a:p>
             <a:r>
               <a:rPr lang="en-US" sz="1000" b="1" dirty="0" smtClean="0"/>
-              <a:t>Our Improvement</a:t>
+              <a:t>Our </a:t>
+            </a:r>
+            <a:r>
+              <a:rPr lang="en-US" sz="1000" b="1" dirty="0" smtClean="0"/>
+              <a:t>Improvements</a:t>
             </a:r>
             <a:endParaRPr lang="en-US" sz="1000" b="1" dirty="0"/>
           </a:p>
@@ -5754,6 +5769,86 @@
               <a:t>Unimplemented techniques</a:t>
             </a:r>
             <a:endParaRPr lang="en-US" sz="1000" b="1" dirty="0"/>
+          </a:p>
+        </p:txBody>
+      </p:sp>
+      <p:sp>
+        <p:nvSpPr>
+          <p:cNvPr id="33" name="Rounded Rectangle 32"/>
+          <p:cNvSpPr/>
+          <p:nvPr/>
+        </p:nvSpPr>
+        <p:spPr>
+          <a:xfrm>
+            <a:off x="5791726" y="4735815"/>
+            <a:ext cx="1266467" cy="480956"/>
+          </a:xfrm>
+          <a:prstGeom prst="roundRect">
+            <a:avLst/>
+          </a:prstGeom>
+        </p:spPr>
+        <p:style>
+          <a:lnRef idx="0">
+            <a:schemeClr val="accent4"/>
+          </a:lnRef>
+          <a:fillRef idx="3">
+            <a:schemeClr val="accent4"/>
+          </a:fillRef>
+          <a:effectRef idx="3">
+            <a:schemeClr val="accent4"/>
+          </a:effectRef>
+          <a:fontRef idx="minor">
+            <a:schemeClr val="lt1"/>
+          </a:fontRef>
+        </p:style>
+        <p:txBody>
+          <a:bodyPr rtlCol="0" anchor="ctr"/>
+          <a:lstStyle/>
+          <a:p>
+            <a:pPr algn="ctr"/>
+            <a:r>
+              <a:rPr lang="en-US" sz="1400" dirty="0" smtClean="0"/>
+              <a:t>Imperfect Ray-bundles</a:t>
+            </a:r>
+            <a:endParaRPr lang="en-US" sz="1400" dirty="0"/>
+          </a:p>
+        </p:txBody>
+      </p:sp>
+      <p:sp>
+        <p:nvSpPr>
+          <p:cNvPr id="38" name="Down Arrow 37"/>
+          <p:cNvSpPr/>
+          <p:nvPr/>
+        </p:nvSpPr>
+        <p:spPr>
+          <a:xfrm>
+            <a:off x="6345245" y="5235879"/>
+            <a:ext cx="196653" cy="259393"/>
+          </a:xfrm>
+          <a:prstGeom prst="downArrow">
+            <a:avLst/>
+          </a:prstGeom>
+        </p:spPr>
+        <p:style>
+          <a:lnRef idx="1">
+            <a:schemeClr val="accent3"/>
+          </a:lnRef>
+          <a:fillRef idx="3">
+            <a:schemeClr val="accent3"/>
+          </a:fillRef>
+          <a:effectRef idx="2">
+            <a:schemeClr val="accent3"/>
+          </a:effectRef>
+          <a:fontRef idx="minor">
+            <a:schemeClr val="lt1"/>
+          </a:fontRef>
+        </p:style>
+        <p:txBody>
+          <a:bodyPr rtlCol="0" anchor="ctr"/>
+          <a:lstStyle/>
+          <a:p>
+            <a:pPr algn="ctr"/>
+            <a:endParaRPr lang="en-US"/>
           </a:p>
         </p:txBody>
       </p:sp>

--- a/Docs/RTGI using rasterization.pptx
+++ b/Docs/RTGI using rasterization.pptx
@@ -245,7 +245,7 @@
           <a:p>
             <a:fld id="{76D11FEA-E478-4043-BB11-44D4907EBA6E}" type="datetimeFigureOut">
               <a:rPr lang="en-US" smtClean="0"/>
-              <a:t>10/28/2014</a:t>
+              <a:t>12/1/2014</a:t>
             </a:fld>
             <a:endParaRPr lang="en-US"/>
           </a:p>
@@ -415,7 +415,7 @@
           <a:p>
             <a:fld id="{76D11FEA-E478-4043-BB11-44D4907EBA6E}" type="datetimeFigureOut">
               <a:rPr lang="en-US" smtClean="0"/>
-              <a:t>10/28/2014</a:t>
+              <a:t>12/1/2014</a:t>
             </a:fld>
             <a:endParaRPr lang="en-US"/>
           </a:p>
@@ -595,7 +595,7 @@
           <a:p>
             <a:fld id="{76D11FEA-E478-4043-BB11-44D4907EBA6E}" type="datetimeFigureOut">
               <a:rPr lang="en-US" smtClean="0"/>
-              <a:t>10/28/2014</a:t>
+              <a:t>12/1/2014</a:t>
             </a:fld>
             <a:endParaRPr lang="en-US"/>
           </a:p>
@@ -765,7 +765,7 @@
           <a:p>
             <a:fld id="{76D11FEA-E478-4043-BB11-44D4907EBA6E}" type="datetimeFigureOut">
               <a:rPr lang="en-US" smtClean="0"/>
-              <a:t>10/28/2014</a:t>
+              <a:t>12/1/2014</a:t>
             </a:fld>
             <a:endParaRPr lang="en-US"/>
           </a:p>
@@ -1011,7 +1011,7 @@
           <a:p>
             <a:fld id="{76D11FEA-E478-4043-BB11-44D4907EBA6E}" type="datetimeFigureOut">
               <a:rPr lang="en-US" smtClean="0"/>
-              <a:t>10/28/2014</a:t>
+              <a:t>12/1/2014</a:t>
             </a:fld>
             <a:endParaRPr lang="en-US"/>
           </a:p>
@@ -1243,7 +1243,7 @@
           <a:p>
             <a:fld id="{76D11FEA-E478-4043-BB11-44D4907EBA6E}" type="datetimeFigureOut">
               <a:rPr lang="en-US" smtClean="0"/>
-              <a:t>10/28/2014</a:t>
+              <a:t>12/1/2014</a:t>
             </a:fld>
             <a:endParaRPr lang="en-US"/>
           </a:p>
@@ -1610,7 +1610,7 @@
           <a:p>
             <a:fld id="{76D11FEA-E478-4043-BB11-44D4907EBA6E}" type="datetimeFigureOut">
               <a:rPr lang="en-US" smtClean="0"/>
-              <a:t>10/28/2014</a:t>
+              <a:t>12/1/2014</a:t>
             </a:fld>
             <a:endParaRPr lang="en-US"/>
           </a:p>
@@ -1728,7 +1728,7 @@
           <a:p>
             <a:fld id="{76D11FEA-E478-4043-BB11-44D4907EBA6E}" type="datetimeFigureOut">
               <a:rPr lang="en-US" smtClean="0"/>
-              <a:t>10/28/2014</a:t>
+              <a:t>12/1/2014</a:t>
             </a:fld>
             <a:endParaRPr lang="en-US"/>
           </a:p>
@@ -1823,7 +1823,7 @@
           <a:p>
             <a:fld id="{76D11FEA-E478-4043-BB11-44D4907EBA6E}" type="datetimeFigureOut">
               <a:rPr lang="en-US" smtClean="0"/>
-              <a:t>10/28/2014</a:t>
+              <a:t>12/1/2014</a:t>
             </a:fld>
             <a:endParaRPr lang="en-US"/>
           </a:p>
@@ -2100,7 +2100,7 @@
           <a:p>
             <a:fld id="{76D11FEA-E478-4043-BB11-44D4907EBA6E}" type="datetimeFigureOut">
               <a:rPr lang="en-US" smtClean="0"/>
-              <a:t>10/28/2014</a:t>
+              <a:t>12/1/2014</a:t>
             </a:fld>
             <a:endParaRPr lang="en-US"/>
           </a:p>
@@ -2353,7 +2353,7 @@
           <a:p>
             <a:fld id="{76D11FEA-E478-4043-BB11-44D4907EBA6E}" type="datetimeFigureOut">
               <a:rPr lang="en-US" smtClean="0"/>
-              <a:t>10/28/2014</a:t>
+              <a:t>12/1/2014</a:t>
             </a:fld>
             <a:endParaRPr lang="en-US"/>
           </a:p>
@@ -2566,7 +2566,7 @@
           <a:p>
             <a:fld id="{76D11FEA-E478-4043-BB11-44D4907EBA6E}" type="datetimeFigureOut">
               <a:rPr lang="en-US" smtClean="0"/>
-              <a:t>10/28/2014</a:t>
+              <a:t>12/1/2014</a:t>
             </a:fld>
             <a:endParaRPr lang="en-US"/>
           </a:p>
@@ -3205,15 +3205,7 @@
             <a:pPr algn="ctr"/>
             <a:r>
               <a:rPr lang="en-US" dirty="0" smtClean="0"/>
-              <a:t>RTGI using </a:t>
-            </a:r>
-            <a:r>
-              <a:rPr lang="en-US" dirty="0" err="1"/>
-              <a:t>R</a:t>
-            </a:r>
-            <a:r>
-              <a:rPr lang="en-US" dirty="0" err="1" smtClean="0"/>
-              <a:t>asterization</a:t>
+              <a:t>Voxel-based Hybrid RTGI</a:t>
             </a:r>
             <a:endParaRPr lang="en-US" dirty="0"/>
           </a:p>
@@ -4067,22 +4059,14 @@
             </a:r>
             <a:r>
               <a:rPr lang="en-US" sz="1400" dirty="0" smtClean="0"/>
-              <a:t> </a:t>
-            </a:r>
+              <a:t> Generic</a:t>
+            </a:r>
+          </a:p>
+          <a:p>
+            <a:pPr algn="ctr"/>
             <a:r>
               <a:rPr lang="en-US" sz="1400" dirty="0" smtClean="0"/>
-              <a:t>Generic</a:t>
-            </a:r>
-          </a:p>
-          <a:p>
-            <a:pPr algn="ctr"/>
-            <a:r>
-              <a:rPr lang="en-US" sz="1400" dirty="0" smtClean="0"/>
-              <a:t> </a:t>
-            </a:r>
-            <a:r>
-              <a:rPr lang="en-US" sz="1400" dirty="0" smtClean="0"/>
-              <a:t>Buffer</a:t>
+              <a:t> Buffer</a:t>
             </a:r>
             <a:endParaRPr lang="en-US" sz="1400" dirty="0"/>
           </a:p>
@@ -5504,8 +5488,8 @@
         </p:nvSpPr>
         <p:spPr>
           <a:xfrm>
-            <a:off x="10093399" y="6445361"/>
-            <a:ext cx="1651008" cy="246221"/>
+            <a:off x="9590248" y="6346179"/>
+            <a:ext cx="1931074" cy="307777"/>
           </a:xfrm>
           <a:prstGeom prst="rect">
             <a:avLst/>
@@ -5519,10 +5503,26 @@
           <a:lstStyle/>
           <a:p>
             <a:r>
-              <a:rPr lang="en-US" sz="1000" b="1" dirty="0" smtClean="0"/>
-              <a:t>System Bottle Neck</a:t>
-            </a:r>
-            <a:endParaRPr lang="en-US" sz="1000" b="1" dirty="0"/>
+              <a:rPr lang="en-US" sz="1400" b="1" dirty="0" smtClean="0">
+                <a:solidFill>
+                  <a:srgbClr val="92D050"/>
+                </a:solidFill>
+              </a:rPr>
+              <a:t>System Bottle </a:t>
+            </a:r>
+            <a:r>
+              <a:rPr lang="en-US" sz="1400" b="1" dirty="0" smtClean="0">
+                <a:solidFill>
+                  <a:srgbClr val="92D050"/>
+                </a:solidFill>
+              </a:rPr>
+              <a:t>Necks</a:t>
+            </a:r>
+            <a:endParaRPr lang="en-US" sz="1400" b="1" dirty="0">
+              <a:solidFill>
+                <a:srgbClr val="92D050"/>
+              </a:solidFill>
+            </a:endParaRPr>
           </a:p>
         </p:txBody>
       </p:sp>
@@ -5534,8 +5534,8 @@
         </p:nvSpPr>
         <p:spPr>
           <a:xfrm>
-            <a:off x="10093399" y="6641529"/>
-            <a:ext cx="1705233" cy="246221"/>
+            <a:off x="9592432" y="6567619"/>
+            <a:ext cx="1705233" cy="307777"/>
           </a:xfrm>
           <a:prstGeom prst="rect">
             <a:avLst/>
@@ -5549,14 +5549,18 @@
           <a:lstStyle/>
           <a:p>
             <a:r>
-              <a:rPr lang="en-US" sz="1000" b="1" dirty="0" smtClean="0"/>
-              <a:t>Our </a:t>
-            </a:r>
-            <a:r>
-              <a:rPr lang="en-US" sz="1000" b="1" dirty="0" smtClean="0"/>
-              <a:t>Improvements</a:t>
-            </a:r>
-            <a:endParaRPr lang="en-US" sz="1000" b="1" dirty="0"/>
+              <a:rPr lang="en-US" sz="1400" b="1" dirty="0" smtClean="0">
+                <a:solidFill>
+                  <a:srgbClr val="92D050"/>
+                </a:solidFill>
+              </a:rPr>
+              <a:t>Our Improvements</a:t>
+            </a:r>
+            <a:endParaRPr lang="en-US" sz="1400" b="1" dirty="0">
+              <a:solidFill>
+                <a:srgbClr val="92D050"/>
+              </a:solidFill>
+            </a:endParaRPr>
           </a:p>
         </p:txBody>
       </p:sp>
@@ -5568,7 +5572,7 @@
         </p:nvSpPr>
         <p:spPr>
           <a:xfrm>
-            <a:off x="9860692" y="6115540"/>
+            <a:off x="9367174" y="5906727"/>
             <a:ext cx="107092" cy="104422"/>
           </a:xfrm>
           <a:prstGeom prst="roundRect">
@@ -5606,7 +5610,7 @@
         </p:nvSpPr>
         <p:spPr>
           <a:xfrm>
-            <a:off x="9860692" y="6315708"/>
+            <a:off x="9367174" y="6167751"/>
             <a:ext cx="107092" cy="104422"/>
           </a:xfrm>
           <a:prstGeom prst="roundRect">
@@ -5644,7 +5648,7 @@
         </p:nvSpPr>
         <p:spPr>
           <a:xfrm>
-            <a:off x="9864572" y="6516261"/>
+            <a:off x="9367174" y="6420130"/>
             <a:ext cx="107092" cy="104422"/>
           </a:xfrm>
           <a:prstGeom prst="roundRect">
@@ -5682,7 +5686,7 @@
         </p:nvSpPr>
         <p:spPr>
           <a:xfrm>
-            <a:off x="9860692" y="6716815"/>
+            <a:off x="9370912" y="6669297"/>
             <a:ext cx="107092" cy="104422"/>
           </a:xfrm>
           <a:prstGeom prst="roundRect">
@@ -5720,8 +5724,8 @@
         </p:nvSpPr>
         <p:spPr>
           <a:xfrm>
-            <a:off x="10086016" y="6048640"/>
-            <a:ext cx="1584417" cy="246221"/>
+            <a:off x="9564468" y="5835113"/>
+            <a:ext cx="2179939" cy="307777"/>
           </a:xfrm>
           <a:prstGeom prst="rect">
             <a:avLst/>
@@ -5735,10 +5739,18 @@
           <a:lstStyle/>
           <a:p>
             <a:r>
-              <a:rPr lang="en-US" sz="1000" b="1" dirty="0" smtClean="0"/>
+              <a:rPr lang="en-US" sz="1400" b="1" dirty="0" smtClean="0">
+                <a:solidFill>
+                  <a:srgbClr val="92D050"/>
+                </a:solidFill>
+              </a:rPr>
               <a:t>Implemented techniques</a:t>
             </a:r>
-            <a:endParaRPr lang="en-US" sz="1000" b="1" dirty="0"/>
+            <a:endParaRPr lang="en-US" sz="1400" b="1" dirty="0">
+              <a:solidFill>
+                <a:srgbClr val="92D050"/>
+              </a:solidFill>
+            </a:endParaRPr>
           </a:p>
         </p:txBody>
       </p:sp>
@@ -5750,8 +5762,8 @@
         </p:nvSpPr>
         <p:spPr>
           <a:xfrm>
-            <a:off x="10083343" y="6244808"/>
-            <a:ext cx="1756727" cy="246221"/>
+            <a:off x="9564468" y="6093336"/>
+            <a:ext cx="2382587" cy="307777"/>
           </a:xfrm>
           <a:prstGeom prst="rect">
             <a:avLst/>
@@ -5765,10 +5777,18 @@
           <a:lstStyle/>
           <a:p>
             <a:r>
-              <a:rPr lang="en-US" sz="1000" b="1" dirty="0" smtClean="0"/>
+              <a:rPr lang="en-US" sz="1400" b="1" dirty="0" smtClean="0">
+                <a:solidFill>
+                  <a:srgbClr val="92D050"/>
+                </a:solidFill>
+              </a:rPr>
               <a:t>Unimplemented techniques</a:t>
             </a:r>
-            <a:endParaRPr lang="en-US" sz="1000" b="1" dirty="0"/>
+            <a:endParaRPr lang="en-US" sz="1400" b="1" dirty="0">
+              <a:solidFill>
+                <a:srgbClr val="92D050"/>
+              </a:solidFill>
+            </a:endParaRPr>
           </a:p>
         </p:txBody>
       </p:sp>
@@ -5807,8 +5827,12 @@
           <a:p>
             <a:pPr algn="ctr"/>
             <a:r>
+              <a:rPr lang="en-US" sz="1400" smtClean="0"/>
+              <a:t>Voxel-based </a:t>
+            </a:r>
+            <a:r>
               <a:rPr lang="en-US" sz="1400" dirty="0" smtClean="0"/>
-              <a:t>Imperfect Ray-bundles</a:t>
+              <a:t>Ray-bundles</a:t>
             </a:r>
             <a:endParaRPr lang="en-US" sz="1400" dirty="0"/>
           </a:p>

--- a/Docs/RTGI using rasterization.pptx
+++ b/Docs/RTGI using rasterization.pptx
@@ -245,7 +245,7 @@
           <a:p>
             <a:fld id="{76D11FEA-E478-4043-BB11-44D4907EBA6E}" type="datetimeFigureOut">
               <a:rPr lang="en-US" smtClean="0"/>
-              <a:t>12/1/2014</a:t>
+              <a:t>2/6/2015</a:t>
             </a:fld>
             <a:endParaRPr lang="en-US"/>
           </a:p>
@@ -415,7 +415,7 @@
           <a:p>
             <a:fld id="{76D11FEA-E478-4043-BB11-44D4907EBA6E}" type="datetimeFigureOut">
               <a:rPr lang="en-US" smtClean="0"/>
-              <a:t>12/1/2014</a:t>
+              <a:t>2/6/2015</a:t>
             </a:fld>
             <a:endParaRPr lang="en-US"/>
           </a:p>
@@ -595,7 +595,7 @@
           <a:p>
             <a:fld id="{76D11FEA-E478-4043-BB11-44D4907EBA6E}" type="datetimeFigureOut">
               <a:rPr lang="en-US" smtClean="0"/>
-              <a:t>12/1/2014</a:t>
+              <a:t>2/6/2015</a:t>
             </a:fld>
             <a:endParaRPr lang="en-US"/>
           </a:p>
@@ -765,7 +765,7 @@
           <a:p>
             <a:fld id="{76D11FEA-E478-4043-BB11-44D4907EBA6E}" type="datetimeFigureOut">
               <a:rPr lang="en-US" smtClean="0"/>
-              <a:t>12/1/2014</a:t>
+              <a:t>2/6/2015</a:t>
             </a:fld>
             <a:endParaRPr lang="en-US"/>
           </a:p>
@@ -1011,7 +1011,7 @@
           <a:p>
             <a:fld id="{76D11FEA-E478-4043-BB11-44D4907EBA6E}" type="datetimeFigureOut">
               <a:rPr lang="en-US" smtClean="0"/>
-              <a:t>12/1/2014</a:t>
+              <a:t>2/6/2015</a:t>
             </a:fld>
             <a:endParaRPr lang="en-US"/>
           </a:p>
@@ -1243,7 +1243,7 @@
           <a:p>
             <a:fld id="{76D11FEA-E478-4043-BB11-44D4907EBA6E}" type="datetimeFigureOut">
               <a:rPr lang="en-US" smtClean="0"/>
-              <a:t>12/1/2014</a:t>
+              <a:t>2/6/2015</a:t>
             </a:fld>
             <a:endParaRPr lang="en-US"/>
           </a:p>
@@ -1610,7 +1610,7 @@
           <a:p>
             <a:fld id="{76D11FEA-E478-4043-BB11-44D4907EBA6E}" type="datetimeFigureOut">
               <a:rPr lang="en-US" smtClean="0"/>
-              <a:t>12/1/2014</a:t>
+              <a:t>2/6/2015</a:t>
             </a:fld>
             <a:endParaRPr lang="en-US"/>
           </a:p>
@@ -1728,7 +1728,7 @@
           <a:p>
             <a:fld id="{76D11FEA-E478-4043-BB11-44D4907EBA6E}" type="datetimeFigureOut">
               <a:rPr lang="en-US" smtClean="0"/>
-              <a:t>12/1/2014</a:t>
+              <a:t>2/6/2015</a:t>
             </a:fld>
             <a:endParaRPr lang="en-US"/>
           </a:p>
@@ -1823,7 +1823,7 @@
           <a:p>
             <a:fld id="{76D11FEA-E478-4043-BB11-44D4907EBA6E}" type="datetimeFigureOut">
               <a:rPr lang="en-US" smtClean="0"/>
-              <a:t>12/1/2014</a:t>
+              <a:t>2/6/2015</a:t>
             </a:fld>
             <a:endParaRPr lang="en-US"/>
           </a:p>
@@ -2100,7 +2100,7 @@
           <a:p>
             <a:fld id="{76D11FEA-E478-4043-BB11-44D4907EBA6E}" type="datetimeFigureOut">
               <a:rPr lang="en-US" smtClean="0"/>
-              <a:t>12/1/2014</a:t>
+              <a:t>2/6/2015</a:t>
             </a:fld>
             <a:endParaRPr lang="en-US"/>
           </a:p>
@@ -2353,7 +2353,7 @@
           <a:p>
             <a:fld id="{76D11FEA-E478-4043-BB11-44D4907EBA6E}" type="datetimeFigureOut">
               <a:rPr lang="en-US" smtClean="0"/>
-              <a:t>12/1/2014</a:t>
+              <a:t>2/6/2015</a:t>
             </a:fld>
             <a:endParaRPr lang="en-US"/>
           </a:p>
@@ -2566,7 +2566,7 @@
           <a:p>
             <a:fld id="{76D11FEA-E478-4043-BB11-44D4907EBA6E}" type="datetimeFigureOut">
               <a:rPr lang="en-US" smtClean="0"/>
-              <a:t>12/1/2014</a:t>
+              <a:t>2/6/2015</a:t>
             </a:fld>
             <a:endParaRPr lang="en-US"/>
           </a:p>
@@ -3225,6 +3225,14 @@
           <a:prstGeom prst="roundRect">
             <a:avLst/>
           </a:prstGeom>
+          <a:solidFill>
+            <a:schemeClr val="accent6"/>
+          </a:solidFill>
+          <a:ln>
+            <a:solidFill>
+              <a:schemeClr val="accent6"/>
+            </a:solidFill>
+          </a:ln>
         </p:spPr>
         <p:style>
           <a:lnRef idx="0">
@@ -3267,6 +3275,14 @@
           <a:prstGeom prst="roundRect">
             <a:avLst/>
           </a:prstGeom>
+          <a:solidFill>
+            <a:schemeClr val="accent6"/>
+          </a:solidFill>
+          <a:ln>
+            <a:solidFill>
+              <a:schemeClr val="accent6"/>
+            </a:solidFill>
+          </a:ln>
         </p:spPr>
         <p:style>
           <a:lnRef idx="0">
@@ -3584,6 +3600,136 @@
         </p:spPr>
         <p:style>
           <a:lnRef idx="0">
+            <a:schemeClr val="accent6"/>
+          </a:lnRef>
+          <a:fillRef idx="3">
+            <a:schemeClr val="accent6"/>
+          </a:fillRef>
+          <a:effectRef idx="3">
+            <a:schemeClr val="accent6"/>
+          </a:effectRef>
+          <a:fontRef idx="minor">
+            <a:schemeClr val="lt1"/>
+          </a:fontRef>
+        </p:style>
+        <p:txBody>
+          <a:bodyPr rtlCol="0" anchor="ctr"/>
+          <a:lstStyle/>
+          <a:p>
+            <a:pPr algn="ctr"/>
+            <a:r>
+              <a:rPr lang="en-US" sz="1400" dirty="0"/>
+              <a:t>Paraboloid Mapping</a:t>
+            </a:r>
+            <a:endParaRPr lang="en-US" sz="1400" dirty="0"/>
+          </a:p>
+        </p:txBody>
+      </p:sp>
+      <p:sp>
+        <p:nvSpPr>
+          <p:cNvPr id="14" name="Rounded Rectangle 13"/>
+          <p:cNvSpPr/>
+          <p:nvPr/>
+        </p:nvSpPr>
+        <p:spPr>
+          <a:xfrm>
+            <a:off x="3980490" y="1305662"/>
+            <a:ext cx="2998573" cy="331652"/>
+          </a:xfrm>
+          <a:prstGeom prst="roundRect">
+            <a:avLst/>
+          </a:prstGeom>
+        </p:spPr>
+        <p:style>
+          <a:lnRef idx="0">
+            <a:schemeClr val="accent3"/>
+          </a:lnRef>
+          <a:fillRef idx="3">
+            <a:schemeClr val="accent3"/>
+          </a:fillRef>
+          <a:effectRef idx="3">
+            <a:schemeClr val="accent3"/>
+          </a:effectRef>
+          <a:fontRef idx="minor">
+            <a:schemeClr val="lt1"/>
+          </a:fontRef>
+        </p:style>
+        <p:txBody>
+          <a:bodyPr rtlCol="0" anchor="ctr"/>
+          <a:lstStyle/>
+          <a:p>
+            <a:pPr algn="ctr"/>
+            <a:r>
+              <a:rPr lang="en-US" sz="1400" dirty="0" smtClean="0"/>
+              <a:t>Indirect Illumination</a:t>
+            </a:r>
+            <a:endParaRPr lang="en-US" sz="1400" dirty="0"/>
+          </a:p>
+        </p:txBody>
+      </p:sp>
+      <p:sp>
+        <p:nvSpPr>
+          <p:cNvPr id="15" name="Rounded Rectangle 14"/>
+          <p:cNvSpPr/>
+          <p:nvPr/>
+        </p:nvSpPr>
+        <p:spPr>
+          <a:xfrm>
+            <a:off x="5212302" y="2683661"/>
+            <a:ext cx="3063939" cy="345955"/>
+          </a:xfrm>
+          <a:prstGeom prst="roundRect">
+            <a:avLst/>
+          </a:prstGeom>
+        </p:spPr>
+        <p:style>
+          <a:lnRef idx="0">
+            <a:schemeClr val="accent6"/>
+          </a:lnRef>
+          <a:fillRef idx="3">
+            <a:schemeClr val="accent6"/>
+          </a:fillRef>
+          <a:effectRef idx="3">
+            <a:schemeClr val="accent6"/>
+          </a:effectRef>
+          <a:fontRef idx="minor">
+            <a:schemeClr val="lt1"/>
+          </a:fontRef>
+        </p:style>
+        <p:txBody>
+          <a:bodyPr rtlCol="0" anchor="ctr"/>
+          <a:lstStyle/>
+          <a:p>
+            <a:pPr algn="ctr"/>
+            <a:r>
+              <a:rPr lang="en-US" sz="1400" dirty="0" smtClean="0"/>
+              <a:t>Global Ray-bundles using </a:t>
+            </a:r>
+            <a:r>
+              <a:rPr lang="en-US" sz="1400" dirty="0" err="1" smtClean="0"/>
+              <a:t>Rasterization</a:t>
+            </a:r>
+            <a:endParaRPr lang="en-US" sz="1400" dirty="0"/>
+          </a:p>
+        </p:txBody>
+      </p:sp>
+      <p:sp>
+        <p:nvSpPr>
+          <p:cNvPr id="16" name="Rounded Rectangle 15"/>
+          <p:cNvSpPr/>
+          <p:nvPr/>
+        </p:nvSpPr>
+        <p:spPr>
+          <a:xfrm>
+            <a:off x="4156571" y="1959611"/>
+            <a:ext cx="2646409" cy="411761"/>
+          </a:xfrm>
+          <a:prstGeom prst="roundRect">
+            <a:avLst/>
+          </a:prstGeom>
+        </p:spPr>
+        <p:style>
+          <a:lnRef idx="0">
             <a:schemeClr val="accent1"/>
           </a:lnRef>
           <a:fillRef idx="3">
@@ -3602,12 +3748,96 @@
           <a:p>
             <a:pPr algn="ctr"/>
             <a:r>
+              <a:rPr lang="en-US" sz="1400" dirty="0" smtClean="0"/>
+              <a:t>Bidirectional Path Tracing</a:t>
+            </a:r>
+            <a:endParaRPr lang="en-US" sz="1400" dirty="0"/>
+          </a:p>
+        </p:txBody>
+      </p:sp>
+      <p:sp>
+        <p:nvSpPr>
+          <p:cNvPr id="17" name="Rounded Rectangle 16"/>
+          <p:cNvSpPr/>
+          <p:nvPr/>
+        </p:nvSpPr>
+        <p:spPr>
+          <a:xfrm>
+            <a:off x="2294558" y="1951601"/>
+            <a:ext cx="1619770" cy="470704"/>
+          </a:xfrm>
+          <a:prstGeom prst="roundRect">
+            <a:avLst/>
+          </a:prstGeom>
+        </p:spPr>
+        <p:style>
+          <a:lnRef idx="0">
+            <a:schemeClr val="accent1"/>
+          </a:lnRef>
+          <a:fillRef idx="3">
+            <a:schemeClr val="accent1"/>
+          </a:fillRef>
+          <a:effectRef idx="3">
+            <a:schemeClr val="accent1"/>
+          </a:effectRef>
+          <a:fontRef idx="minor">
+            <a:schemeClr val="lt1"/>
+          </a:fontRef>
+        </p:style>
+        <p:txBody>
+          <a:bodyPr rtlCol="0" anchor="ctr"/>
+          <a:lstStyle/>
+          <a:p>
+            <a:pPr algn="ctr"/>
+            <a:r>
+              <a:rPr lang="en-US" sz="1400" dirty="0" smtClean="0"/>
+              <a:t>Frame Coherence Cache</a:t>
+            </a:r>
+            <a:endParaRPr lang="en-US" sz="1400" dirty="0"/>
+          </a:p>
+        </p:txBody>
+      </p:sp>
+      <p:sp>
+        <p:nvSpPr>
+          <p:cNvPr id="18" name="Rounded Rectangle 17"/>
+          <p:cNvSpPr/>
+          <p:nvPr/>
+        </p:nvSpPr>
+        <p:spPr>
+          <a:xfrm>
+            <a:off x="4969266" y="3347087"/>
+            <a:ext cx="1398940" cy="1157181"/>
+          </a:xfrm>
+          <a:prstGeom prst="roundRect">
+            <a:avLst/>
+          </a:prstGeom>
+        </p:spPr>
+        <p:style>
+          <a:lnRef idx="0">
+            <a:schemeClr val="accent1"/>
+          </a:lnRef>
+          <a:fillRef idx="3">
+            <a:schemeClr val="accent1"/>
+          </a:fillRef>
+          <a:effectRef idx="3">
+            <a:schemeClr val="accent1"/>
+          </a:effectRef>
+          <a:fontRef idx="minor">
+            <a:schemeClr val="lt1"/>
+          </a:fontRef>
+        </p:style>
+        <p:txBody>
+          <a:bodyPr rtlCol="0" anchor="ctr"/>
+          <a:lstStyle/>
+          <a:p>
+            <a:pPr algn="ctr"/>
+            <a:r>
+              <a:rPr lang="en-US" sz="1400" dirty="0" smtClean="0"/>
+              <a:t>Ray-bundles BV Computation using Compute </a:t>
+            </a:r>
+            <a:r>
               <a:rPr lang="en-US" sz="1400" dirty="0" err="1" smtClean="0"/>
-              <a:t>Cubemap</a:t>
-            </a:r>
-            <a:r>
-              <a:rPr lang="en-US" sz="1400" dirty="0" smtClean="0"/>
-              <a:t> Shadow Maps</a:t>
+              <a:t>Shader</a:t>
             </a:r>
             <a:endParaRPr lang="en-US" sz="1400" dirty="0"/>
           </a:p>
@@ -3615,56 +3845,14 @@
       </p:sp>
       <p:sp>
         <p:nvSpPr>
-          <p:cNvPr id="14" name="Rounded Rectangle 13"/>
-          <p:cNvSpPr/>
-          <p:nvPr/>
-        </p:nvSpPr>
-        <p:spPr>
-          <a:xfrm>
-            <a:off x="3980490" y="1305662"/>
-            <a:ext cx="2998573" cy="331652"/>
-          </a:xfrm>
-          <a:prstGeom prst="roundRect">
-            <a:avLst/>
-          </a:prstGeom>
-        </p:spPr>
-        <p:style>
-          <a:lnRef idx="0">
-            <a:schemeClr val="accent3"/>
-          </a:lnRef>
-          <a:fillRef idx="3">
-            <a:schemeClr val="accent3"/>
-          </a:fillRef>
-          <a:effectRef idx="3">
-            <a:schemeClr val="accent3"/>
-          </a:effectRef>
-          <a:fontRef idx="minor">
-            <a:schemeClr val="lt1"/>
-          </a:fontRef>
-        </p:style>
-        <p:txBody>
-          <a:bodyPr rtlCol="0" anchor="ctr"/>
-          <a:lstStyle/>
-          <a:p>
-            <a:pPr algn="ctr"/>
-            <a:r>
-              <a:rPr lang="en-US" sz="1400" dirty="0" smtClean="0"/>
-              <a:t>Indirect Illumination</a:t>
-            </a:r>
-            <a:endParaRPr lang="en-US" sz="1400" dirty="0"/>
-          </a:p>
-        </p:txBody>
-      </p:sp>
-      <p:sp>
-        <p:nvSpPr>
-          <p:cNvPr id="15" name="Rounded Rectangle 14"/>
-          <p:cNvSpPr/>
-          <p:nvPr/>
-        </p:nvSpPr>
-        <p:spPr>
-          <a:xfrm>
-            <a:off x="5212302" y="2683661"/>
-            <a:ext cx="3063939" cy="345955"/>
+          <p:cNvPr id="19" name="Rounded Rectangle 18"/>
+          <p:cNvSpPr/>
+          <p:nvPr/>
+        </p:nvSpPr>
+        <p:spPr>
+          <a:xfrm>
+            <a:off x="2524795" y="4045183"/>
+            <a:ext cx="2273643" cy="430130"/>
           </a:xfrm>
           <a:prstGeom prst="roundRect">
             <a:avLst/>
@@ -3691,11 +3879,57 @@
             <a:pPr algn="ctr"/>
             <a:r>
               <a:rPr lang="en-US" sz="1400" dirty="0" smtClean="0"/>
-              <a:t>Global Ray-bundles using </a:t>
+              <a:t>VPL Creation and Shading</a:t>
+            </a:r>
+            <a:endParaRPr lang="en-US" sz="1400" dirty="0"/>
+          </a:p>
+        </p:txBody>
+      </p:sp>
+      <p:sp>
+        <p:nvSpPr>
+          <p:cNvPr id="20" name="Rounded Rectangle 19"/>
+          <p:cNvSpPr/>
+          <p:nvPr/>
+        </p:nvSpPr>
+        <p:spPr>
+          <a:xfrm>
+            <a:off x="1232948" y="5422416"/>
+            <a:ext cx="2311230" cy="484311"/>
+          </a:xfrm>
+          <a:prstGeom prst="roundRect">
+            <a:avLst/>
+          </a:prstGeom>
+        </p:spPr>
+        <p:style>
+          <a:lnRef idx="0">
+            <a:schemeClr val="accent2"/>
+          </a:lnRef>
+          <a:fillRef idx="3">
+            <a:schemeClr val="accent2"/>
+          </a:fillRef>
+          <a:effectRef idx="3">
+            <a:schemeClr val="accent2"/>
+          </a:effectRef>
+          <a:fontRef idx="minor">
+            <a:schemeClr val="lt1"/>
+          </a:fontRef>
+        </p:style>
+        <p:txBody>
+          <a:bodyPr rtlCol="0" anchor="ctr"/>
+          <a:lstStyle/>
+          <a:p>
+            <a:pPr algn="ctr"/>
+            <a:r>
+              <a:rPr lang="en-US" sz="1400" dirty="0" smtClean="0"/>
+              <a:t>VPL Shadow Maps (</a:t>
             </a:r>
             <a:r>
               <a:rPr lang="en-US" sz="1400" dirty="0" err="1" smtClean="0"/>
-              <a:t>Rasterization</a:t>
+              <a:t>Paraboloid</a:t>
+            </a:r>
+            <a:r>
+              <a:rPr lang="en-US" sz="1400" dirty="0" smtClean="0"/>
+              <a:t> Mapping)</a:t>
             </a:r>
             <a:endParaRPr lang="en-US" sz="1400" dirty="0"/>
           </a:p>
@@ -3703,18 +3937,415 @@
       </p:sp>
       <p:sp>
         <p:nvSpPr>
-          <p:cNvPr id="16" name="Rounded Rectangle 15"/>
-          <p:cNvSpPr/>
-          <p:nvPr/>
-        </p:nvSpPr>
-        <p:spPr>
-          <a:xfrm>
-            <a:off x="4156571" y="1959611"/>
-            <a:ext cx="2646409" cy="411761"/>
+          <p:cNvPr id="21" name="Rounded Rectangle 20"/>
+          <p:cNvSpPr/>
+          <p:nvPr/>
+        </p:nvSpPr>
+        <p:spPr>
+          <a:xfrm>
+            <a:off x="7762529" y="4395567"/>
+            <a:ext cx="2547804" cy="405245"/>
           </a:xfrm>
           <a:prstGeom prst="roundRect">
             <a:avLst/>
           </a:prstGeom>
+        </p:spPr>
+        <p:style>
+          <a:lnRef idx="0">
+            <a:schemeClr val="accent6"/>
+          </a:lnRef>
+          <a:fillRef idx="3">
+            <a:schemeClr val="accent6"/>
+          </a:fillRef>
+          <a:effectRef idx="3">
+            <a:schemeClr val="accent6"/>
+          </a:effectRef>
+          <a:fontRef idx="minor">
+            <a:schemeClr val="lt1"/>
+          </a:fontRef>
+        </p:style>
+        <p:txBody>
+          <a:bodyPr rtlCol="0" anchor="ctr"/>
+          <a:lstStyle/>
+          <a:p>
+            <a:pPr algn="ctr"/>
+            <a:r>
+              <a:rPr lang="en-US" sz="1400" dirty="0" smtClean="0"/>
+              <a:t>GPU Concurrent </a:t>
+            </a:r>
+            <a:r>
+              <a:rPr lang="en-US" sz="1400" dirty="0"/>
+              <a:t>L</a:t>
+            </a:r>
+            <a:r>
+              <a:rPr lang="en-US" sz="1400" dirty="0" smtClean="0"/>
+              <a:t>inked List</a:t>
+            </a:r>
+            <a:endParaRPr lang="en-US" sz="1400" dirty="0"/>
+          </a:p>
+        </p:txBody>
+      </p:sp>
+      <p:sp>
+        <p:nvSpPr>
+          <p:cNvPr id="22" name="Rounded Rectangle 21"/>
+          <p:cNvSpPr/>
+          <p:nvPr/>
+        </p:nvSpPr>
+        <p:spPr>
+          <a:xfrm>
+            <a:off x="7245931" y="5140411"/>
+            <a:ext cx="2174789" cy="345989"/>
+          </a:xfrm>
+          <a:prstGeom prst="roundRect">
+            <a:avLst/>
+          </a:prstGeom>
+        </p:spPr>
+        <p:style>
+          <a:lnRef idx="0">
+            <a:schemeClr val="accent6"/>
+          </a:lnRef>
+          <a:fillRef idx="3">
+            <a:schemeClr val="accent6"/>
+          </a:fillRef>
+          <a:effectRef idx="3">
+            <a:schemeClr val="accent6"/>
+          </a:effectRef>
+          <a:fontRef idx="minor">
+            <a:schemeClr val="lt1"/>
+          </a:fontRef>
+        </p:style>
+        <p:txBody>
+          <a:bodyPr rtlCol="0" anchor="ctr"/>
+          <a:lstStyle/>
+          <a:p>
+            <a:pPr algn="ctr"/>
+            <a:r>
+              <a:rPr lang="en-US" sz="1400" dirty="0" err="1" smtClean="0"/>
+              <a:t>Shader</a:t>
+            </a:r>
+            <a:r>
+              <a:rPr lang="en-US" sz="1400" dirty="0" smtClean="0"/>
+              <a:t> Atomic Operations</a:t>
+            </a:r>
+            <a:endParaRPr lang="en-US" sz="1400" dirty="0"/>
+          </a:p>
+        </p:txBody>
+      </p:sp>
+      <p:sp>
+        <p:nvSpPr>
+          <p:cNvPr id="23" name="Rounded Rectangle 22"/>
+          <p:cNvSpPr/>
+          <p:nvPr/>
+        </p:nvSpPr>
+        <p:spPr>
+          <a:xfrm>
+            <a:off x="9630609" y="5136015"/>
+            <a:ext cx="2039824" cy="493607"/>
+          </a:xfrm>
+          <a:prstGeom prst="roundRect">
+            <a:avLst/>
+          </a:prstGeom>
+        </p:spPr>
+        <p:style>
+          <a:lnRef idx="0">
+            <a:schemeClr val="accent6"/>
+          </a:lnRef>
+          <a:fillRef idx="3">
+            <a:schemeClr val="accent6"/>
+          </a:fillRef>
+          <a:effectRef idx="3">
+            <a:schemeClr val="accent6"/>
+          </a:effectRef>
+          <a:fontRef idx="minor">
+            <a:schemeClr val="lt1"/>
+          </a:fontRef>
+        </p:style>
+        <p:txBody>
+          <a:bodyPr rtlCol="0" anchor="ctr"/>
+          <a:lstStyle/>
+          <a:p>
+            <a:pPr algn="ctr"/>
+            <a:r>
+              <a:rPr lang="en-US" sz="1400" dirty="0" err="1" smtClean="0"/>
+              <a:t>Shader</a:t>
+            </a:r>
+            <a:r>
+              <a:rPr lang="en-US" sz="1400" dirty="0" smtClean="0"/>
+              <a:t> Generic</a:t>
+            </a:r>
+          </a:p>
+          <a:p>
+            <a:pPr algn="ctr"/>
+            <a:r>
+              <a:rPr lang="en-US" sz="1400" dirty="0" smtClean="0"/>
+              <a:t> Buffer</a:t>
+            </a:r>
+            <a:endParaRPr lang="en-US" sz="1400" dirty="0"/>
+          </a:p>
+        </p:txBody>
+      </p:sp>
+      <p:sp>
+        <p:nvSpPr>
+          <p:cNvPr id="24" name="Rounded Rectangle 23"/>
+          <p:cNvSpPr/>
+          <p:nvPr/>
+        </p:nvSpPr>
+        <p:spPr>
+          <a:xfrm>
+            <a:off x="1444667" y="6166952"/>
+            <a:ext cx="1838199" cy="457200"/>
+          </a:xfrm>
+          <a:prstGeom prst="roundRect">
+            <a:avLst/>
+          </a:prstGeom>
+        </p:spPr>
+        <p:style>
+          <a:lnRef idx="0">
+            <a:schemeClr val="accent6"/>
+          </a:lnRef>
+          <a:fillRef idx="3">
+            <a:schemeClr val="accent6"/>
+          </a:fillRef>
+          <a:effectRef idx="3">
+            <a:schemeClr val="accent6"/>
+          </a:effectRef>
+          <a:fontRef idx="minor">
+            <a:schemeClr val="lt1"/>
+          </a:fontRef>
+        </p:style>
+        <p:txBody>
+          <a:bodyPr rtlCol="0" anchor="ctr"/>
+          <a:lstStyle/>
+          <a:p>
+            <a:pPr algn="ctr"/>
+            <a:r>
+              <a:rPr lang="en-US" sz="1400" dirty="0" smtClean="0"/>
+              <a:t>Scene Geometry </a:t>
+            </a:r>
+            <a:r>
+              <a:rPr lang="en-US" sz="1400" dirty="0" err="1" smtClean="0"/>
+              <a:t>Tesselation</a:t>
+            </a:r>
+            <a:endParaRPr lang="en-US" sz="1400" dirty="0"/>
+          </a:p>
+        </p:txBody>
+      </p:sp>
+      <p:sp>
+        <p:nvSpPr>
+          <p:cNvPr id="25" name="Down Arrow 24"/>
+          <p:cNvSpPr/>
+          <p:nvPr/>
+        </p:nvSpPr>
+        <p:spPr>
+          <a:xfrm>
+            <a:off x="5298795" y="1060217"/>
+            <a:ext cx="195843" cy="249618"/>
+          </a:xfrm>
+          <a:prstGeom prst="downArrow">
+            <a:avLst/>
+          </a:prstGeom>
+        </p:spPr>
+        <p:style>
+          <a:lnRef idx="1">
+            <a:schemeClr val="accent3"/>
+          </a:lnRef>
+          <a:fillRef idx="3">
+            <a:schemeClr val="accent3"/>
+          </a:fillRef>
+          <a:effectRef idx="2">
+            <a:schemeClr val="accent3"/>
+          </a:effectRef>
+          <a:fontRef idx="minor">
+            <a:schemeClr val="lt1"/>
+          </a:fontRef>
+        </p:style>
+        <p:txBody>
+          <a:bodyPr rtlCol="0" anchor="ctr"/>
+          <a:lstStyle/>
+          <a:p>
+            <a:pPr algn="ctr"/>
+            <a:endParaRPr lang="en-US"/>
+          </a:p>
+        </p:txBody>
+      </p:sp>
+      <p:sp>
+        <p:nvSpPr>
+          <p:cNvPr id="26" name="Down Arrow 25"/>
+          <p:cNvSpPr/>
+          <p:nvPr/>
+        </p:nvSpPr>
+        <p:spPr>
+          <a:xfrm>
+            <a:off x="3264451" y="1057250"/>
+            <a:ext cx="199471" cy="237496"/>
+          </a:xfrm>
+          <a:prstGeom prst="downArrow">
+            <a:avLst/>
+          </a:prstGeom>
+        </p:spPr>
+        <p:style>
+          <a:lnRef idx="1">
+            <a:schemeClr val="accent3"/>
+          </a:lnRef>
+          <a:fillRef idx="3">
+            <a:schemeClr val="accent3"/>
+          </a:fillRef>
+          <a:effectRef idx="2">
+            <a:schemeClr val="accent3"/>
+          </a:effectRef>
+          <a:fontRef idx="minor">
+            <a:schemeClr val="lt1"/>
+          </a:fontRef>
+        </p:style>
+        <p:txBody>
+          <a:bodyPr rtlCol="0" anchor="ctr"/>
+          <a:lstStyle/>
+          <a:p>
+            <a:pPr algn="ctr"/>
+            <a:endParaRPr lang="en-US"/>
+          </a:p>
+        </p:txBody>
+      </p:sp>
+      <p:sp>
+        <p:nvSpPr>
+          <p:cNvPr id="27" name="Down Arrow 26"/>
+          <p:cNvSpPr/>
+          <p:nvPr/>
+        </p:nvSpPr>
+        <p:spPr>
+          <a:xfrm>
+            <a:off x="7594619" y="1050559"/>
+            <a:ext cx="167910" cy="232839"/>
+          </a:xfrm>
+          <a:prstGeom prst="downArrow">
+            <a:avLst/>
+          </a:prstGeom>
+        </p:spPr>
+        <p:style>
+          <a:lnRef idx="1">
+            <a:schemeClr val="accent3"/>
+          </a:lnRef>
+          <a:fillRef idx="3">
+            <a:schemeClr val="accent3"/>
+          </a:fillRef>
+          <a:effectRef idx="2">
+            <a:schemeClr val="accent3"/>
+          </a:effectRef>
+          <a:fontRef idx="minor">
+            <a:schemeClr val="lt1"/>
+          </a:fontRef>
+        </p:style>
+        <p:txBody>
+          <a:bodyPr rtlCol="0" anchor="ctr"/>
+          <a:lstStyle/>
+          <a:p>
+            <a:pPr algn="ctr"/>
+            <a:endParaRPr lang="en-US"/>
+          </a:p>
+        </p:txBody>
+      </p:sp>
+      <p:sp>
+        <p:nvSpPr>
+          <p:cNvPr id="28" name="Rounded Rectangle 27"/>
+          <p:cNvSpPr/>
+          <p:nvPr/>
+        </p:nvSpPr>
+        <p:spPr>
+          <a:xfrm>
+            <a:off x="79277" y="3395438"/>
+            <a:ext cx="1655806" cy="328228"/>
+          </a:xfrm>
+          <a:prstGeom prst="roundRect">
+            <a:avLst/>
+          </a:prstGeom>
+        </p:spPr>
+        <p:style>
+          <a:lnRef idx="0">
+            <a:schemeClr val="accent6"/>
+          </a:lnRef>
+          <a:fillRef idx="3">
+            <a:schemeClr val="accent6"/>
+          </a:fillRef>
+          <a:effectRef idx="3">
+            <a:schemeClr val="accent6"/>
+          </a:effectRef>
+          <a:fontRef idx="minor">
+            <a:schemeClr val="lt1"/>
+          </a:fontRef>
+        </p:style>
+        <p:txBody>
+          <a:bodyPr rtlCol="0" anchor="ctr"/>
+          <a:lstStyle/>
+          <a:p>
+            <a:pPr algn="ctr"/>
+            <a:r>
+              <a:rPr lang="en-US" sz="1400" dirty="0" smtClean="0"/>
+              <a:t>G-Buffer Creation</a:t>
+            </a:r>
+            <a:endParaRPr lang="en-US" sz="1400" dirty="0"/>
+          </a:p>
+        </p:txBody>
+      </p:sp>
+      <p:sp>
+        <p:nvSpPr>
+          <p:cNvPr id="29" name="Down Arrow 28"/>
+          <p:cNvSpPr/>
+          <p:nvPr/>
+        </p:nvSpPr>
+        <p:spPr>
+          <a:xfrm>
+            <a:off x="1259553" y="1644995"/>
+            <a:ext cx="205946" cy="285339"/>
+          </a:xfrm>
+          <a:prstGeom prst="downArrow">
+            <a:avLst/>
+          </a:prstGeom>
+        </p:spPr>
+        <p:style>
+          <a:lnRef idx="1">
+            <a:schemeClr val="accent3"/>
+          </a:lnRef>
+          <a:fillRef idx="3">
+            <a:schemeClr val="accent3"/>
+          </a:fillRef>
+          <a:effectRef idx="2">
+            <a:schemeClr val="accent3"/>
+          </a:effectRef>
+          <a:fontRef idx="minor">
+            <a:schemeClr val="lt1"/>
+          </a:fontRef>
+        </p:style>
+        <p:txBody>
+          <a:bodyPr rtlCol="0" anchor="ctr"/>
+          <a:lstStyle/>
+          <a:p>
+            <a:pPr algn="ctr"/>
+            <a:endParaRPr lang="en-US"/>
+          </a:p>
+        </p:txBody>
+      </p:sp>
+      <p:sp>
+        <p:nvSpPr>
+          <p:cNvPr id="51" name="Rounded Rectangle 50"/>
+          <p:cNvSpPr/>
+          <p:nvPr/>
+        </p:nvSpPr>
+        <p:spPr>
+          <a:xfrm>
+            <a:off x="398639" y="4047070"/>
+            <a:ext cx="1819190" cy="914400"/>
+          </a:xfrm>
+          <a:prstGeom prst="roundRect">
+            <a:avLst/>
+          </a:prstGeom>
+          <a:solidFill>
+            <a:schemeClr val="accent6"/>
+          </a:solidFill>
+          <a:ln>
+            <a:solidFill>
+              <a:schemeClr val="accent6"/>
+            </a:solidFill>
+          </a:ln>
         </p:spPr>
         <p:style>
           <a:lnRef idx="0">
@@ -3737,7 +4368,7 @@
             <a:pPr algn="ctr"/>
             <a:r>
               <a:rPr lang="en-US" sz="1400" dirty="0" smtClean="0"/>
-              <a:t>Bidirectional Path Tracing</a:t>
+              <a:t>Indirect Illumination Buffer Creation and Filtering</a:t>
             </a:r>
             <a:endParaRPr lang="en-US" sz="1400" dirty="0"/>
           </a:p>
@@ -3745,144 +4376,698 @@
       </p:sp>
       <p:sp>
         <p:nvSpPr>
-          <p:cNvPr id="17" name="Rounded Rectangle 16"/>
-          <p:cNvSpPr/>
-          <p:nvPr/>
-        </p:nvSpPr>
-        <p:spPr>
-          <a:xfrm>
-            <a:off x="2294558" y="1951601"/>
-            <a:ext cx="1619770" cy="470704"/>
-          </a:xfrm>
-          <a:prstGeom prst="roundRect">
-            <a:avLst/>
-          </a:prstGeom>
-        </p:spPr>
-        <p:style>
-          <a:lnRef idx="0">
-            <a:schemeClr val="accent1"/>
+          <p:cNvPr id="52" name="Down Arrow 51"/>
+          <p:cNvSpPr/>
+          <p:nvPr/>
+        </p:nvSpPr>
+        <p:spPr>
+          <a:xfrm>
+            <a:off x="1828468" y="1658015"/>
+            <a:ext cx="214529" cy="2352360"/>
+          </a:xfrm>
+          <a:prstGeom prst="downArrow">
+            <a:avLst/>
+          </a:prstGeom>
+        </p:spPr>
+        <p:style>
+          <a:lnRef idx="1">
+            <a:schemeClr val="accent3"/>
           </a:lnRef>
           <a:fillRef idx="3">
-            <a:schemeClr val="accent1"/>
-          </a:fillRef>
-          <a:effectRef idx="3">
-            <a:schemeClr val="accent1"/>
-          </a:effectRef>
-          <a:fontRef idx="minor">
-            <a:schemeClr val="lt1"/>
-          </a:fontRef>
-        </p:style>
-        <p:txBody>
-          <a:bodyPr rtlCol="0" anchor="ctr"/>
-          <a:lstStyle/>
-          <a:p>
-            <a:pPr algn="ctr"/>
-            <a:r>
-              <a:rPr lang="en-US" sz="1400" dirty="0" smtClean="0"/>
-              <a:t>Frame Coherence Cache</a:t>
-            </a:r>
-            <a:endParaRPr lang="en-US" sz="1400" dirty="0"/>
-          </a:p>
-        </p:txBody>
-      </p:sp>
-      <p:sp>
-        <p:nvSpPr>
-          <p:cNvPr id="18" name="Rounded Rectangle 17"/>
-          <p:cNvSpPr/>
-          <p:nvPr/>
-        </p:nvSpPr>
-        <p:spPr>
-          <a:xfrm>
-            <a:off x="4969266" y="3347087"/>
-            <a:ext cx="1398940" cy="1157181"/>
-          </a:xfrm>
-          <a:prstGeom prst="roundRect">
-            <a:avLst/>
-          </a:prstGeom>
-        </p:spPr>
-        <p:style>
-          <a:lnRef idx="0">
-            <a:schemeClr val="accent1"/>
+            <a:schemeClr val="accent3"/>
+          </a:fillRef>
+          <a:effectRef idx="2">
+            <a:schemeClr val="accent3"/>
+          </a:effectRef>
+          <a:fontRef idx="minor">
+            <a:schemeClr val="lt1"/>
+          </a:fontRef>
+        </p:style>
+        <p:txBody>
+          <a:bodyPr rtlCol="0" anchor="ctr"/>
+          <a:lstStyle/>
+          <a:p>
+            <a:pPr algn="ctr"/>
+            <a:endParaRPr lang="en-US"/>
+          </a:p>
+        </p:txBody>
+      </p:sp>
+      <p:sp>
+        <p:nvSpPr>
+          <p:cNvPr id="53" name="Down Arrow 52"/>
+          <p:cNvSpPr/>
+          <p:nvPr/>
+        </p:nvSpPr>
+        <p:spPr>
+          <a:xfrm>
+            <a:off x="2965870" y="1648391"/>
+            <a:ext cx="189471" cy="302475"/>
+          </a:xfrm>
+          <a:prstGeom prst="downArrow">
+            <a:avLst/>
+          </a:prstGeom>
+        </p:spPr>
+        <p:style>
+          <a:lnRef idx="1">
+            <a:schemeClr val="accent3"/>
           </a:lnRef>
           <a:fillRef idx="3">
-            <a:schemeClr val="accent1"/>
-          </a:fillRef>
-          <a:effectRef idx="3">
-            <a:schemeClr val="accent1"/>
-          </a:effectRef>
-          <a:fontRef idx="minor">
-            <a:schemeClr val="lt1"/>
-          </a:fontRef>
-        </p:style>
-        <p:txBody>
-          <a:bodyPr rtlCol="0" anchor="ctr"/>
-          <a:lstStyle/>
-          <a:p>
-            <a:pPr algn="ctr"/>
-            <a:r>
-              <a:rPr lang="en-US" sz="1400" dirty="0" smtClean="0"/>
-              <a:t>Ray-bundles BV Computation using Compute </a:t>
-            </a:r>
-            <a:r>
-              <a:rPr lang="en-US" sz="1400" dirty="0" err="1" smtClean="0"/>
-              <a:t>Shader</a:t>
-            </a:r>
-            <a:endParaRPr lang="en-US" sz="1400" dirty="0"/>
-          </a:p>
-        </p:txBody>
-      </p:sp>
-      <p:sp>
-        <p:nvSpPr>
-          <p:cNvPr id="19" name="Rounded Rectangle 18"/>
-          <p:cNvSpPr/>
-          <p:nvPr/>
-        </p:nvSpPr>
-        <p:spPr>
-          <a:xfrm>
-            <a:off x="2524795" y="4045183"/>
-            <a:ext cx="2273643" cy="430130"/>
-          </a:xfrm>
-          <a:prstGeom prst="roundRect">
-            <a:avLst/>
-          </a:prstGeom>
-        </p:spPr>
-        <p:style>
-          <a:lnRef idx="0">
-            <a:schemeClr val="accent6"/>
+            <a:schemeClr val="accent3"/>
+          </a:fillRef>
+          <a:effectRef idx="2">
+            <a:schemeClr val="accent3"/>
+          </a:effectRef>
+          <a:fontRef idx="minor">
+            <a:schemeClr val="lt1"/>
+          </a:fontRef>
+        </p:style>
+        <p:txBody>
+          <a:bodyPr rtlCol="0" anchor="ctr"/>
+          <a:lstStyle/>
+          <a:p>
+            <a:pPr algn="ctr"/>
+            <a:endParaRPr lang="en-US"/>
+          </a:p>
+        </p:txBody>
+      </p:sp>
+      <p:sp>
+        <p:nvSpPr>
+          <p:cNvPr id="54" name="Down Arrow 53"/>
+          <p:cNvSpPr/>
+          <p:nvPr/>
+        </p:nvSpPr>
+        <p:spPr>
+          <a:xfrm>
+            <a:off x="5277171" y="1654987"/>
+            <a:ext cx="189471" cy="302475"/>
+          </a:xfrm>
+          <a:prstGeom prst="downArrow">
+            <a:avLst/>
+          </a:prstGeom>
+        </p:spPr>
+        <p:style>
+          <a:lnRef idx="1">
+            <a:schemeClr val="accent3"/>
           </a:lnRef>
           <a:fillRef idx="3">
-            <a:schemeClr val="accent6"/>
-          </a:fillRef>
-          <a:effectRef idx="3">
-            <a:schemeClr val="accent6"/>
-          </a:effectRef>
-          <a:fontRef idx="minor">
-            <a:schemeClr val="lt1"/>
-          </a:fontRef>
-        </p:style>
-        <p:txBody>
-          <a:bodyPr rtlCol="0" anchor="ctr"/>
-          <a:lstStyle/>
-          <a:p>
-            <a:pPr algn="ctr"/>
-            <a:r>
-              <a:rPr lang="en-US" sz="1400" dirty="0" smtClean="0"/>
-              <a:t>VPL Creation and Shading</a:t>
-            </a:r>
-            <a:endParaRPr lang="en-US" sz="1400" dirty="0"/>
-          </a:p>
-        </p:txBody>
-      </p:sp>
-      <p:sp>
-        <p:nvSpPr>
-          <p:cNvPr id="20" name="Rounded Rectangle 19"/>
-          <p:cNvSpPr/>
-          <p:nvPr/>
-        </p:nvSpPr>
-        <p:spPr>
-          <a:xfrm>
-            <a:off x="1232948" y="5422416"/>
-            <a:ext cx="2311230" cy="484311"/>
+            <a:schemeClr val="accent3"/>
+          </a:fillRef>
+          <a:effectRef idx="2">
+            <a:schemeClr val="accent3"/>
+          </a:effectRef>
+          <a:fontRef idx="minor">
+            <a:schemeClr val="lt1"/>
+          </a:fontRef>
+        </p:style>
+        <p:txBody>
+          <a:bodyPr rtlCol="0" anchor="ctr"/>
+          <a:lstStyle/>
+          <a:p>
+            <a:pPr algn="ctr"/>
+            <a:endParaRPr lang="en-US"/>
+          </a:p>
+        </p:txBody>
+      </p:sp>
+      <p:sp>
+        <p:nvSpPr>
+          <p:cNvPr id="55" name="Down Arrow 54"/>
+          <p:cNvSpPr/>
+          <p:nvPr/>
+        </p:nvSpPr>
+        <p:spPr>
+          <a:xfrm>
+            <a:off x="8293387" y="1633157"/>
+            <a:ext cx="189471" cy="302475"/>
+          </a:xfrm>
+          <a:prstGeom prst="downArrow">
+            <a:avLst/>
+          </a:prstGeom>
+        </p:spPr>
+        <p:style>
+          <a:lnRef idx="1">
+            <a:schemeClr val="accent3"/>
+          </a:lnRef>
+          <a:fillRef idx="3">
+            <a:schemeClr val="accent3"/>
+          </a:fillRef>
+          <a:effectRef idx="2">
+            <a:schemeClr val="accent3"/>
+          </a:effectRef>
+          <a:fontRef idx="minor">
+            <a:schemeClr val="lt1"/>
+          </a:fontRef>
+        </p:style>
+        <p:txBody>
+          <a:bodyPr rtlCol="0" anchor="ctr"/>
+          <a:lstStyle/>
+          <a:p>
+            <a:pPr algn="ctr"/>
+            <a:endParaRPr lang="en-US"/>
+          </a:p>
+        </p:txBody>
+      </p:sp>
+      <p:sp>
+        <p:nvSpPr>
+          <p:cNvPr id="56" name="Down Arrow 55"/>
+          <p:cNvSpPr/>
+          <p:nvPr/>
+        </p:nvSpPr>
+        <p:spPr>
+          <a:xfrm>
+            <a:off x="10461050" y="1633157"/>
+            <a:ext cx="189471" cy="302475"/>
+          </a:xfrm>
+          <a:prstGeom prst="downArrow">
+            <a:avLst/>
+          </a:prstGeom>
+        </p:spPr>
+        <p:style>
+          <a:lnRef idx="1">
+            <a:schemeClr val="accent3"/>
+          </a:lnRef>
+          <a:fillRef idx="3">
+            <a:schemeClr val="accent3"/>
+          </a:fillRef>
+          <a:effectRef idx="2">
+            <a:schemeClr val="accent3"/>
+          </a:effectRef>
+          <a:fontRef idx="minor">
+            <a:schemeClr val="lt1"/>
+          </a:fontRef>
+        </p:style>
+        <p:txBody>
+          <a:bodyPr rtlCol="0" anchor="ctr"/>
+          <a:lstStyle/>
+          <a:p>
+            <a:pPr algn="ctr"/>
+            <a:endParaRPr lang="en-US"/>
+          </a:p>
+        </p:txBody>
+      </p:sp>
+      <p:sp>
+        <p:nvSpPr>
+          <p:cNvPr id="57" name="Down Arrow 56"/>
+          <p:cNvSpPr/>
+          <p:nvPr/>
+        </p:nvSpPr>
+        <p:spPr>
+          <a:xfrm>
+            <a:off x="813188" y="2421213"/>
+            <a:ext cx="189471" cy="302475"/>
+          </a:xfrm>
+          <a:prstGeom prst="downArrow">
+            <a:avLst/>
+          </a:prstGeom>
+        </p:spPr>
+        <p:style>
+          <a:lnRef idx="1">
+            <a:schemeClr val="accent3"/>
+          </a:lnRef>
+          <a:fillRef idx="3">
+            <a:schemeClr val="accent3"/>
+          </a:fillRef>
+          <a:effectRef idx="2">
+            <a:schemeClr val="accent3"/>
+          </a:effectRef>
+          <a:fontRef idx="minor">
+            <a:schemeClr val="lt1"/>
+          </a:fontRef>
+        </p:style>
+        <p:txBody>
+          <a:bodyPr rtlCol="0" anchor="ctr"/>
+          <a:lstStyle/>
+          <a:p>
+            <a:pPr algn="ctr"/>
+            <a:endParaRPr lang="en-US"/>
+          </a:p>
+        </p:txBody>
+      </p:sp>
+      <p:sp>
+        <p:nvSpPr>
+          <p:cNvPr id="58" name="Down Arrow 57"/>
+          <p:cNvSpPr/>
+          <p:nvPr/>
+        </p:nvSpPr>
+        <p:spPr>
+          <a:xfrm>
+            <a:off x="798826" y="3056978"/>
+            <a:ext cx="189471" cy="302475"/>
+          </a:xfrm>
+          <a:prstGeom prst="downArrow">
+            <a:avLst/>
+          </a:prstGeom>
+        </p:spPr>
+        <p:style>
+          <a:lnRef idx="1">
+            <a:schemeClr val="accent3"/>
+          </a:lnRef>
+          <a:fillRef idx="3">
+            <a:schemeClr val="accent3"/>
+          </a:fillRef>
+          <a:effectRef idx="2">
+            <a:schemeClr val="accent3"/>
+          </a:effectRef>
+          <a:fontRef idx="minor">
+            <a:schemeClr val="lt1"/>
+          </a:fontRef>
+        </p:style>
+        <p:txBody>
+          <a:bodyPr rtlCol="0" anchor="ctr"/>
+          <a:lstStyle/>
+          <a:p>
+            <a:pPr algn="ctr"/>
+            <a:endParaRPr lang="en-US"/>
+          </a:p>
+        </p:txBody>
+      </p:sp>
+      <p:sp>
+        <p:nvSpPr>
+          <p:cNvPr id="59" name="Down Arrow 58"/>
+          <p:cNvSpPr/>
+          <p:nvPr/>
+        </p:nvSpPr>
+        <p:spPr>
+          <a:xfrm>
+            <a:off x="4532946" y="2397705"/>
+            <a:ext cx="209943" cy="273677"/>
+          </a:xfrm>
+          <a:prstGeom prst="downArrow">
+            <a:avLst/>
+          </a:prstGeom>
+        </p:spPr>
+        <p:style>
+          <a:lnRef idx="1">
+            <a:schemeClr val="accent3"/>
+          </a:lnRef>
+          <a:fillRef idx="3">
+            <a:schemeClr val="accent3"/>
+          </a:fillRef>
+          <a:effectRef idx="2">
+            <a:schemeClr val="accent3"/>
+          </a:effectRef>
+          <a:fontRef idx="minor">
+            <a:schemeClr val="lt1"/>
+          </a:fontRef>
+        </p:style>
+        <p:txBody>
+          <a:bodyPr rtlCol="0" anchor="ctr"/>
+          <a:lstStyle/>
+          <a:p>
+            <a:pPr algn="ctr"/>
+            <a:endParaRPr lang="en-US"/>
+          </a:p>
+        </p:txBody>
+      </p:sp>
+      <p:sp>
+        <p:nvSpPr>
+          <p:cNvPr id="60" name="Down Arrow 59"/>
+          <p:cNvSpPr/>
+          <p:nvPr/>
+        </p:nvSpPr>
+        <p:spPr>
+          <a:xfrm>
+            <a:off x="6030653" y="2381186"/>
+            <a:ext cx="189471" cy="302475"/>
+          </a:xfrm>
+          <a:prstGeom prst="downArrow">
+            <a:avLst/>
+          </a:prstGeom>
+        </p:spPr>
+        <p:style>
+          <a:lnRef idx="1">
+            <a:schemeClr val="accent3"/>
+          </a:lnRef>
+          <a:fillRef idx="3">
+            <a:schemeClr val="accent3"/>
+          </a:fillRef>
+          <a:effectRef idx="2">
+            <a:schemeClr val="accent3"/>
+          </a:effectRef>
+          <a:fontRef idx="minor">
+            <a:schemeClr val="lt1"/>
+          </a:fontRef>
+        </p:style>
+        <p:txBody>
+          <a:bodyPr rtlCol="0" anchor="ctr"/>
+          <a:lstStyle/>
+          <a:p>
+            <a:pPr algn="ctr"/>
+            <a:endParaRPr lang="en-US"/>
+          </a:p>
+        </p:txBody>
+      </p:sp>
+      <p:sp>
+        <p:nvSpPr>
+          <p:cNvPr id="61" name="Down Arrow 60"/>
+          <p:cNvSpPr/>
+          <p:nvPr/>
+        </p:nvSpPr>
+        <p:spPr>
+          <a:xfrm>
+            <a:off x="9201023" y="2374723"/>
+            <a:ext cx="189471" cy="302475"/>
+          </a:xfrm>
+          <a:prstGeom prst="downArrow">
+            <a:avLst/>
+          </a:prstGeom>
+        </p:spPr>
+        <p:style>
+          <a:lnRef idx="1">
+            <a:schemeClr val="accent3"/>
+          </a:lnRef>
+          <a:fillRef idx="3">
+            <a:schemeClr val="accent3"/>
+          </a:fillRef>
+          <a:effectRef idx="2">
+            <a:schemeClr val="accent3"/>
+          </a:effectRef>
+          <a:fontRef idx="minor">
+            <a:schemeClr val="lt1"/>
+          </a:fontRef>
+        </p:style>
+        <p:txBody>
+          <a:bodyPr rtlCol="0" anchor="ctr"/>
+          <a:lstStyle/>
+          <a:p>
+            <a:pPr algn="ctr"/>
+            <a:endParaRPr lang="en-US"/>
+          </a:p>
+        </p:txBody>
+      </p:sp>
+      <p:sp>
+        <p:nvSpPr>
+          <p:cNvPr id="62" name="Down Arrow 61"/>
+          <p:cNvSpPr/>
+          <p:nvPr/>
+        </p:nvSpPr>
+        <p:spPr>
+          <a:xfrm>
+            <a:off x="2610932" y="3035661"/>
+            <a:ext cx="189471" cy="302475"/>
+          </a:xfrm>
+          <a:prstGeom prst="downArrow">
+            <a:avLst/>
+          </a:prstGeom>
+        </p:spPr>
+        <p:style>
+          <a:lnRef idx="1">
+            <a:schemeClr val="accent3"/>
+          </a:lnRef>
+          <a:fillRef idx="3">
+            <a:schemeClr val="accent3"/>
+          </a:fillRef>
+          <a:effectRef idx="2">
+            <a:schemeClr val="accent3"/>
+          </a:effectRef>
+          <a:fontRef idx="minor">
+            <a:schemeClr val="lt1"/>
+          </a:fontRef>
+        </p:style>
+        <p:txBody>
+          <a:bodyPr rtlCol="0" anchor="ctr"/>
+          <a:lstStyle/>
+          <a:p>
+            <a:pPr algn="ctr"/>
+            <a:endParaRPr lang="en-US"/>
+          </a:p>
+        </p:txBody>
+      </p:sp>
+      <p:sp>
+        <p:nvSpPr>
+          <p:cNvPr id="63" name="Down Arrow 62"/>
+          <p:cNvSpPr/>
+          <p:nvPr/>
+        </p:nvSpPr>
+        <p:spPr>
+          <a:xfrm>
+            <a:off x="5769575" y="3036538"/>
+            <a:ext cx="189471" cy="302475"/>
+          </a:xfrm>
+          <a:prstGeom prst="downArrow">
+            <a:avLst/>
+          </a:prstGeom>
+        </p:spPr>
+        <p:style>
+          <a:lnRef idx="1">
+            <a:schemeClr val="accent3"/>
+          </a:lnRef>
+          <a:fillRef idx="3">
+            <a:schemeClr val="accent3"/>
+          </a:fillRef>
+          <a:effectRef idx="2">
+            <a:schemeClr val="accent3"/>
+          </a:effectRef>
+          <a:fontRef idx="minor">
+            <a:schemeClr val="lt1"/>
+          </a:fontRef>
+        </p:style>
+        <p:txBody>
+          <a:bodyPr rtlCol="0" anchor="ctr"/>
+          <a:lstStyle/>
+          <a:p>
+            <a:pPr algn="ctr"/>
+            <a:endParaRPr lang="en-US"/>
+          </a:p>
+        </p:txBody>
+      </p:sp>
+      <p:sp>
+        <p:nvSpPr>
+          <p:cNvPr id="64" name="Down Arrow 63"/>
+          <p:cNvSpPr/>
+          <p:nvPr/>
+        </p:nvSpPr>
+        <p:spPr>
+          <a:xfrm>
+            <a:off x="7428213" y="3044259"/>
+            <a:ext cx="189471" cy="302475"/>
+          </a:xfrm>
+          <a:prstGeom prst="downArrow">
+            <a:avLst/>
+          </a:prstGeom>
+        </p:spPr>
+        <p:style>
+          <a:lnRef idx="1">
+            <a:schemeClr val="accent3"/>
+          </a:lnRef>
+          <a:fillRef idx="3">
+            <a:schemeClr val="accent3"/>
+          </a:fillRef>
+          <a:effectRef idx="2">
+            <a:schemeClr val="accent3"/>
+          </a:effectRef>
+          <a:fontRef idx="minor">
+            <a:schemeClr val="lt1"/>
+          </a:fontRef>
+        </p:style>
+        <p:txBody>
+          <a:bodyPr rtlCol="0" anchor="ctr"/>
+          <a:lstStyle/>
+          <a:p>
+            <a:pPr algn="ctr"/>
+            <a:endParaRPr lang="en-US"/>
+          </a:p>
+        </p:txBody>
+      </p:sp>
+      <p:sp>
+        <p:nvSpPr>
+          <p:cNvPr id="65" name="Down Arrow 64"/>
+          <p:cNvSpPr/>
+          <p:nvPr/>
+        </p:nvSpPr>
+        <p:spPr>
+          <a:xfrm>
+            <a:off x="3624041" y="3044259"/>
+            <a:ext cx="240317" cy="987282"/>
+          </a:xfrm>
+          <a:prstGeom prst="downArrow">
+            <a:avLst/>
+          </a:prstGeom>
+        </p:spPr>
+        <p:style>
+          <a:lnRef idx="1">
+            <a:schemeClr val="accent3"/>
+          </a:lnRef>
+          <a:fillRef idx="3">
+            <a:schemeClr val="accent3"/>
+          </a:fillRef>
+          <a:effectRef idx="2">
+            <a:schemeClr val="accent3"/>
+          </a:effectRef>
+          <a:fontRef idx="minor">
+            <a:schemeClr val="lt1"/>
+          </a:fontRef>
+        </p:style>
+        <p:txBody>
+          <a:bodyPr rtlCol="0" anchor="ctr"/>
+          <a:lstStyle/>
+          <a:p>
+            <a:pPr algn="ctr"/>
+            <a:endParaRPr lang="en-US"/>
+          </a:p>
+        </p:txBody>
+      </p:sp>
+      <p:sp>
+        <p:nvSpPr>
+          <p:cNvPr id="66" name="Down Arrow 65"/>
+          <p:cNvSpPr/>
+          <p:nvPr/>
+        </p:nvSpPr>
+        <p:spPr>
+          <a:xfrm>
+            <a:off x="3566880" y="4480547"/>
+            <a:ext cx="189471" cy="302475"/>
+          </a:xfrm>
+          <a:prstGeom prst="downArrow">
+            <a:avLst/>
+          </a:prstGeom>
+        </p:spPr>
+        <p:style>
+          <a:lnRef idx="1">
+            <a:schemeClr val="accent3"/>
+          </a:lnRef>
+          <a:fillRef idx="3">
+            <a:schemeClr val="accent3"/>
+          </a:fillRef>
+          <a:effectRef idx="2">
+            <a:schemeClr val="accent3"/>
+          </a:effectRef>
+          <a:fontRef idx="minor">
+            <a:schemeClr val="lt1"/>
+          </a:fontRef>
+        </p:style>
+        <p:txBody>
+          <a:bodyPr rtlCol="0" anchor="ctr"/>
+          <a:lstStyle/>
+          <a:p>
+            <a:pPr algn="ctr"/>
+            <a:endParaRPr lang="en-US"/>
+          </a:p>
+        </p:txBody>
+      </p:sp>
+      <p:sp>
+        <p:nvSpPr>
+          <p:cNvPr id="68" name="Down Arrow 67"/>
+          <p:cNvSpPr/>
+          <p:nvPr/>
+        </p:nvSpPr>
+        <p:spPr>
+          <a:xfrm>
+            <a:off x="2294558" y="5914825"/>
+            <a:ext cx="179877" cy="244029"/>
+          </a:xfrm>
+          <a:prstGeom prst="downArrow">
+            <a:avLst/>
+          </a:prstGeom>
+        </p:spPr>
+        <p:style>
+          <a:lnRef idx="1">
+            <a:schemeClr val="accent3"/>
+          </a:lnRef>
+          <a:fillRef idx="3">
+            <a:schemeClr val="accent3"/>
+          </a:fillRef>
+          <a:effectRef idx="2">
+            <a:schemeClr val="accent3"/>
+          </a:effectRef>
+          <a:fontRef idx="minor">
+            <a:schemeClr val="lt1"/>
+          </a:fontRef>
+        </p:style>
+        <p:txBody>
+          <a:bodyPr rtlCol="0" anchor="ctr"/>
+          <a:lstStyle/>
+          <a:p>
+            <a:pPr algn="ctr"/>
+            <a:endParaRPr lang="en-US"/>
+          </a:p>
+        </p:txBody>
+      </p:sp>
+      <p:sp>
+        <p:nvSpPr>
+          <p:cNvPr id="69" name="Down Arrow 68"/>
+          <p:cNvSpPr/>
+          <p:nvPr/>
+        </p:nvSpPr>
+        <p:spPr>
+          <a:xfrm>
+            <a:off x="8143854" y="4818351"/>
+            <a:ext cx="189471" cy="302475"/>
+          </a:xfrm>
+          <a:prstGeom prst="downArrow">
+            <a:avLst/>
+          </a:prstGeom>
+        </p:spPr>
+        <p:style>
+          <a:lnRef idx="1">
+            <a:schemeClr val="accent3"/>
+          </a:lnRef>
+          <a:fillRef idx="3">
+            <a:schemeClr val="accent3"/>
+          </a:fillRef>
+          <a:effectRef idx="2">
+            <a:schemeClr val="accent3"/>
+          </a:effectRef>
+          <a:fontRef idx="minor">
+            <a:schemeClr val="lt1"/>
+          </a:fontRef>
+        </p:style>
+        <p:txBody>
+          <a:bodyPr rtlCol="0" anchor="ctr"/>
+          <a:lstStyle/>
+          <a:p>
+            <a:pPr algn="ctr"/>
+            <a:endParaRPr lang="en-US"/>
+          </a:p>
+        </p:txBody>
+      </p:sp>
+      <p:sp>
+        <p:nvSpPr>
+          <p:cNvPr id="70" name="Down Arrow 69"/>
+          <p:cNvSpPr/>
+          <p:nvPr/>
+        </p:nvSpPr>
+        <p:spPr>
+          <a:xfrm>
+            <a:off x="10052219" y="4818351"/>
+            <a:ext cx="189471" cy="302475"/>
+          </a:xfrm>
+          <a:prstGeom prst="downArrow">
+            <a:avLst/>
+          </a:prstGeom>
+        </p:spPr>
+        <p:style>
+          <a:lnRef idx="1">
+            <a:schemeClr val="accent3"/>
+          </a:lnRef>
+          <a:fillRef idx="3">
+            <a:schemeClr val="accent3"/>
+          </a:fillRef>
+          <a:effectRef idx="2">
+            <a:schemeClr val="accent3"/>
+          </a:effectRef>
+          <a:fontRef idx="minor">
+            <a:schemeClr val="lt1"/>
+          </a:fontRef>
+        </p:style>
+        <p:txBody>
+          <a:bodyPr rtlCol="0" anchor="ctr"/>
+          <a:lstStyle/>
+          <a:p>
+            <a:pPr algn="ctr"/>
+            <a:endParaRPr lang="en-US"/>
+          </a:p>
+        </p:txBody>
+      </p:sp>
+      <p:sp>
+        <p:nvSpPr>
+          <p:cNvPr id="3" name="Rounded Rectangle 2"/>
+          <p:cNvSpPr/>
+          <p:nvPr/>
+        </p:nvSpPr>
+        <p:spPr>
+          <a:xfrm>
+            <a:off x="2656622" y="4810307"/>
+            <a:ext cx="1965805" cy="362465"/>
           </a:xfrm>
           <a:prstGeom prst="roundRect">
             <a:avLst/>
@@ -3909,15 +5094,61 @@
             <a:pPr algn="ctr"/>
             <a:r>
               <a:rPr lang="en-US" sz="1400" dirty="0" smtClean="0"/>
-              <a:t>VPL Shadow Maps (</a:t>
+              <a:t>VPL Visibility Test</a:t>
+            </a:r>
+            <a:endParaRPr lang="en-US" sz="1400" dirty="0"/>
+          </a:p>
+        </p:txBody>
+      </p:sp>
+      <p:sp>
+        <p:nvSpPr>
+          <p:cNvPr id="30" name="Rounded Rectangle 29"/>
+          <p:cNvSpPr/>
+          <p:nvPr/>
+        </p:nvSpPr>
+        <p:spPr>
+          <a:xfrm>
+            <a:off x="3971489" y="5528707"/>
+            <a:ext cx="2879471" cy="437321"/>
+          </a:xfrm>
+          <a:prstGeom prst="roundRect">
+            <a:avLst/>
+          </a:prstGeom>
+          <a:solidFill>
+            <a:schemeClr val="accent6"/>
+          </a:solidFill>
+          <a:ln w="38100">
+            <a:solidFill>
+              <a:schemeClr val="accent4"/>
+            </a:solidFill>
+          </a:ln>
+        </p:spPr>
+        <p:style>
+          <a:lnRef idx="0">
+            <a:schemeClr val="accent4"/>
+          </a:lnRef>
+          <a:fillRef idx="3">
+            <a:schemeClr val="accent4"/>
+          </a:fillRef>
+          <a:effectRef idx="3">
+            <a:schemeClr val="accent4"/>
+          </a:effectRef>
+          <a:fontRef idx="minor">
+            <a:schemeClr val="lt1"/>
+          </a:fontRef>
+        </p:style>
+        <p:txBody>
+          <a:bodyPr rtlCol="0" anchor="ctr"/>
+          <a:lstStyle/>
+          <a:p>
+            <a:pPr algn="ctr"/>
+            <a:r>
+              <a:rPr lang="en-US" sz="1400" dirty="0" smtClean="0"/>
+              <a:t>Scene </a:t>
             </a:r>
             <a:r>
               <a:rPr lang="en-US" sz="1400" dirty="0" err="1" smtClean="0"/>
-              <a:t>Paraboloid</a:t>
-            </a:r>
-            <a:r>
-              <a:rPr lang="en-US" sz="1400" dirty="0" smtClean="0"/>
-              <a:t> Mapping)</a:t>
+              <a:t>Voxelization</a:t>
             </a:r>
             <a:endParaRPr lang="en-US" sz="1400" dirty="0"/>
           </a:p>
@@ -3925,219 +5156,62 @@
       </p:sp>
       <p:sp>
         <p:nvSpPr>
-          <p:cNvPr id="21" name="Rounded Rectangle 20"/>
-          <p:cNvSpPr/>
-          <p:nvPr/>
-        </p:nvSpPr>
-        <p:spPr>
-          <a:xfrm>
-            <a:off x="7762529" y="4395567"/>
-            <a:ext cx="2547804" cy="405245"/>
-          </a:xfrm>
-          <a:prstGeom prst="roundRect">
-            <a:avLst/>
-          </a:prstGeom>
-        </p:spPr>
-        <p:style>
-          <a:lnRef idx="0">
-            <a:schemeClr val="accent6"/>
+          <p:cNvPr id="31" name="Down Arrow 30"/>
+          <p:cNvSpPr/>
+          <p:nvPr/>
+        </p:nvSpPr>
+        <p:spPr>
+          <a:xfrm>
+            <a:off x="3217034" y="5189766"/>
+            <a:ext cx="176955" cy="232649"/>
+          </a:xfrm>
+          <a:prstGeom prst="downArrow">
+            <a:avLst/>
+          </a:prstGeom>
+        </p:spPr>
+        <p:style>
+          <a:lnRef idx="1">
+            <a:schemeClr val="accent3"/>
           </a:lnRef>
           <a:fillRef idx="3">
-            <a:schemeClr val="accent6"/>
-          </a:fillRef>
-          <a:effectRef idx="3">
-            <a:schemeClr val="accent6"/>
-          </a:effectRef>
-          <a:fontRef idx="minor">
-            <a:schemeClr val="lt1"/>
-          </a:fontRef>
-        </p:style>
-        <p:txBody>
-          <a:bodyPr rtlCol="0" anchor="ctr"/>
-          <a:lstStyle/>
-          <a:p>
-            <a:pPr algn="ctr"/>
-            <a:r>
-              <a:rPr lang="en-US" sz="1400" dirty="0" smtClean="0"/>
-              <a:t>GPU Concurrent </a:t>
-            </a:r>
-            <a:r>
-              <a:rPr lang="en-US" sz="1400" dirty="0"/>
-              <a:t>L</a:t>
-            </a:r>
-            <a:r>
-              <a:rPr lang="en-US" sz="1400" dirty="0" smtClean="0"/>
-              <a:t>inked List</a:t>
-            </a:r>
-            <a:endParaRPr lang="en-US" sz="1400" dirty="0"/>
-          </a:p>
-        </p:txBody>
-      </p:sp>
-      <p:sp>
-        <p:nvSpPr>
-          <p:cNvPr id="22" name="Rounded Rectangle 21"/>
-          <p:cNvSpPr/>
-          <p:nvPr/>
-        </p:nvSpPr>
-        <p:spPr>
-          <a:xfrm>
-            <a:off x="7245931" y="5140411"/>
-            <a:ext cx="2174789" cy="345989"/>
-          </a:xfrm>
-          <a:prstGeom prst="roundRect">
-            <a:avLst/>
-          </a:prstGeom>
-        </p:spPr>
-        <p:style>
-          <a:lnRef idx="0">
-            <a:schemeClr val="accent6"/>
+            <a:schemeClr val="accent3"/>
+          </a:fillRef>
+          <a:effectRef idx="2">
+            <a:schemeClr val="accent3"/>
+          </a:effectRef>
+          <a:fontRef idx="minor">
+            <a:schemeClr val="lt1"/>
+          </a:fontRef>
+        </p:style>
+        <p:txBody>
+          <a:bodyPr rtlCol="0" anchor="ctr"/>
+          <a:lstStyle/>
+          <a:p>
+            <a:pPr algn="ctr"/>
+            <a:endParaRPr lang="en-US"/>
+          </a:p>
+        </p:txBody>
+      </p:sp>
+      <p:sp>
+        <p:nvSpPr>
+          <p:cNvPr id="32" name="Down Arrow 31"/>
+          <p:cNvSpPr/>
+          <p:nvPr/>
+        </p:nvSpPr>
+        <p:spPr>
+          <a:xfrm>
+            <a:off x="4291914" y="5189766"/>
+            <a:ext cx="230822" cy="296634"/>
+          </a:xfrm>
+          <a:prstGeom prst="downArrow">
+            <a:avLst/>
+          </a:prstGeom>
+        </p:spPr>
+        <p:style>
+          <a:lnRef idx="1">
+            <a:schemeClr val="accent3"/>
           </a:lnRef>
           <a:fillRef idx="3">
-            <a:schemeClr val="accent6"/>
-          </a:fillRef>
-          <a:effectRef idx="3">
-            <a:schemeClr val="accent6"/>
-          </a:effectRef>
-          <a:fontRef idx="minor">
-            <a:schemeClr val="lt1"/>
-          </a:fontRef>
-        </p:style>
-        <p:txBody>
-          <a:bodyPr rtlCol="0" anchor="ctr"/>
-          <a:lstStyle/>
-          <a:p>
-            <a:pPr algn="ctr"/>
-            <a:r>
-              <a:rPr lang="en-US" sz="1400" dirty="0" err="1" smtClean="0"/>
-              <a:t>Shader</a:t>
-            </a:r>
-            <a:r>
-              <a:rPr lang="en-US" sz="1400" dirty="0" smtClean="0"/>
-              <a:t> Atomic Operations</a:t>
-            </a:r>
-            <a:endParaRPr lang="en-US" sz="1400" dirty="0"/>
-          </a:p>
-        </p:txBody>
-      </p:sp>
-      <p:sp>
-        <p:nvSpPr>
-          <p:cNvPr id="23" name="Rounded Rectangle 22"/>
-          <p:cNvSpPr/>
-          <p:nvPr/>
-        </p:nvSpPr>
-        <p:spPr>
-          <a:xfrm>
-            <a:off x="9630609" y="5136015"/>
-            <a:ext cx="2039824" cy="493607"/>
-          </a:xfrm>
-          <a:prstGeom prst="roundRect">
-            <a:avLst/>
-          </a:prstGeom>
-        </p:spPr>
-        <p:style>
-          <a:lnRef idx="0">
-            <a:schemeClr val="accent6"/>
-          </a:lnRef>
-          <a:fillRef idx="3">
-            <a:schemeClr val="accent6"/>
-          </a:fillRef>
-          <a:effectRef idx="3">
-            <a:schemeClr val="accent6"/>
-          </a:effectRef>
-          <a:fontRef idx="minor">
-            <a:schemeClr val="lt1"/>
-          </a:fontRef>
-        </p:style>
-        <p:txBody>
-          <a:bodyPr rtlCol="0" anchor="ctr"/>
-          <a:lstStyle/>
-          <a:p>
-            <a:pPr algn="ctr"/>
-            <a:r>
-              <a:rPr lang="en-US" sz="1400" dirty="0" err="1" smtClean="0"/>
-              <a:t>Shader</a:t>
-            </a:r>
-            <a:r>
-              <a:rPr lang="en-US" sz="1400" dirty="0" smtClean="0"/>
-              <a:t> Generic</a:t>
-            </a:r>
-          </a:p>
-          <a:p>
-            <a:pPr algn="ctr"/>
-            <a:r>
-              <a:rPr lang="en-US" sz="1400" dirty="0" smtClean="0"/>
-              <a:t> Buffer</a:t>
-            </a:r>
-            <a:endParaRPr lang="en-US" sz="1400" dirty="0"/>
-          </a:p>
-        </p:txBody>
-      </p:sp>
-      <p:sp>
-        <p:nvSpPr>
-          <p:cNvPr id="24" name="Rounded Rectangle 23"/>
-          <p:cNvSpPr/>
-          <p:nvPr/>
-        </p:nvSpPr>
-        <p:spPr>
-          <a:xfrm>
-            <a:off x="2187497" y="6191530"/>
-            <a:ext cx="1838199" cy="457200"/>
-          </a:xfrm>
-          <a:prstGeom prst="roundRect">
-            <a:avLst/>
-          </a:prstGeom>
-        </p:spPr>
-        <p:style>
-          <a:lnRef idx="0">
-            <a:schemeClr val="accent6"/>
-          </a:lnRef>
-          <a:fillRef idx="3">
-            <a:schemeClr val="accent6"/>
-          </a:fillRef>
-          <a:effectRef idx="3">
-            <a:schemeClr val="accent6"/>
-          </a:effectRef>
-          <a:fontRef idx="minor">
-            <a:schemeClr val="lt1"/>
-          </a:fontRef>
-        </p:style>
-        <p:txBody>
-          <a:bodyPr rtlCol="0" anchor="ctr"/>
-          <a:lstStyle/>
-          <a:p>
-            <a:pPr algn="ctr"/>
-            <a:r>
-              <a:rPr lang="en-US" sz="1400" dirty="0" smtClean="0"/>
-              <a:t>Scene Geometry </a:t>
-            </a:r>
-            <a:r>
-              <a:rPr lang="en-US" sz="1400" dirty="0" err="1" smtClean="0"/>
-              <a:t>Tesselation</a:t>
-            </a:r>
-            <a:endParaRPr lang="en-US" sz="1400" dirty="0"/>
-          </a:p>
-        </p:txBody>
-      </p:sp>
-      <p:sp>
-        <p:nvSpPr>
-          <p:cNvPr id="25" name="Down Arrow 24"/>
-          <p:cNvSpPr/>
-          <p:nvPr/>
-        </p:nvSpPr>
-        <p:spPr>
-          <a:xfrm>
-            <a:off x="5298795" y="1060217"/>
-            <a:ext cx="195843" cy="249618"/>
-          </a:xfrm>
-          <a:prstGeom prst="downArrow">
-            <a:avLst/>
-          </a:prstGeom>
-        </p:spPr>
-        <p:style>
-          <a:lnRef idx="1">
-            <a:schemeClr val="accent3"/>
-          </a:lnRef>
-          <a:fillRef idx="3">
             <a:schemeClr val="accent3"/>
           </a:fillRef>
           <a:effectRef idx="2">
@@ -4158,976 +5232,14 @@
       </p:sp>
       <p:sp>
         <p:nvSpPr>
-          <p:cNvPr id="26" name="Down Arrow 25"/>
-          <p:cNvSpPr/>
-          <p:nvPr/>
-        </p:nvSpPr>
-        <p:spPr>
-          <a:xfrm>
-            <a:off x="3264451" y="1057250"/>
-            <a:ext cx="199471" cy="237496"/>
-          </a:xfrm>
-          <a:prstGeom prst="downArrow">
-            <a:avLst/>
-          </a:prstGeom>
-        </p:spPr>
-        <p:style>
-          <a:lnRef idx="1">
-            <a:schemeClr val="accent3"/>
-          </a:lnRef>
-          <a:fillRef idx="3">
-            <a:schemeClr val="accent3"/>
-          </a:fillRef>
-          <a:effectRef idx="2">
-            <a:schemeClr val="accent3"/>
-          </a:effectRef>
-          <a:fontRef idx="minor">
-            <a:schemeClr val="lt1"/>
-          </a:fontRef>
-        </p:style>
-        <p:txBody>
-          <a:bodyPr rtlCol="0" anchor="ctr"/>
-          <a:lstStyle/>
-          <a:p>
-            <a:pPr algn="ctr"/>
-            <a:endParaRPr lang="en-US"/>
-          </a:p>
-        </p:txBody>
-      </p:sp>
-      <p:sp>
-        <p:nvSpPr>
-          <p:cNvPr id="27" name="Down Arrow 26"/>
-          <p:cNvSpPr/>
-          <p:nvPr/>
-        </p:nvSpPr>
-        <p:spPr>
-          <a:xfrm>
-            <a:off x="7594619" y="1050559"/>
-            <a:ext cx="167910" cy="232839"/>
-          </a:xfrm>
-          <a:prstGeom prst="downArrow">
-            <a:avLst/>
-          </a:prstGeom>
-        </p:spPr>
-        <p:style>
-          <a:lnRef idx="1">
-            <a:schemeClr val="accent3"/>
-          </a:lnRef>
-          <a:fillRef idx="3">
-            <a:schemeClr val="accent3"/>
-          </a:fillRef>
-          <a:effectRef idx="2">
-            <a:schemeClr val="accent3"/>
-          </a:effectRef>
-          <a:fontRef idx="minor">
-            <a:schemeClr val="lt1"/>
-          </a:fontRef>
-        </p:style>
-        <p:txBody>
-          <a:bodyPr rtlCol="0" anchor="ctr"/>
-          <a:lstStyle/>
-          <a:p>
-            <a:pPr algn="ctr"/>
-            <a:endParaRPr lang="en-US"/>
-          </a:p>
-        </p:txBody>
-      </p:sp>
-      <p:sp>
-        <p:nvSpPr>
-          <p:cNvPr id="28" name="Rounded Rectangle 27"/>
-          <p:cNvSpPr/>
-          <p:nvPr/>
-        </p:nvSpPr>
-        <p:spPr>
-          <a:xfrm>
-            <a:off x="79277" y="3395438"/>
-            <a:ext cx="1655806" cy="328228"/>
-          </a:xfrm>
-          <a:prstGeom prst="roundRect">
-            <a:avLst/>
-          </a:prstGeom>
-        </p:spPr>
-        <p:style>
-          <a:lnRef idx="0">
-            <a:schemeClr val="accent6"/>
-          </a:lnRef>
-          <a:fillRef idx="3">
-            <a:schemeClr val="accent6"/>
-          </a:fillRef>
-          <a:effectRef idx="3">
-            <a:schemeClr val="accent6"/>
-          </a:effectRef>
-          <a:fontRef idx="minor">
-            <a:schemeClr val="lt1"/>
-          </a:fontRef>
-        </p:style>
-        <p:txBody>
-          <a:bodyPr rtlCol="0" anchor="ctr"/>
-          <a:lstStyle/>
-          <a:p>
-            <a:pPr algn="ctr"/>
-            <a:r>
-              <a:rPr lang="en-US" sz="1400" dirty="0" smtClean="0"/>
-              <a:t>G-Buffer Creation</a:t>
-            </a:r>
-            <a:endParaRPr lang="en-US" sz="1400" dirty="0"/>
-          </a:p>
-        </p:txBody>
-      </p:sp>
-      <p:sp>
-        <p:nvSpPr>
-          <p:cNvPr id="29" name="Down Arrow 28"/>
-          <p:cNvSpPr/>
-          <p:nvPr/>
-        </p:nvSpPr>
-        <p:spPr>
-          <a:xfrm>
-            <a:off x="1259553" y="1644995"/>
-            <a:ext cx="205946" cy="285339"/>
-          </a:xfrm>
-          <a:prstGeom prst="downArrow">
-            <a:avLst/>
-          </a:prstGeom>
-        </p:spPr>
-        <p:style>
-          <a:lnRef idx="1">
-            <a:schemeClr val="accent3"/>
-          </a:lnRef>
-          <a:fillRef idx="3">
-            <a:schemeClr val="accent3"/>
-          </a:fillRef>
-          <a:effectRef idx="2">
-            <a:schemeClr val="accent3"/>
-          </a:effectRef>
-          <a:fontRef idx="minor">
-            <a:schemeClr val="lt1"/>
-          </a:fontRef>
-        </p:style>
-        <p:txBody>
-          <a:bodyPr rtlCol="0" anchor="ctr"/>
-          <a:lstStyle/>
-          <a:p>
-            <a:pPr algn="ctr"/>
-            <a:endParaRPr lang="en-US"/>
-          </a:p>
-        </p:txBody>
-      </p:sp>
-      <p:sp>
-        <p:nvSpPr>
-          <p:cNvPr id="34" name="Rounded Rectangle 33"/>
-          <p:cNvSpPr/>
-          <p:nvPr/>
-        </p:nvSpPr>
-        <p:spPr>
-          <a:xfrm>
-            <a:off x="555024" y="6184746"/>
-            <a:ext cx="1493107" cy="470769"/>
-          </a:xfrm>
-          <a:prstGeom prst="roundRect">
-            <a:avLst/>
-          </a:prstGeom>
-        </p:spPr>
-        <p:style>
-          <a:lnRef idx="0">
-            <a:schemeClr val="accent1"/>
-          </a:lnRef>
-          <a:fillRef idx="3">
-            <a:schemeClr val="accent1"/>
-          </a:fillRef>
-          <a:effectRef idx="3">
-            <a:schemeClr val="accent1"/>
-          </a:effectRef>
-          <a:fontRef idx="minor">
-            <a:schemeClr val="lt1"/>
-          </a:fontRef>
-        </p:style>
-        <p:txBody>
-          <a:bodyPr rtlCol="0" anchor="ctr"/>
-          <a:lstStyle/>
-          <a:p>
-            <a:pPr algn="ctr"/>
-            <a:r>
-              <a:rPr lang="en-US" sz="1400" dirty="0" smtClean="0"/>
-              <a:t>Imperfect Shadow Maps</a:t>
-            </a:r>
-            <a:endParaRPr lang="en-US" sz="1400" dirty="0"/>
-          </a:p>
-        </p:txBody>
-      </p:sp>
-      <p:sp>
-        <p:nvSpPr>
-          <p:cNvPr id="51" name="Rounded Rectangle 50"/>
-          <p:cNvSpPr/>
-          <p:nvPr/>
-        </p:nvSpPr>
-        <p:spPr>
-          <a:xfrm>
-            <a:off x="398639" y="4047070"/>
-            <a:ext cx="1819190" cy="914400"/>
-          </a:xfrm>
-          <a:prstGeom prst="roundRect">
-            <a:avLst/>
-          </a:prstGeom>
-        </p:spPr>
-        <p:style>
-          <a:lnRef idx="0">
-            <a:schemeClr val="accent1"/>
-          </a:lnRef>
-          <a:fillRef idx="3">
-            <a:schemeClr val="accent1"/>
-          </a:fillRef>
-          <a:effectRef idx="3">
-            <a:schemeClr val="accent1"/>
-          </a:effectRef>
-          <a:fontRef idx="minor">
-            <a:schemeClr val="lt1"/>
-          </a:fontRef>
-        </p:style>
-        <p:txBody>
-          <a:bodyPr rtlCol="0" anchor="ctr"/>
-          <a:lstStyle/>
-          <a:p>
-            <a:pPr algn="ctr"/>
-            <a:r>
-              <a:rPr lang="en-US" sz="1400" dirty="0" smtClean="0"/>
-              <a:t>Indirect Illumination Buffer Creation and Filtering</a:t>
-            </a:r>
-            <a:endParaRPr lang="en-US" sz="1400" dirty="0"/>
-          </a:p>
-        </p:txBody>
-      </p:sp>
-      <p:sp>
-        <p:nvSpPr>
-          <p:cNvPr id="52" name="Down Arrow 51"/>
-          <p:cNvSpPr/>
-          <p:nvPr/>
-        </p:nvSpPr>
-        <p:spPr>
-          <a:xfrm>
-            <a:off x="1828468" y="1658015"/>
-            <a:ext cx="214529" cy="2352360"/>
-          </a:xfrm>
-          <a:prstGeom prst="downArrow">
-            <a:avLst/>
-          </a:prstGeom>
-        </p:spPr>
-        <p:style>
-          <a:lnRef idx="1">
-            <a:schemeClr val="accent3"/>
-          </a:lnRef>
-          <a:fillRef idx="3">
-            <a:schemeClr val="accent3"/>
-          </a:fillRef>
-          <a:effectRef idx="2">
-            <a:schemeClr val="accent3"/>
-          </a:effectRef>
-          <a:fontRef idx="minor">
-            <a:schemeClr val="lt1"/>
-          </a:fontRef>
-        </p:style>
-        <p:txBody>
-          <a:bodyPr rtlCol="0" anchor="ctr"/>
-          <a:lstStyle/>
-          <a:p>
-            <a:pPr algn="ctr"/>
-            <a:endParaRPr lang="en-US"/>
-          </a:p>
-        </p:txBody>
-      </p:sp>
-      <p:sp>
-        <p:nvSpPr>
-          <p:cNvPr id="53" name="Down Arrow 52"/>
-          <p:cNvSpPr/>
-          <p:nvPr/>
-        </p:nvSpPr>
-        <p:spPr>
-          <a:xfrm>
-            <a:off x="2965870" y="1648391"/>
-            <a:ext cx="189471" cy="302475"/>
-          </a:xfrm>
-          <a:prstGeom prst="downArrow">
-            <a:avLst/>
-          </a:prstGeom>
-        </p:spPr>
-        <p:style>
-          <a:lnRef idx="1">
-            <a:schemeClr val="accent3"/>
-          </a:lnRef>
-          <a:fillRef idx="3">
-            <a:schemeClr val="accent3"/>
-          </a:fillRef>
-          <a:effectRef idx="2">
-            <a:schemeClr val="accent3"/>
-          </a:effectRef>
-          <a:fontRef idx="minor">
-            <a:schemeClr val="lt1"/>
-          </a:fontRef>
-        </p:style>
-        <p:txBody>
-          <a:bodyPr rtlCol="0" anchor="ctr"/>
-          <a:lstStyle/>
-          <a:p>
-            <a:pPr algn="ctr"/>
-            <a:endParaRPr lang="en-US"/>
-          </a:p>
-        </p:txBody>
-      </p:sp>
-      <p:sp>
-        <p:nvSpPr>
-          <p:cNvPr id="54" name="Down Arrow 53"/>
-          <p:cNvSpPr/>
-          <p:nvPr/>
-        </p:nvSpPr>
-        <p:spPr>
-          <a:xfrm>
-            <a:off x="5277171" y="1654987"/>
-            <a:ext cx="189471" cy="302475"/>
-          </a:xfrm>
-          <a:prstGeom prst="downArrow">
-            <a:avLst/>
-          </a:prstGeom>
-        </p:spPr>
-        <p:style>
-          <a:lnRef idx="1">
-            <a:schemeClr val="accent3"/>
-          </a:lnRef>
-          <a:fillRef idx="3">
-            <a:schemeClr val="accent3"/>
-          </a:fillRef>
-          <a:effectRef idx="2">
-            <a:schemeClr val="accent3"/>
-          </a:effectRef>
-          <a:fontRef idx="minor">
-            <a:schemeClr val="lt1"/>
-          </a:fontRef>
-        </p:style>
-        <p:txBody>
-          <a:bodyPr rtlCol="0" anchor="ctr"/>
-          <a:lstStyle/>
-          <a:p>
-            <a:pPr algn="ctr"/>
-            <a:endParaRPr lang="en-US"/>
-          </a:p>
-        </p:txBody>
-      </p:sp>
-      <p:sp>
-        <p:nvSpPr>
-          <p:cNvPr id="55" name="Down Arrow 54"/>
-          <p:cNvSpPr/>
-          <p:nvPr/>
-        </p:nvSpPr>
-        <p:spPr>
-          <a:xfrm>
-            <a:off x="8293387" y="1633157"/>
-            <a:ext cx="189471" cy="302475"/>
-          </a:xfrm>
-          <a:prstGeom prst="downArrow">
-            <a:avLst/>
-          </a:prstGeom>
-        </p:spPr>
-        <p:style>
-          <a:lnRef idx="1">
-            <a:schemeClr val="accent3"/>
-          </a:lnRef>
-          <a:fillRef idx="3">
-            <a:schemeClr val="accent3"/>
-          </a:fillRef>
-          <a:effectRef idx="2">
-            <a:schemeClr val="accent3"/>
-          </a:effectRef>
-          <a:fontRef idx="minor">
-            <a:schemeClr val="lt1"/>
-          </a:fontRef>
-        </p:style>
-        <p:txBody>
-          <a:bodyPr rtlCol="0" anchor="ctr"/>
-          <a:lstStyle/>
-          <a:p>
-            <a:pPr algn="ctr"/>
-            <a:endParaRPr lang="en-US"/>
-          </a:p>
-        </p:txBody>
-      </p:sp>
-      <p:sp>
-        <p:nvSpPr>
-          <p:cNvPr id="56" name="Down Arrow 55"/>
-          <p:cNvSpPr/>
-          <p:nvPr/>
-        </p:nvSpPr>
-        <p:spPr>
-          <a:xfrm>
-            <a:off x="10461050" y="1633157"/>
-            <a:ext cx="189471" cy="302475"/>
-          </a:xfrm>
-          <a:prstGeom prst="downArrow">
-            <a:avLst/>
-          </a:prstGeom>
-        </p:spPr>
-        <p:style>
-          <a:lnRef idx="1">
-            <a:schemeClr val="accent3"/>
-          </a:lnRef>
-          <a:fillRef idx="3">
-            <a:schemeClr val="accent3"/>
-          </a:fillRef>
-          <a:effectRef idx="2">
-            <a:schemeClr val="accent3"/>
-          </a:effectRef>
-          <a:fontRef idx="minor">
-            <a:schemeClr val="lt1"/>
-          </a:fontRef>
-        </p:style>
-        <p:txBody>
-          <a:bodyPr rtlCol="0" anchor="ctr"/>
-          <a:lstStyle/>
-          <a:p>
-            <a:pPr algn="ctr"/>
-            <a:endParaRPr lang="en-US"/>
-          </a:p>
-        </p:txBody>
-      </p:sp>
-      <p:sp>
-        <p:nvSpPr>
-          <p:cNvPr id="57" name="Down Arrow 56"/>
-          <p:cNvSpPr/>
-          <p:nvPr/>
-        </p:nvSpPr>
-        <p:spPr>
-          <a:xfrm>
-            <a:off x="813188" y="2421213"/>
-            <a:ext cx="189471" cy="302475"/>
-          </a:xfrm>
-          <a:prstGeom prst="downArrow">
-            <a:avLst/>
-          </a:prstGeom>
-        </p:spPr>
-        <p:style>
-          <a:lnRef idx="1">
-            <a:schemeClr val="accent3"/>
-          </a:lnRef>
-          <a:fillRef idx="3">
-            <a:schemeClr val="accent3"/>
-          </a:fillRef>
-          <a:effectRef idx="2">
-            <a:schemeClr val="accent3"/>
-          </a:effectRef>
-          <a:fontRef idx="minor">
-            <a:schemeClr val="lt1"/>
-          </a:fontRef>
-        </p:style>
-        <p:txBody>
-          <a:bodyPr rtlCol="0" anchor="ctr"/>
-          <a:lstStyle/>
-          <a:p>
-            <a:pPr algn="ctr"/>
-            <a:endParaRPr lang="en-US"/>
-          </a:p>
-        </p:txBody>
-      </p:sp>
-      <p:sp>
-        <p:nvSpPr>
-          <p:cNvPr id="58" name="Down Arrow 57"/>
-          <p:cNvSpPr/>
-          <p:nvPr/>
-        </p:nvSpPr>
-        <p:spPr>
-          <a:xfrm>
-            <a:off x="798826" y="3056978"/>
-            <a:ext cx="189471" cy="302475"/>
-          </a:xfrm>
-          <a:prstGeom prst="downArrow">
-            <a:avLst/>
-          </a:prstGeom>
-        </p:spPr>
-        <p:style>
-          <a:lnRef idx="1">
-            <a:schemeClr val="accent3"/>
-          </a:lnRef>
-          <a:fillRef idx="3">
-            <a:schemeClr val="accent3"/>
-          </a:fillRef>
-          <a:effectRef idx="2">
-            <a:schemeClr val="accent3"/>
-          </a:effectRef>
-          <a:fontRef idx="minor">
-            <a:schemeClr val="lt1"/>
-          </a:fontRef>
-        </p:style>
-        <p:txBody>
-          <a:bodyPr rtlCol="0" anchor="ctr"/>
-          <a:lstStyle/>
-          <a:p>
-            <a:pPr algn="ctr"/>
-            <a:endParaRPr lang="en-US"/>
-          </a:p>
-        </p:txBody>
-      </p:sp>
-      <p:sp>
-        <p:nvSpPr>
-          <p:cNvPr id="59" name="Down Arrow 58"/>
-          <p:cNvSpPr/>
-          <p:nvPr/>
-        </p:nvSpPr>
-        <p:spPr>
-          <a:xfrm>
-            <a:off x="4532946" y="2397705"/>
-            <a:ext cx="209943" cy="273677"/>
-          </a:xfrm>
-          <a:prstGeom prst="downArrow">
-            <a:avLst/>
-          </a:prstGeom>
-        </p:spPr>
-        <p:style>
-          <a:lnRef idx="1">
-            <a:schemeClr val="accent3"/>
-          </a:lnRef>
-          <a:fillRef idx="3">
-            <a:schemeClr val="accent3"/>
-          </a:fillRef>
-          <a:effectRef idx="2">
-            <a:schemeClr val="accent3"/>
-          </a:effectRef>
-          <a:fontRef idx="minor">
-            <a:schemeClr val="lt1"/>
-          </a:fontRef>
-        </p:style>
-        <p:txBody>
-          <a:bodyPr rtlCol="0" anchor="ctr"/>
-          <a:lstStyle/>
-          <a:p>
-            <a:pPr algn="ctr"/>
-            <a:endParaRPr lang="en-US"/>
-          </a:p>
-        </p:txBody>
-      </p:sp>
-      <p:sp>
-        <p:nvSpPr>
-          <p:cNvPr id="60" name="Down Arrow 59"/>
-          <p:cNvSpPr/>
-          <p:nvPr/>
-        </p:nvSpPr>
-        <p:spPr>
-          <a:xfrm>
-            <a:off x="6030653" y="2381186"/>
-            <a:ext cx="189471" cy="302475"/>
-          </a:xfrm>
-          <a:prstGeom prst="downArrow">
-            <a:avLst/>
-          </a:prstGeom>
-        </p:spPr>
-        <p:style>
-          <a:lnRef idx="1">
-            <a:schemeClr val="accent3"/>
-          </a:lnRef>
-          <a:fillRef idx="3">
-            <a:schemeClr val="accent3"/>
-          </a:fillRef>
-          <a:effectRef idx="2">
-            <a:schemeClr val="accent3"/>
-          </a:effectRef>
-          <a:fontRef idx="minor">
-            <a:schemeClr val="lt1"/>
-          </a:fontRef>
-        </p:style>
-        <p:txBody>
-          <a:bodyPr rtlCol="0" anchor="ctr"/>
-          <a:lstStyle/>
-          <a:p>
-            <a:pPr algn="ctr"/>
-            <a:endParaRPr lang="en-US"/>
-          </a:p>
-        </p:txBody>
-      </p:sp>
-      <p:sp>
-        <p:nvSpPr>
-          <p:cNvPr id="61" name="Down Arrow 60"/>
-          <p:cNvSpPr/>
-          <p:nvPr/>
-        </p:nvSpPr>
-        <p:spPr>
-          <a:xfrm>
-            <a:off x="9201023" y="2374723"/>
-            <a:ext cx="189471" cy="302475"/>
-          </a:xfrm>
-          <a:prstGeom prst="downArrow">
-            <a:avLst/>
-          </a:prstGeom>
-        </p:spPr>
-        <p:style>
-          <a:lnRef idx="1">
-            <a:schemeClr val="accent3"/>
-          </a:lnRef>
-          <a:fillRef idx="3">
-            <a:schemeClr val="accent3"/>
-          </a:fillRef>
-          <a:effectRef idx="2">
-            <a:schemeClr val="accent3"/>
-          </a:effectRef>
-          <a:fontRef idx="minor">
-            <a:schemeClr val="lt1"/>
-          </a:fontRef>
-        </p:style>
-        <p:txBody>
-          <a:bodyPr rtlCol="0" anchor="ctr"/>
-          <a:lstStyle/>
-          <a:p>
-            <a:pPr algn="ctr"/>
-            <a:endParaRPr lang="en-US"/>
-          </a:p>
-        </p:txBody>
-      </p:sp>
-      <p:sp>
-        <p:nvSpPr>
-          <p:cNvPr id="62" name="Down Arrow 61"/>
-          <p:cNvSpPr/>
-          <p:nvPr/>
-        </p:nvSpPr>
-        <p:spPr>
-          <a:xfrm>
-            <a:off x="2610932" y="3035661"/>
-            <a:ext cx="189471" cy="302475"/>
-          </a:xfrm>
-          <a:prstGeom prst="downArrow">
-            <a:avLst/>
-          </a:prstGeom>
-        </p:spPr>
-        <p:style>
-          <a:lnRef idx="1">
-            <a:schemeClr val="accent3"/>
-          </a:lnRef>
-          <a:fillRef idx="3">
-            <a:schemeClr val="accent3"/>
-          </a:fillRef>
-          <a:effectRef idx="2">
-            <a:schemeClr val="accent3"/>
-          </a:effectRef>
-          <a:fontRef idx="minor">
-            <a:schemeClr val="lt1"/>
-          </a:fontRef>
-        </p:style>
-        <p:txBody>
-          <a:bodyPr rtlCol="0" anchor="ctr"/>
-          <a:lstStyle/>
-          <a:p>
-            <a:pPr algn="ctr"/>
-            <a:endParaRPr lang="en-US"/>
-          </a:p>
-        </p:txBody>
-      </p:sp>
-      <p:sp>
-        <p:nvSpPr>
-          <p:cNvPr id="63" name="Down Arrow 62"/>
-          <p:cNvSpPr/>
-          <p:nvPr/>
-        </p:nvSpPr>
-        <p:spPr>
-          <a:xfrm>
-            <a:off x="5769575" y="3036538"/>
-            <a:ext cx="189471" cy="302475"/>
-          </a:xfrm>
-          <a:prstGeom prst="downArrow">
-            <a:avLst/>
-          </a:prstGeom>
-        </p:spPr>
-        <p:style>
-          <a:lnRef idx="1">
-            <a:schemeClr val="accent3"/>
-          </a:lnRef>
-          <a:fillRef idx="3">
-            <a:schemeClr val="accent3"/>
-          </a:fillRef>
-          <a:effectRef idx="2">
-            <a:schemeClr val="accent3"/>
-          </a:effectRef>
-          <a:fontRef idx="minor">
-            <a:schemeClr val="lt1"/>
-          </a:fontRef>
-        </p:style>
-        <p:txBody>
-          <a:bodyPr rtlCol="0" anchor="ctr"/>
-          <a:lstStyle/>
-          <a:p>
-            <a:pPr algn="ctr"/>
-            <a:endParaRPr lang="en-US"/>
-          </a:p>
-        </p:txBody>
-      </p:sp>
-      <p:sp>
-        <p:nvSpPr>
-          <p:cNvPr id="64" name="Down Arrow 63"/>
-          <p:cNvSpPr/>
-          <p:nvPr/>
-        </p:nvSpPr>
-        <p:spPr>
-          <a:xfrm>
-            <a:off x="7428213" y="3044259"/>
-            <a:ext cx="189471" cy="302475"/>
-          </a:xfrm>
-          <a:prstGeom prst="downArrow">
-            <a:avLst/>
-          </a:prstGeom>
-        </p:spPr>
-        <p:style>
-          <a:lnRef idx="1">
-            <a:schemeClr val="accent3"/>
-          </a:lnRef>
-          <a:fillRef idx="3">
-            <a:schemeClr val="accent3"/>
-          </a:fillRef>
-          <a:effectRef idx="2">
-            <a:schemeClr val="accent3"/>
-          </a:effectRef>
-          <a:fontRef idx="minor">
-            <a:schemeClr val="lt1"/>
-          </a:fontRef>
-        </p:style>
-        <p:txBody>
-          <a:bodyPr rtlCol="0" anchor="ctr"/>
-          <a:lstStyle/>
-          <a:p>
-            <a:pPr algn="ctr"/>
-            <a:endParaRPr lang="en-US"/>
-          </a:p>
-        </p:txBody>
-      </p:sp>
-      <p:sp>
-        <p:nvSpPr>
-          <p:cNvPr id="65" name="Down Arrow 64"/>
-          <p:cNvSpPr/>
-          <p:nvPr/>
-        </p:nvSpPr>
-        <p:spPr>
-          <a:xfrm>
-            <a:off x="3624041" y="3044259"/>
-            <a:ext cx="240317" cy="987282"/>
-          </a:xfrm>
-          <a:prstGeom prst="downArrow">
-            <a:avLst/>
-          </a:prstGeom>
-        </p:spPr>
-        <p:style>
-          <a:lnRef idx="1">
-            <a:schemeClr val="accent3"/>
-          </a:lnRef>
-          <a:fillRef idx="3">
-            <a:schemeClr val="accent3"/>
-          </a:fillRef>
-          <a:effectRef idx="2">
-            <a:schemeClr val="accent3"/>
-          </a:effectRef>
-          <a:fontRef idx="minor">
-            <a:schemeClr val="lt1"/>
-          </a:fontRef>
-        </p:style>
-        <p:txBody>
-          <a:bodyPr rtlCol="0" anchor="ctr"/>
-          <a:lstStyle/>
-          <a:p>
-            <a:pPr algn="ctr"/>
-            <a:endParaRPr lang="en-US"/>
-          </a:p>
-        </p:txBody>
-      </p:sp>
-      <p:sp>
-        <p:nvSpPr>
-          <p:cNvPr id="66" name="Down Arrow 65"/>
-          <p:cNvSpPr/>
-          <p:nvPr/>
-        </p:nvSpPr>
-        <p:spPr>
-          <a:xfrm>
-            <a:off x="3566880" y="4480547"/>
-            <a:ext cx="189471" cy="302475"/>
-          </a:xfrm>
-          <a:prstGeom prst="downArrow">
-            <a:avLst/>
-          </a:prstGeom>
-        </p:spPr>
-        <p:style>
-          <a:lnRef idx="1">
-            <a:schemeClr val="accent3"/>
-          </a:lnRef>
-          <a:fillRef idx="3">
-            <a:schemeClr val="accent3"/>
-          </a:fillRef>
-          <a:effectRef idx="2">
-            <a:schemeClr val="accent3"/>
-          </a:effectRef>
-          <a:fontRef idx="minor">
-            <a:schemeClr val="lt1"/>
-          </a:fontRef>
-        </p:style>
-        <p:txBody>
-          <a:bodyPr rtlCol="0" anchor="ctr"/>
-          <a:lstStyle/>
-          <a:p>
-            <a:pPr algn="ctr"/>
-            <a:endParaRPr lang="en-US"/>
-          </a:p>
-        </p:txBody>
-      </p:sp>
-      <p:sp>
-        <p:nvSpPr>
-          <p:cNvPr id="67" name="Down Arrow 66"/>
-          <p:cNvSpPr/>
-          <p:nvPr/>
-        </p:nvSpPr>
-        <p:spPr>
-          <a:xfrm>
-            <a:off x="1608542" y="5923863"/>
-            <a:ext cx="185241" cy="248147"/>
-          </a:xfrm>
-          <a:prstGeom prst="downArrow">
-            <a:avLst/>
-          </a:prstGeom>
-        </p:spPr>
-        <p:style>
-          <a:lnRef idx="1">
-            <a:schemeClr val="accent3"/>
-          </a:lnRef>
-          <a:fillRef idx="3">
-            <a:schemeClr val="accent3"/>
-          </a:fillRef>
-          <a:effectRef idx="2">
-            <a:schemeClr val="accent3"/>
-          </a:effectRef>
-          <a:fontRef idx="minor">
-            <a:schemeClr val="lt1"/>
-          </a:fontRef>
-        </p:style>
-        <p:txBody>
-          <a:bodyPr rtlCol="0" anchor="ctr"/>
-          <a:lstStyle/>
-          <a:p>
-            <a:pPr algn="ctr"/>
-            <a:endParaRPr lang="en-US"/>
-          </a:p>
-        </p:txBody>
-      </p:sp>
-      <p:sp>
-        <p:nvSpPr>
-          <p:cNvPr id="68" name="Down Arrow 67"/>
-          <p:cNvSpPr/>
-          <p:nvPr/>
-        </p:nvSpPr>
-        <p:spPr>
-          <a:xfrm>
-            <a:off x="3037157" y="5923722"/>
-            <a:ext cx="179877" cy="244029"/>
-          </a:xfrm>
-          <a:prstGeom prst="downArrow">
-            <a:avLst/>
-          </a:prstGeom>
-        </p:spPr>
-        <p:style>
-          <a:lnRef idx="1">
-            <a:schemeClr val="accent3"/>
-          </a:lnRef>
-          <a:fillRef idx="3">
-            <a:schemeClr val="accent3"/>
-          </a:fillRef>
-          <a:effectRef idx="2">
-            <a:schemeClr val="accent3"/>
-          </a:effectRef>
-          <a:fontRef idx="minor">
-            <a:schemeClr val="lt1"/>
-          </a:fontRef>
-        </p:style>
-        <p:txBody>
-          <a:bodyPr rtlCol="0" anchor="ctr"/>
-          <a:lstStyle/>
-          <a:p>
-            <a:pPr algn="ctr"/>
-            <a:endParaRPr lang="en-US"/>
-          </a:p>
-        </p:txBody>
-      </p:sp>
-      <p:sp>
-        <p:nvSpPr>
-          <p:cNvPr id="69" name="Down Arrow 68"/>
-          <p:cNvSpPr/>
-          <p:nvPr/>
-        </p:nvSpPr>
-        <p:spPr>
-          <a:xfrm>
-            <a:off x="8143854" y="4818351"/>
-            <a:ext cx="189471" cy="302475"/>
-          </a:xfrm>
-          <a:prstGeom prst="downArrow">
-            <a:avLst/>
-          </a:prstGeom>
-        </p:spPr>
-        <p:style>
-          <a:lnRef idx="1">
-            <a:schemeClr val="accent3"/>
-          </a:lnRef>
-          <a:fillRef idx="3">
-            <a:schemeClr val="accent3"/>
-          </a:fillRef>
-          <a:effectRef idx="2">
-            <a:schemeClr val="accent3"/>
-          </a:effectRef>
-          <a:fontRef idx="minor">
-            <a:schemeClr val="lt1"/>
-          </a:fontRef>
-        </p:style>
-        <p:txBody>
-          <a:bodyPr rtlCol="0" anchor="ctr"/>
-          <a:lstStyle/>
-          <a:p>
-            <a:pPr algn="ctr"/>
-            <a:endParaRPr lang="en-US"/>
-          </a:p>
-        </p:txBody>
-      </p:sp>
-      <p:sp>
-        <p:nvSpPr>
-          <p:cNvPr id="70" name="Down Arrow 69"/>
-          <p:cNvSpPr/>
-          <p:nvPr/>
-        </p:nvSpPr>
-        <p:spPr>
-          <a:xfrm>
-            <a:off x="10052219" y="4818351"/>
-            <a:ext cx="189471" cy="302475"/>
-          </a:xfrm>
-          <a:prstGeom prst="downArrow">
-            <a:avLst/>
-          </a:prstGeom>
-        </p:spPr>
-        <p:style>
-          <a:lnRef idx="1">
-            <a:schemeClr val="accent3"/>
-          </a:lnRef>
-          <a:fillRef idx="3">
-            <a:schemeClr val="accent3"/>
-          </a:fillRef>
-          <a:effectRef idx="2">
-            <a:schemeClr val="accent3"/>
-          </a:effectRef>
-          <a:fontRef idx="minor">
-            <a:schemeClr val="lt1"/>
-          </a:fontRef>
-        </p:style>
-        <p:txBody>
-          <a:bodyPr rtlCol="0" anchor="ctr"/>
-          <a:lstStyle/>
-          <a:p>
-            <a:pPr algn="ctr"/>
-            <a:endParaRPr lang="en-US"/>
-          </a:p>
-        </p:txBody>
-      </p:sp>
-      <p:sp>
-        <p:nvSpPr>
-          <p:cNvPr id="3" name="Rounded Rectangle 2"/>
-          <p:cNvSpPr/>
-          <p:nvPr/>
-        </p:nvSpPr>
-        <p:spPr>
-          <a:xfrm>
-            <a:off x="2656622" y="4810307"/>
-            <a:ext cx="1965805" cy="362465"/>
+          <p:cNvPr id="35" name="Rounded Rectangle 34"/>
+          <p:cNvSpPr/>
+          <p:nvPr/>
+        </p:nvSpPr>
+        <p:spPr>
+          <a:xfrm>
+            <a:off x="6541898" y="3358140"/>
+            <a:ext cx="1962100" cy="656385"/>
           </a:xfrm>
           <a:prstGeom prst="roundRect">
             <a:avLst/>
@@ -5154,170 +5266,6 @@
             <a:pPr algn="ctr"/>
             <a:r>
               <a:rPr lang="en-US" sz="1400" dirty="0" smtClean="0"/>
-              <a:t>VPL Visibility Test</a:t>
-            </a:r>
-            <a:endParaRPr lang="en-US" sz="1400" dirty="0"/>
-          </a:p>
-        </p:txBody>
-      </p:sp>
-      <p:sp>
-        <p:nvSpPr>
-          <p:cNvPr id="30" name="Rounded Rectangle 29"/>
-          <p:cNvSpPr/>
-          <p:nvPr/>
-        </p:nvSpPr>
-        <p:spPr>
-          <a:xfrm>
-            <a:off x="4156571" y="5486400"/>
-            <a:ext cx="2879471" cy="437321"/>
-          </a:xfrm>
-          <a:prstGeom prst="roundRect">
-            <a:avLst/>
-          </a:prstGeom>
-        </p:spPr>
-        <p:style>
-          <a:lnRef idx="0">
-            <a:schemeClr val="accent4"/>
-          </a:lnRef>
-          <a:fillRef idx="3">
-            <a:schemeClr val="accent4"/>
-          </a:fillRef>
-          <a:effectRef idx="3">
-            <a:schemeClr val="accent4"/>
-          </a:effectRef>
-          <a:fontRef idx="minor">
-            <a:schemeClr val="lt1"/>
-          </a:fontRef>
-        </p:style>
-        <p:txBody>
-          <a:bodyPr rtlCol="0" anchor="ctr"/>
-          <a:lstStyle/>
-          <a:p>
-            <a:pPr algn="ctr"/>
-            <a:r>
-              <a:rPr lang="en-US" sz="1400" dirty="0" smtClean="0"/>
-              <a:t>Scene </a:t>
-            </a:r>
-            <a:r>
-              <a:rPr lang="en-US" sz="1400" dirty="0" err="1" smtClean="0"/>
-              <a:t>Voxelization</a:t>
-            </a:r>
-            <a:endParaRPr lang="en-US" sz="1400" dirty="0"/>
-          </a:p>
-        </p:txBody>
-      </p:sp>
-      <p:sp>
-        <p:nvSpPr>
-          <p:cNvPr id="31" name="Down Arrow 30"/>
-          <p:cNvSpPr/>
-          <p:nvPr/>
-        </p:nvSpPr>
-        <p:spPr>
-          <a:xfrm>
-            <a:off x="3217034" y="5189766"/>
-            <a:ext cx="176955" cy="232649"/>
-          </a:xfrm>
-          <a:prstGeom prst="downArrow">
-            <a:avLst/>
-          </a:prstGeom>
-        </p:spPr>
-        <p:style>
-          <a:lnRef idx="1">
-            <a:schemeClr val="accent3"/>
-          </a:lnRef>
-          <a:fillRef idx="3">
-            <a:schemeClr val="accent3"/>
-          </a:fillRef>
-          <a:effectRef idx="2">
-            <a:schemeClr val="accent3"/>
-          </a:effectRef>
-          <a:fontRef idx="minor">
-            <a:schemeClr val="lt1"/>
-          </a:fontRef>
-        </p:style>
-        <p:txBody>
-          <a:bodyPr rtlCol="0" anchor="ctr"/>
-          <a:lstStyle/>
-          <a:p>
-            <a:pPr algn="ctr"/>
-            <a:endParaRPr lang="en-US"/>
-          </a:p>
-        </p:txBody>
-      </p:sp>
-      <p:sp>
-        <p:nvSpPr>
-          <p:cNvPr id="32" name="Down Arrow 31"/>
-          <p:cNvSpPr/>
-          <p:nvPr/>
-        </p:nvSpPr>
-        <p:spPr>
-          <a:xfrm>
-            <a:off x="4291914" y="5189766"/>
-            <a:ext cx="230822" cy="296634"/>
-          </a:xfrm>
-          <a:prstGeom prst="downArrow">
-            <a:avLst/>
-          </a:prstGeom>
-        </p:spPr>
-        <p:style>
-          <a:lnRef idx="1">
-            <a:schemeClr val="accent3"/>
-          </a:lnRef>
-          <a:fillRef idx="3">
-            <a:schemeClr val="accent3"/>
-          </a:fillRef>
-          <a:effectRef idx="2">
-            <a:schemeClr val="accent3"/>
-          </a:effectRef>
-          <a:fontRef idx="minor">
-            <a:schemeClr val="lt1"/>
-          </a:fontRef>
-        </p:style>
-        <p:txBody>
-          <a:bodyPr rtlCol="0" anchor="ctr"/>
-          <a:lstStyle/>
-          <a:p>
-            <a:pPr algn="ctr"/>
-            <a:endParaRPr lang="en-US"/>
-          </a:p>
-        </p:txBody>
-      </p:sp>
-      <p:sp>
-        <p:nvSpPr>
-          <p:cNvPr id="35" name="Rounded Rectangle 34"/>
-          <p:cNvSpPr/>
-          <p:nvPr/>
-        </p:nvSpPr>
-        <p:spPr>
-          <a:xfrm>
-            <a:off x="6541898" y="3358140"/>
-            <a:ext cx="1962100" cy="656385"/>
-          </a:xfrm>
-          <a:prstGeom prst="roundRect">
-            <a:avLst/>
-          </a:prstGeom>
-        </p:spPr>
-        <p:style>
-          <a:lnRef idx="0">
-            <a:schemeClr val="accent2"/>
-          </a:lnRef>
-          <a:fillRef idx="3">
-            <a:schemeClr val="accent2"/>
-          </a:fillRef>
-          <a:effectRef idx="3">
-            <a:schemeClr val="accent2"/>
-          </a:effectRef>
-          <a:fontRef idx="minor">
-            <a:schemeClr val="lt1"/>
-          </a:fontRef>
-        </p:style>
-        <p:txBody>
-          <a:bodyPr rtlCol="0" anchor="ctr"/>
-          <a:lstStyle/>
-          <a:p>
-            <a:pPr algn="ctr"/>
-            <a:r>
-              <a:rPr lang="en-US" sz="1400" dirty="0" smtClean="0"/>
               <a:t>Ray-bundles Creation and Shading</a:t>
             </a:r>
             <a:endParaRPr lang="en-US" sz="1400" dirty="0"/>
@@ -5414,6 +5362,14 @@
           <a:prstGeom prst="roundRect">
             <a:avLst/>
           </a:prstGeom>
+          <a:solidFill>
+            <a:schemeClr val="accent1"/>
+          </a:solidFill>
+          <a:ln w="38100">
+            <a:solidFill>
+              <a:schemeClr val="accent4"/>
+            </a:solidFill>
+          </a:ln>
         </p:spPr>
         <p:style>
           <a:lnRef idx="0">
@@ -5508,15 +5464,7 @@
                   <a:srgbClr val="92D050"/>
                 </a:solidFill>
               </a:rPr>
-              <a:t>System Bottle </a:t>
-            </a:r>
-            <a:r>
-              <a:rPr lang="en-US" sz="1400" b="1" dirty="0" smtClean="0">
-                <a:solidFill>
-                  <a:srgbClr val="92D050"/>
-                </a:solidFill>
-              </a:rPr>
-              <a:t>Necks</a:t>
+              <a:t>System Bottle Necks</a:t>
             </a:r>
             <a:endParaRPr lang="en-US" sz="1400" b="1" dirty="0">
               <a:solidFill>
@@ -5806,6 +5754,14 @@
           <a:prstGeom prst="roundRect">
             <a:avLst/>
           </a:prstGeom>
+          <a:solidFill>
+            <a:schemeClr val="accent1"/>
+          </a:solidFill>
+          <a:ln w="38100">
+            <a:solidFill>
+              <a:schemeClr val="accent4"/>
+            </a:solidFill>
+          </a:ln>
         </p:spPr>
         <p:style>
           <a:lnRef idx="0">
@@ -5827,12 +5783,8 @@
           <a:p>
             <a:pPr algn="ctr"/>
             <a:r>
-              <a:rPr lang="en-US" sz="1400" smtClean="0"/>
-              <a:t>Voxel-based </a:t>
-            </a:r>
-            <a:r>
               <a:rPr lang="en-US" sz="1400" dirty="0" smtClean="0"/>
-              <a:t>Ray-bundles</a:t>
+              <a:t>Voxel-based Ray-bundles</a:t>
             </a:r>
             <a:endParaRPr lang="en-US" sz="1400" dirty="0"/>
           </a:p>
@@ -5862,6 +5814,199 @@
           </a:fillRef>
           <a:effectRef idx="2">
             <a:schemeClr val="accent3"/>
+          </a:effectRef>
+          <a:fontRef idx="minor">
+            <a:schemeClr val="lt1"/>
+          </a:fontRef>
+        </p:style>
+        <p:txBody>
+          <a:bodyPr rtlCol="0" anchor="ctr"/>
+          <a:lstStyle/>
+          <a:p>
+            <a:pPr algn="ctr"/>
+            <a:endParaRPr lang="en-US"/>
+          </a:p>
+        </p:txBody>
+      </p:sp>
+      <p:sp>
+        <p:nvSpPr>
+          <p:cNvPr id="41" name="Rounded Rectangle 40"/>
+          <p:cNvSpPr/>
+          <p:nvPr/>
+        </p:nvSpPr>
+        <p:spPr>
+          <a:xfrm>
+            <a:off x="6522419" y="6210466"/>
+            <a:ext cx="1732182" cy="402403"/>
+          </a:xfrm>
+          <a:prstGeom prst="roundRect">
+            <a:avLst/>
+          </a:prstGeom>
+        </p:spPr>
+        <p:style>
+          <a:lnRef idx="0">
+            <a:schemeClr val="accent6"/>
+          </a:lnRef>
+          <a:fillRef idx="3">
+            <a:schemeClr val="accent6"/>
+          </a:fillRef>
+          <a:effectRef idx="3">
+            <a:schemeClr val="accent6"/>
+          </a:effectRef>
+          <a:fontRef idx="minor">
+            <a:schemeClr val="lt1"/>
+          </a:fontRef>
+        </p:style>
+        <p:txBody>
+          <a:bodyPr rtlCol="0" anchor="ctr"/>
+          <a:lstStyle/>
+          <a:p>
+            <a:pPr algn="ctr"/>
+            <a:r>
+              <a:rPr lang="en-US" sz="1400" dirty="0" smtClean="0"/>
+              <a:t>Regular </a:t>
+            </a:r>
+            <a:r>
+              <a:rPr lang="en-US" sz="1400" dirty="0" err="1" smtClean="0"/>
+              <a:t>Voxelization</a:t>
+            </a:r>
+            <a:endParaRPr lang="en-US" sz="1400" dirty="0"/>
+          </a:p>
+        </p:txBody>
+      </p:sp>
+      <p:sp>
+        <p:nvSpPr>
+          <p:cNvPr id="44" name="Rounded Rectangle 43"/>
+          <p:cNvSpPr/>
+          <p:nvPr/>
+        </p:nvSpPr>
+        <p:spPr>
+          <a:xfrm>
+            <a:off x="4312066" y="6210467"/>
+            <a:ext cx="1900657" cy="401506"/>
+          </a:xfrm>
+          <a:prstGeom prst="roundRect">
+            <a:avLst/>
+          </a:prstGeom>
+          <a:ln/>
+        </p:spPr>
+        <p:style>
+          <a:lnRef idx="0">
+            <a:schemeClr val="accent6"/>
+          </a:lnRef>
+          <a:fillRef idx="3">
+            <a:schemeClr val="accent6"/>
+          </a:fillRef>
+          <a:effectRef idx="3">
+            <a:schemeClr val="accent6"/>
+          </a:effectRef>
+          <a:fontRef idx="minor">
+            <a:schemeClr val="lt1"/>
+          </a:fontRef>
+        </p:style>
+        <p:txBody>
+          <a:bodyPr rtlCol="0" anchor="ctr"/>
+          <a:lstStyle/>
+          <a:p>
+            <a:pPr algn="ctr"/>
+            <a:r>
+              <a:rPr lang="en-US" sz="1400" dirty="0" smtClean="0"/>
+              <a:t>Sparse Voxel Octree</a:t>
+            </a:r>
+            <a:endParaRPr lang="en-US" sz="1400" dirty="0"/>
+          </a:p>
+        </p:txBody>
+      </p:sp>
+      <p:sp>
+        <p:nvSpPr>
+          <p:cNvPr id="48" name="Down Arrow 47"/>
+          <p:cNvSpPr/>
+          <p:nvPr/>
+        </p:nvSpPr>
+        <p:spPr>
+          <a:xfrm>
+            <a:off x="5262394" y="6008335"/>
+            <a:ext cx="204248" cy="183195"/>
+          </a:xfrm>
+          <a:prstGeom prst="downArrow">
+            <a:avLst/>
+          </a:prstGeom>
+          <a:solidFill>
+            <a:schemeClr val="bg2">
+              <a:lumMod val="75000"/>
+            </a:schemeClr>
+          </a:solidFill>
+          <a:ln>
+            <a:solidFill>
+              <a:schemeClr val="bg2">
+                <a:lumMod val="75000"/>
+              </a:schemeClr>
+            </a:solidFill>
+          </a:ln>
+        </p:spPr>
+        <p:style>
+          <a:lnRef idx="2">
+            <a:schemeClr val="accent1">
+              <a:shade val="50000"/>
+            </a:schemeClr>
+          </a:lnRef>
+          <a:fillRef idx="1">
+            <a:schemeClr val="accent1"/>
+          </a:fillRef>
+          <a:effectRef idx="0">
+            <a:schemeClr val="accent1"/>
+          </a:effectRef>
+          <a:fontRef idx="minor">
+            <a:schemeClr val="lt1"/>
+          </a:fontRef>
+        </p:style>
+        <p:txBody>
+          <a:bodyPr rtlCol="0" anchor="ctr"/>
+          <a:lstStyle/>
+          <a:p>
+            <a:pPr algn="ctr"/>
+            <a:endParaRPr lang="en-US"/>
+          </a:p>
+        </p:txBody>
+      </p:sp>
+      <p:sp>
+        <p:nvSpPr>
+          <p:cNvPr id="49" name="Right Arrow 48"/>
+          <p:cNvSpPr/>
+          <p:nvPr/>
+        </p:nvSpPr>
+        <p:spPr>
+          <a:xfrm>
+            <a:off x="6220124" y="6335954"/>
+            <a:ext cx="302295" cy="178373"/>
+          </a:xfrm>
+          <a:prstGeom prst="rightArrow">
+            <a:avLst/>
+          </a:prstGeom>
+          <a:solidFill>
+            <a:schemeClr val="bg2">
+              <a:lumMod val="75000"/>
+            </a:schemeClr>
+          </a:solidFill>
+          <a:ln>
+            <a:solidFill>
+              <a:schemeClr val="bg2">
+                <a:lumMod val="75000"/>
+              </a:schemeClr>
+            </a:solidFill>
+          </a:ln>
+        </p:spPr>
+        <p:style>
+          <a:lnRef idx="2">
+            <a:schemeClr val="accent1">
+              <a:shade val="50000"/>
+            </a:schemeClr>
+          </a:lnRef>
+          <a:fillRef idx="1">
+            <a:schemeClr val="accent1"/>
+          </a:fillRef>
+          <a:effectRef idx="0">
+            <a:schemeClr val="accent1"/>
           </a:effectRef>
           <a:fontRef idx="minor">
             <a:schemeClr val="lt1"/>
